--- a/documents/Slide Đồ án tốt nghiệp_Nguyễn Tuấn Anh.pptx
+++ b/documents/Slide Đồ án tốt nghiệp_Nguyễn Tuấn Anh.pptx
@@ -256,7 +256,7 @@
           <a:p>
             <a:fld id="{C8EC4C12-44DC-4AF1-91BC-D6BFF5E34312}" type="datetimeFigureOut">
               <a:rPr lang="vi-VN" smtClean="0"/>
-              <a:t>19/01/2021</a:t>
+              <a:t>22/01/2021</a:t>
             </a:fld>
             <a:endParaRPr lang="vi-VN"/>
           </a:p>
@@ -2235,7 +2235,7 @@
     <p:sldLayoutId id="2147483657" r:id="rId8"/>
     <p:sldLayoutId id="2147483658" r:id="rId9"/>
   </p:sldLayoutIdLst>
-  <p:hf sldNum="0" hdr="0" dt="0"/>
+  <p:hf hdr="0" dt="0"/>
   <p:txStyles>
     <p:titleStyle>
       <a:lvl1pPr algn="l" defTabSz="914400" rtl="0" eaLnBrk="1" latinLnBrk="0" hangingPunct="1">
@@ -2955,6 +2955,214 @@
           </a:p>
         </p:txBody>
       </p:sp>
+      <p:sp>
+        <p:nvSpPr>
+          <p:cNvPr id="6" name="Text Placeholder 2">
+            <a:extLst>
+              <a:ext uri="{FF2B5EF4-FFF2-40B4-BE49-F238E27FC236}">
+                <a16:creationId xmlns:a16="http://schemas.microsoft.com/office/drawing/2014/main" id="{68512201-79D8-4A20-A4F9-69171E44D8CE}"/>
+              </a:ext>
+            </a:extLst>
+          </p:cNvPr>
+          <p:cNvSpPr txBox="1">
+            <a:spLocks/>
+          </p:cNvSpPr>
+          <p:nvPr/>
+        </p:nvSpPr>
+        <p:spPr>
+          <a:xfrm>
+            <a:off x="5928755" y="6042073"/>
+            <a:ext cx="334490" cy="436098"/>
+          </a:xfrm>
+          <a:prstGeom prst="rect">
+            <a:avLst/>
+          </a:prstGeom>
+        </p:spPr>
+        <p:txBody>
+          <a:bodyPr/>
+          <a:lstStyle>
+            <a:lvl1pPr marL="228600" indent="-228600" algn="l" defTabSz="914400" rtl="0" eaLnBrk="1" latinLnBrk="0" hangingPunct="1">
+              <a:lnSpc>
+                <a:spcPct val="90000"/>
+              </a:lnSpc>
+              <a:spcBef>
+                <a:spcPts val="1000"/>
+              </a:spcBef>
+              <a:buFont typeface="Arial" panose="020B0604020202020204" pitchFamily="34" charset="0"/>
+              <a:buChar char="•"/>
+              <a:defRPr sz="2800" kern="1200">
+                <a:solidFill>
+                  <a:schemeClr val="tx1"/>
+                </a:solidFill>
+                <a:latin typeface="Lato" panose="020F0502020204030203" pitchFamily="34" charset="0"/>
+                <a:ea typeface="Lato" panose="020F0502020204030203" pitchFamily="34" charset="0"/>
+                <a:cs typeface="Lato" panose="020F0502020204030203" pitchFamily="34" charset="0"/>
+              </a:defRPr>
+            </a:lvl1pPr>
+            <a:lvl2pPr marL="685800" indent="-228600" algn="l" defTabSz="914400" rtl="0" eaLnBrk="1" latinLnBrk="0" hangingPunct="1">
+              <a:lnSpc>
+                <a:spcPct val="90000"/>
+              </a:lnSpc>
+              <a:spcBef>
+                <a:spcPts val="500"/>
+              </a:spcBef>
+              <a:buFont typeface="Arial" panose="020B0604020202020204" pitchFamily="34" charset="0"/>
+              <a:buChar char="•"/>
+              <a:defRPr sz="2400" kern="1200">
+                <a:solidFill>
+                  <a:schemeClr val="tx1"/>
+                </a:solidFill>
+                <a:latin typeface="Lato" panose="020F0502020204030203" pitchFamily="34" charset="0"/>
+                <a:ea typeface="Lato" panose="020F0502020204030203" pitchFamily="34" charset="0"/>
+                <a:cs typeface="Lato" panose="020F0502020204030203" pitchFamily="34" charset="0"/>
+              </a:defRPr>
+            </a:lvl2pPr>
+            <a:lvl3pPr marL="1143000" indent="-228600" algn="l" defTabSz="914400" rtl="0" eaLnBrk="1" latinLnBrk="0" hangingPunct="1">
+              <a:lnSpc>
+                <a:spcPct val="90000"/>
+              </a:lnSpc>
+              <a:spcBef>
+                <a:spcPts val="500"/>
+              </a:spcBef>
+              <a:buFont typeface="Arial" panose="020B0604020202020204" pitchFamily="34" charset="0"/>
+              <a:buChar char="•"/>
+              <a:defRPr sz="2000" kern="1200">
+                <a:solidFill>
+                  <a:schemeClr val="tx1"/>
+                </a:solidFill>
+                <a:latin typeface="Lato" panose="020F0502020204030203" pitchFamily="34" charset="0"/>
+                <a:ea typeface="Lato" panose="020F0502020204030203" pitchFamily="34" charset="0"/>
+                <a:cs typeface="Lato" panose="020F0502020204030203" pitchFamily="34" charset="0"/>
+              </a:defRPr>
+            </a:lvl3pPr>
+            <a:lvl4pPr marL="1600200" indent="-228600" algn="l" defTabSz="914400" rtl="0" eaLnBrk="1" latinLnBrk="0" hangingPunct="1">
+              <a:lnSpc>
+                <a:spcPct val="90000"/>
+              </a:lnSpc>
+              <a:spcBef>
+                <a:spcPts val="500"/>
+              </a:spcBef>
+              <a:buFont typeface="Arial" panose="020B0604020202020204" pitchFamily="34" charset="0"/>
+              <a:buChar char="•"/>
+              <a:defRPr sz="1800" kern="1200">
+                <a:solidFill>
+                  <a:schemeClr val="tx1"/>
+                </a:solidFill>
+                <a:latin typeface="Lato" panose="020F0502020204030203" pitchFamily="34" charset="0"/>
+                <a:ea typeface="Lato" panose="020F0502020204030203" pitchFamily="34" charset="0"/>
+                <a:cs typeface="Lato" panose="020F0502020204030203" pitchFamily="34" charset="0"/>
+              </a:defRPr>
+            </a:lvl4pPr>
+            <a:lvl5pPr marL="2057400" indent="-228600" algn="l" defTabSz="914400" rtl="0" eaLnBrk="1" latinLnBrk="0" hangingPunct="1">
+              <a:lnSpc>
+                <a:spcPct val="90000"/>
+              </a:lnSpc>
+              <a:spcBef>
+                <a:spcPts val="500"/>
+              </a:spcBef>
+              <a:buFont typeface="Arial" panose="020B0604020202020204" pitchFamily="34" charset="0"/>
+              <a:buChar char="•"/>
+              <a:defRPr sz="1800" kern="1200">
+                <a:solidFill>
+                  <a:schemeClr val="tx1"/>
+                </a:solidFill>
+                <a:latin typeface="Lato" panose="020F0502020204030203" pitchFamily="34" charset="0"/>
+                <a:ea typeface="Lato" panose="020F0502020204030203" pitchFamily="34" charset="0"/>
+                <a:cs typeface="Lato" panose="020F0502020204030203" pitchFamily="34" charset="0"/>
+              </a:defRPr>
+            </a:lvl5pPr>
+            <a:lvl6pPr marL="2514600" indent="-228600" algn="l" defTabSz="914400" rtl="0" eaLnBrk="1" latinLnBrk="0" hangingPunct="1">
+              <a:lnSpc>
+                <a:spcPct val="90000"/>
+              </a:lnSpc>
+              <a:spcBef>
+                <a:spcPts val="500"/>
+              </a:spcBef>
+              <a:buFont typeface="Arial" panose="020B0604020202020204" pitchFamily="34" charset="0"/>
+              <a:buChar char="•"/>
+              <a:defRPr sz="1800" kern="1200">
+                <a:solidFill>
+                  <a:schemeClr val="tx1"/>
+                </a:solidFill>
+                <a:latin typeface="+mn-lt"/>
+                <a:ea typeface="+mn-ea"/>
+                <a:cs typeface="+mn-cs"/>
+              </a:defRPr>
+            </a:lvl6pPr>
+            <a:lvl7pPr marL="2971800" indent="-228600" algn="l" defTabSz="914400" rtl="0" eaLnBrk="1" latinLnBrk="0" hangingPunct="1">
+              <a:lnSpc>
+                <a:spcPct val="90000"/>
+              </a:lnSpc>
+              <a:spcBef>
+                <a:spcPts val="500"/>
+              </a:spcBef>
+              <a:buFont typeface="Arial" panose="020B0604020202020204" pitchFamily="34" charset="0"/>
+              <a:buChar char="•"/>
+              <a:defRPr sz="1800" kern="1200">
+                <a:solidFill>
+                  <a:schemeClr val="tx1"/>
+                </a:solidFill>
+                <a:latin typeface="+mn-lt"/>
+                <a:ea typeface="+mn-ea"/>
+                <a:cs typeface="+mn-cs"/>
+              </a:defRPr>
+            </a:lvl7pPr>
+            <a:lvl8pPr marL="3429000" indent="-228600" algn="l" defTabSz="914400" rtl="0" eaLnBrk="1" latinLnBrk="0" hangingPunct="1">
+              <a:lnSpc>
+                <a:spcPct val="90000"/>
+              </a:lnSpc>
+              <a:spcBef>
+                <a:spcPts val="500"/>
+              </a:spcBef>
+              <a:buFont typeface="Arial" panose="020B0604020202020204" pitchFamily="34" charset="0"/>
+              <a:buChar char="•"/>
+              <a:defRPr sz="1800" kern="1200">
+                <a:solidFill>
+                  <a:schemeClr val="tx1"/>
+                </a:solidFill>
+                <a:latin typeface="+mn-lt"/>
+                <a:ea typeface="+mn-ea"/>
+                <a:cs typeface="+mn-cs"/>
+              </a:defRPr>
+            </a:lvl8pPr>
+            <a:lvl9pPr marL="3886200" indent="-228600" algn="l" defTabSz="914400" rtl="0" eaLnBrk="1" latinLnBrk="0" hangingPunct="1">
+              <a:lnSpc>
+                <a:spcPct val="90000"/>
+              </a:lnSpc>
+              <a:spcBef>
+                <a:spcPts val="500"/>
+              </a:spcBef>
+              <a:buFont typeface="Arial" panose="020B0604020202020204" pitchFamily="34" charset="0"/>
+              <a:buChar char="•"/>
+              <a:defRPr sz="1800" kern="1200">
+                <a:solidFill>
+                  <a:schemeClr val="tx1"/>
+                </a:solidFill>
+                <a:latin typeface="+mn-lt"/>
+                <a:ea typeface="+mn-ea"/>
+                <a:cs typeface="+mn-cs"/>
+              </a:defRPr>
+            </a:lvl9pPr>
+          </a:lstStyle>
+          <a:p>
+            <a:pPr marL="0" indent="0">
+              <a:buFont typeface="Arial" panose="020B0604020202020204" pitchFamily="34" charset="0"/>
+              <a:buNone/>
+            </a:pPr>
+            <a:r>
+              <a:rPr lang="en-US">
+                <a:latin typeface="Times New Roman" panose="02020603050405020304" pitchFamily="18" charset="0"/>
+                <a:cs typeface="Times New Roman" panose="02020603050405020304" pitchFamily="18" charset="0"/>
+              </a:rPr>
+              <a:t>7</a:t>
+            </a:r>
+            <a:endParaRPr lang="vi-VN">
+              <a:latin typeface="Times New Roman" panose="02020603050405020304" pitchFamily="18" charset="0"/>
+              <a:cs typeface="Times New Roman" panose="02020603050405020304" pitchFamily="18" charset="0"/>
+            </a:endParaRPr>
+          </a:p>
+        </p:txBody>
+      </p:sp>
     </p:spTree>
     <p:extLst>
       <p:ext uri="{BB962C8B-B14F-4D97-AF65-F5344CB8AC3E}">
@@ -3576,6 +3784,214 @@
               </a:rPr>
               <a:t>2. Phân tích và thiết kế</a:t>
             </a:r>
+          </a:p>
+        </p:txBody>
+      </p:sp>
+      <p:sp>
+        <p:nvSpPr>
+          <p:cNvPr id="6" name="Text Placeholder 2">
+            <a:extLst>
+              <a:ext uri="{FF2B5EF4-FFF2-40B4-BE49-F238E27FC236}">
+                <a16:creationId xmlns:a16="http://schemas.microsoft.com/office/drawing/2014/main" id="{3F9860F4-5BE1-41B0-8EA9-390A1114F883}"/>
+              </a:ext>
+            </a:extLst>
+          </p:cNvPr>
+          <p:cNvSpPr txBox="1">
+            <a:spLocks/>
+          </p:cNvSpPr>
+          <p:nvPr/>
+        </p:nvSpPr>
+        <p:spPr>
+          <a:xfrm>
+            <a:off x="5928755" y="6042073"/>
+            <a:ext cx="334490" cy="436098"/>
+          </a:xfrm>
+          <a:prstGeom prst="rect">
+            <a:avLst/>
+          </a:prstGeom>
+        </p:spPr>
+        <p:txBody>
+          <a:bodyPr/>
+          <a:lstStyle>
+            <a:lvl1pPr marL="228600" indent="-228600" algn="l" defTabSz="914400" rtl="0" eaLnBrk="1" latinLnBrk="0" hangingPunct="1">
+              <a:lnSpc>
+                <a:spcPct val="90000"/>
+              </a:lnSpc>
+              <a:spcBef>
+                <a:spcPts val="1000"/>
+              </a:spcBef>
+              <a:buFont typeface="Arial" panose="020B0604020202020204" pitchFamily="34" charset="0"/>
+              <a:buChar char="•"/>
+              <a:defRPr sz="2800" kern="1200">
+                <a:solidFill>
+                  <a:schemeClr val="tx1"/>
+                </a:solidFill>
+                <a:latin typeface="Lato" panose="020F0502020204030203" pitchFamily="34" charset="0"/>
+                <a:ea typeface="Lato" panose="020F0502020204030203" pitchFamily="34" charset="0"/>
+                <a:cs typeface="Lato" panose="020F0502020204030203" pitchFamily="34" charset="0"/>
+              </a:defRPr>
+            </a:lvl1pPr>
+            <a:lvl2pPr marL="685800" indent="-228600" algn="l" defTabSz="914400" rtl="0" eaLnBrk="1" latinLnBrk="0" hangingPunct="1">
+              <a:lnSpc>
+                <a:spcPct val="90000"/>
+              </a:lnSpc>
+              <a:spcBef>
+                <a:spcPts val="500"/>
+              </a:spcBef>
+              <a:buFont typeface="Arial" panose="020B0604020202020204" pitchFamily="34" charset="0"/>
+              <a:buChar char="•"/>
+              <a:defRPr sz="2400" kern="1200">
+                <a:solidFill>
+                  <a:schemeClr val="tx1"/>
+                </a:solidFill>
+                <a:latin typeface="Lato" panose="020F0502020204030203" pitchFamily="34" charset="0"/>
+                <a:ea typeface="Lato" panose="020F0502020204030203" pitchFamily="34" charset="0"/>
+                <a:cs typeface="Lato" panose="020F0502020204030203" pitchFamily="34" charset="0"/>
+              </a:defRPr>
+            </a:lvl2pPr>
+            <a:lvl3pPr marL="1143000" indent="-228600" algn="l" defTabSz="914400" rtl="0" eaLnBrk="1" latinLnBrk="0" hangingPunct="1">
+              <a:lnSpc>
+                <a:spcPct val="90000"/>
+              </a:lnSpc>
+              <a:spcBef>
+                <a:spcPts val="500"/>
+              </a:spcBef>
+              <a:buFont typeface="Arial" panose="020B0604020202020204" pitchFamily="34" charset="0"/>
+              <a:buChar char="•"/>
+              <a:defRPr sz="2000" kern="1200">
+                <a:solidFill>
+                  <a:schemeClr val="tx1"/>
+                </a:solidFill>
+                <a:latin typeface="Lato" panose="020F0502020204030203" pitchFamily="34" charset="0"/>
+                <a:ea typeface="Lato" panose="020F0502020204030203" pitchFamily="34" charset="0"/>
+                <a:cs typeface="Lato" panose="020F0502020204030203" pitchFamily="34" charset="0"/>
+              </a:defRPr>
+            </a:lvl3pPr>
+            <a:lvl4pPr marL="1600200" indent="-228600" algn="l" defTabSz="914400" rtl="0" eaLnBrk="1" latinLnBrk="0" hangingPunct="1">
+              <a:lnSpc>
+                <a:spcPct val="90000"/>
+              </a:lnSpc>
+              <a:spcBef>
+                <a:spcPts val="500"/>
+              </a:spcBef>
+              <a:buFont typeface="Arial" panose="020B0604020202020204" pitchFamily="34" charset="0"/>
+              <a:buChar char="•"/>
+              <a:defRPr sz="1800" kern="1200">
+                <a:solidFill>
+                  <a:schemeClr val="tx1"/>
+                </a:solidFill>
+                <a:latin typeface="Lato" panose="020F0502020204030203" pitchFamily="34" charset="0"/>
+                <a:ea typeface="Lato" panose="020F0502020204030203" pitchFamily="34" charset="0"/>
+                <a:cs typeface="Lato" panose="020F0502020204030203" pitchFamily="34" charset="0"/>
+              </a:defRPr>
+            </a:lvl4pPr>
+            <a:lvl5pPr marL="2057400" indent="-228600" algn="l" defTabSz="914400" rtl="0" eaLnBrk="1" latinLnBrk="0" hangingPunct="1">
+              <a:lnSpc>
+                <a:spcPct val="90000"/>
+              </a:lnSpc>
+              <a:spcBef>
+                <a:spcPts val="500"/>
+              </a:spcBef>
+              <a:buFont typeface="Arial" panose="020B0604020202020204" pitchFamily="34" charset="0"/>
+              <a:buChar char="•"/>
+              <a:defRPr sz="1800" kern="1200">
+                <a:solidFill>
+                  <a:schemeClr val="tx1"/>
+                </a:solidFill>
+                <a:latin typeface="Lato" panose="020F0502020204030203" pitchFamily="34" charset="0"/>
+                <a:ea typeface="Lato" panose="020F0502020204030203" pitchFamily="34" charset="0"/>
+                <a:cs typeface="Lato" panose="020F0502020204030203" pitchFamily="34" charset="0"/>
+              </a:defRPr>
+            </a:lvl5pPr>
+            <a:lvl6pPr marL="2514600" indent="-228600" algn="l" defTabSz="914400" rtl="0" eaLnBrk="1" latinLnBrk="0" hangingPunct="1">
+              <a:lnSpc>
+                <a:spcPct val="90000"/>
+              </a:lnSpc>
+              <a:spcBef>
+                <a:spcPts val="500"/>
+              </a:spcBef>
+              <a:buFont typeface="Arial" panose="020B0604020202020204" pitchFamily="34" charset="0"/>
+              <a:buChar char="•"/>
+              <a:defRPr sz="1800" kern="1200">
+                <a:solidFill>
+                  <a:schemeClr val="tx1"/>
+                </a:solidFill>
+                <a:latin typeface="+mn-lt"/>
+                <a:ea typeface="+mn-ea"/>
+                <a:cs typeface="+mn-cs"/>
+              </a:defRPr>
+            </a:lvl6pPr>
+            <a:lvl7pPr marL="2971800" indent="-228600" algn="l" defTabSz="914400" rtl="0" eaLnBrk="1" latinLnBrk="0" hangingPunct="1">
+              <a:lnSpc>
+                <a:spcPct val="90000"/>
+              </a:lnSpc>
+              <a:spcBef>
+                <a:spcPts val="500"/>
+              </a:spcBef>
+              <a:buFont typeface="Arial" panose="020B0604020202020204" pitchFamily="34" charset="0"/>
+              <a:buChar char="•"/>
+              <a:defRPr sz="1800" kern="1200">
+                <a:solidFill>
+                  <a:schemeClr val="tx1"/>
+                </a:solidFill>
+                <a:latin typeface="+mn-lt"/>
+                <a:ea typeface="+mn-ea"/>
+                <a:cs typeface="+mn-cs"/>
+              </a:defRPr>
+            </a:lvl7pPr>
+            <a:lvl8pPr marL="3429000" indent="-228600" algn="l" defTabSz="914400" rtl="0" eaLnBrk="1" latinLnBrk="0" hangingPunct="1">
+              <a:lnSpc>
+                <a:spcPct val="90000"/>
+              </a:lnSpc>
+              <a:spcBef>
+                <a:spcPts val="500"/>
+              </a:spcBef>
+              <a:buFont typeface="Arial" panose="020B0604020202020204" pitchFamily="34" charset="0"/>
+              <a:buChar char="•"/>
+              <a:defRPr sz="1800" kern="1200">
+                <a:solidFill>
+                  <a:schemeClr val="tx1"/>
+                </a:solidFill>
+                <a:latin typeface="+mn-lt"/>
+                <a:ea typeface="+mn-ea"/>
+                <a:cs typeface="+mn-cs"/>
+              </a:defRPr>
+            </a:lvl8pPr>
+            <a:lvl9pPr marL="3886200" indent="-228600" algn="l" defTabSz="914400" rtl="0" eaLnBrk="1" latinLnBrk="0" hangingPunct="1">
+              <a:lnSpc>
+                <a:spcPct val="90000"/>
+              </a:lnSpc>
+              <a:spcBef>
+                <a:spcPts val="500"/>
+              </a:spcBef>
+              <a:buFont typeface="Arial" panose="020B0604020202020204" pitchFamily="34" charset="0"/>
+              <a:buChar char="•"/>
+              <a:defRPr sz="1800" kern="1200">
+                <a:solidFill>
+                  <a:schemeClr val="tx1"/>
+                </a:solidFill>
+                <a:latin typeface="+mn-lt"/>
+                <a:ea typeface="+mn-ea"/>
+                <a:cs typeface="+mn-cs"/>
+              </a:defRPr>
+            </a:lvl9pPr>
+          </a:lstStyle>
+          <a:p>
+            <a:pPr marL="0" indent="0">
+              <a:buFont typeface="Arial" panose="020B0604020202020204" pitchFamily="34" charset="0"/>
+              <a:buNone/>
+            </a:pPr>
+            <a:r>
+              <a:rPr lang="en-US">
+                <a:latin typeface="Times New Roman" panose="02020603050405020304" pitchFamily="18" charset="0"/>
+                <a:cs typeface="Times New Roman" panose="02020603050405020304" pitchFamily="18" charset="0"/>
+              </a:rPr>
+              <a:t>8</a:t>
+            </a:r>
+            <a:endParaRPr lang="vi-VN">
+              <a:latin typeface="Times New Roman" panose="02020603050405020304" pitchFamily="18" charset="0"/>
+              <a:cs typeface="Times New Roman" panose="02020603050405020304" pitchFamily="18" charset="0"/>
+            </a:endParaRPr>
           </a:p>
         </p:txBody>
       </p:sp>
@@ -3788,10 +4204,10 @@
       </p:sp>
       <p:pic>
         <p:nvPicPr>
-          <p:cNvPr id="3" name="Picture 2">
+          <p:cNvPr id="6" name="Picture 5">
             <a:extLst>
               <a:ext uri="{FF2B5EF4-FFF2-40B4-BE49-F238E27FC236}">
-                <a16:creationId xmlns:a16="http://schemas.microsoft.com/office/drawing/2014/main" id="{CF3798BA-839A-4135-A58A-705137FDFEA2}"/>
+                <a16:creationId xmlns:a16="http://schemas.microsoft.com/office/drawing/2014/main" id="{9C6E32C4-7C80-48DB-9E46-6C4C48CA4791}"/>
               </a:ext>
             </a:extLst>
           </p:cNvPr>
@@ -3808,14 +4224,222 @@
         </p:blipFill>
         <p:spPr>
           <a:xfrm>
-            <a:off x="1793483" y="2260135"/>
-            <a:ext cx="8605034" cy="2872301"/>
+            <a:off x="1857949" y="2313140"/>
+            <a:ext cx="9042186" cy="2776653"/>
           </a:xfrm>
           <a:prstGeom prst="rect">
             <a:avLst/>
           </a:prstGeom>
         </p:spPr>
       </p:pic>
+      <p:sp>
+        <p:nvSpPr>
+          <p:cNvPr id="7" name="Text Placeholder 2">
+            <a:extLst>
+              <a:ext uri="{FF2B5EF4-FFF2-40B4-BE49-F238E27FC236}">
+                <a16:creationId xmlns:a16="http://schemas.microsoft.com/office/drawing/2014/main" id="{B3380452-EC3E-4053-9B86-6DF82CF1C78D}"/>
+              </a:ext>
+            </a:extLst>
+          </p:cNvPr>
+          <p:cNvSpPr txBox="1">
+            <a:spLocks/>
+          </p:cNvSpPr>
+          <p:nvPr/>
+        </p:nvSpPr>
+        <p:spPr>
+          <a:xfrm>
+            <a:off x="5928755" y="6042073"/>
+            <a:ext cx="334490" cy="436098"/>
+          </a:xfrm>
+          <a:prstGeom prst="rect">
+            <a:avLst/>
+          </a:prstGeom>
+        </p:spPr>
+        <p:txBody>
+          <a:bodyPr/>
+          <a:lstStyle>
+            <a:lvl1pPr marL="228600" indent="-228600" algn="l" defTabSz="914400" rtl="0" eaLnBrk="1" latinLnBrk="0" hangingPunct="1">
+              <a:lnSpc>
+                <a:spcPct val="90000"/>
+              </a:lnSpc>
+              <a:spcBef>
+                <a:spcPts val="1000"/>
+              </a:spcBef>
+              <a:buFont typeface="Arial" panose="020B0604020202020204" pitchFamily="34" charset="0"/>
+              <a:buChar char="•"/>
+              <a:defRPr sz="2800" kern="1200">
+                <a:solidFill>
+                  <a:schemeClr val="tx1"/>
+                </a:solidFill>
+                <a:latin typeface="Lato" panose="020F0502020204030203" pitchFamily="34" charset="0"/>
+                <a:ea typeface="Lato" panose="020F0502020204030203" pitchFamily="34" charset="0"/>
+                <a:cs typeface="Lato" panose="020F0502020204030203" pitchFamily="34" charset="0"/>
+              </a:defRPr>
+            </a:lvl1pPr>
+            <a:lvl2pPr marL="685800" indent="-228600" algn="l" defTabSz="914400" rtl="0" eaLnBrk="1" latinLnBrk="0" hangingPunct="1">
+              <a:lnSpc>
+                <a:spcPct val="90000"/>
+              </a:lnSpc>
+              <a:spcBef>
+                <a:spcPts val="500"/>
+              </a:spcBef>
+              <a:buFont typeface="Arial" panose="020B0604020202020204" pitchFamily="34" charset="0"/>
+              <a:buChar char="•"/>
+              <a:defRPr sz="2400" kern="1200">
+                <a:solidFill>
+                  <a:schemeClr val="tx1"/>
+                </a:solidFill>
+                <a:latin typeface="Lato" panose="020F0502020204030203" pitchFamily="34" charset="0"/>
+                <a:ea typeface="Lato" panose="020F0502020204030203" pitchFamily="34" charset="0"/>
+                <a:cs typeface="Lato" panose="020F0502020204030203" pitchFamily="34" charset="0"/>
+              </a:defRPr>
+            </a:lvl2pPr>
+            <a:lvl3pPr marL="1143000" indent="-228600" algn="l" defTabSz="914400" rtl="0" eaLnBrk="1" latinLnBrk="0" hangingPunct="1">
+              <a:lnSpc>
+                <a:spcPct val="90000"/>
+              </a:lnSpc>
+              <a:spcBef>
+                <a:spcPts val="500"/>
+              </a:spcBef>
+              <a:buFont typeface="Arial" panose="020B0604020202020204" pitchFamily="34" charset="0"/>
+              <a:buChar char="•"/>
+              <a:defRPr sz="2000" kern="1200">
+                <a:solidFill>
+                  <a:schemeClr val="tx1"/>
+                </a:solidFill>
+                <a:latin typeface="Lato" panose="020F0502020204030203" pitchFamily="34" charset="0"/>
+                <a:ea typeface="Lato" panose="020F0502020204030203" pitchFamily="34" charset="0"/>
+                <a:cs typeface="Lato" panose="020F0502020204030203" pitchFamily="34" charset="0"/>
+              </a:defRPr>
+            </a:lvl3pPr>
+            <a:lvl4pPr marL="1600200" indent="-228600" algn="l" defTabSz="914400" rtl="0" eaLnBrk="1" latinLnBrk="0" hangingPunct="1">
+              <a:lnSpc>
+                <a:spcPct val="90000"/>
+              </a:lnSpc>
+              <a:spcBef>
+                <a:spcPts val="500"/>
+              </a:spcBef>
+              <a:buFont typeface="Arial" panose="020B0604020202020204" pitchFamily="34" charset="0"/>
+              <a:buChar char="•"/>
+              <a:defRPr sz="1800" kern="1200">
+                <a:solidFill>
+                  <a:schemeClr val="tx1"/>
+                </a:solidFill>
+                <a:latin typeface="Lato" panose="020F0502020204030203" pitchFamily="34" charset="0"/>
+                <a:ea typeface="Lato" panose="020F0502020204030203" pitchFamily="34" charset="0"/>
+                <a:cs typeface="Lato" panose="020F0502020204030203" pitchFamily="34" charset="0"/>
+              </a:defRPr>
+            </a:lvl4pPr>
+            <a:lvl5pPr marL="2057400" indent="-228600" algn="l" defTabSz="914400" rtl="0" eaLnBrk="1" latinLnBrk="0" hangingPunct="1">
+              <a:lnSpc>
+                <a:spcPct val="90000"/>
+              </a:lnSpc>
+              <a:spcBef>
+                <a:spcPts val="500"/>
+              </a:spcBef>
+              <a:buFont typeface="Arial" panose="020B0604020202020204" pitchFamily="34" charset="0"/>
+              <a:buChar char="•"/>
+              <a:defRPr sz="1800" kern="1200">
+                <a:solidFill>
+                  <a:schemeClr val="tx1"/>
+                </a:solidFill>
+                <a:latin typeface="Lato" panose="020F0502020204030203" pitchFamily="34" charset="0"/>
+                <a:ea typeface="Lato" panose="020F0502020204030203" pitchFamily="34" charset="0"/>
+                <a:cs typeface="Lato" panose="020F0502020204030203" pitchFamily="34" charset="0"/>
+              </a:defRPr>
+            </a:lvl5pPr>
+            <a:lvl6pPr marL="2514600" indent="-228600" algn="l" defTabSz="914400" rtl="0" eaLnBrk="1" latinLnBrk="0" hangingPunct="1">
+              <a:lnSpc>
+                <a:spcPct val="90000"/>
+              </a:lnSpc>
+              <a:spcBef>
+                <a:spcPts val="500"/>
+              </a:spcBef>
+              <a:buFont typeface="Arial" panose="020B0604020202020204" pitchFamily="34" charset="0"/>
+              <a:buChar char="•"/>
+              <a:defRPr sz="1800" kern="1200">
+                <a:solidFill>
+                  <a:schemeClr val="tx1"/>
+                </a:solidFill>
+                <a:latin typeface="+mn-lt"/>
+                <a:ea typeface="+mn-ea"/>
+                <a:cs typeface="+mn-cs"/>
+              </a:defRPr>
+            </a:lvl6pPr>
+            <a:lvl7pPr marL="2971800" indent="-228600" algn="l" defTabSz="914400" rtl="0" eaLnBrk="1" latinLnBrk="0" hangingPunct="1">
+              <a:lnSpc>
+                <a:spcPct val="90000"/>
+              </a:lnSpc>
+              <a:spcBef>
+                <a:spcPts val="500"/>
+              </a:spcBef>
+              <a:buFont typeface="Arial" panose="020B0604020202020204" pitchFamily="34" charset="0"/>
+              <a:buChar char="•"/>
+              <a:defRPr sz="1800" kern="1200">
+                <a:solidFill>
+                  <a:schemeClr val="tx1"/>
+                </a:solidFill>
+                <a:latin typeface="+mn-lt"/>
+                <a:ea typeface="+mn-ea"/>
+                <a:cs typeface="+mn-cs"/>
+              </a:defRPr>
+            </a:lvl7pPr>
+            <a:lvl8pPr marL="3429000" indent="-228600" algn="l" defTabSz="914400" rtl="0" eaLnBrk="1" latinLnBrk="0" hangingPunct="1">
+              <a:lnSpc>
+                <a:spcPct val="90000"/>
+              </a:lnSpc>
+              <a:spcBef>
+                <a:spcPts val="500"/>
+              </a:spcBef>
+              <a:buFont typeface="Arial" panose="020B0604020202020204" pitchFamily="34" charset="0"/>
+              <a:buChar char="•"/>
+              <a:defRPr sz="1800" kern="1200">
+                <a:solidFill>
+                  <a:schemeClr val="tx1"/>
+                </a:solidFill>
+                <a:latin typeface="+mn-lt"/>
+                <a:ea typeface="+mn-ea"/>
+                <a:cs typeface="+mn-cs"/>
+              </a:defRPr>
+            </a:lvl8pPr>
+            <a:lvl9pPr marL="3886200" indent="-228600" algn="l" defTabSz="914400" rtl="0" eaLnBrk="1" latinLnBrk="0" hangingPunct="1">
+              <a:lnSpc>
+                <a:spcPct val="90000"/>
+              </a:lnSpc>
+              <a:spcBef>
+                <a:spcPts val="500"/>
+              </a:spcBef>
+              <a:buFont typeface="Arial" panose="020B0604020202020204" pitchFamily="34" charset="0"/>
+              <a:buChar char="•"/>
+              <a:defRPr sz="1800" kern="1200">
+                <a:solidFill>
+                  <a:schemeClr val="tx1"/>
+                </a:solidFill>
+                <a:latin typeface="+mn-lt"/>
+                <a:ea typeface="+mn-ea"/>
+                <a:cs typeface="+mn-cs"/>
+              </a:defRPr>
+            </a:lvl9pPr>
+          </a:lstStyle>
+          <a:p>
+            <a:pPr marL="0" indent="0">
+              <a:buFont typeface="Arial" panose="020B0604020202020204" pitchFamily="34" charset="0"/>
+              <a:buNone/>
+            </a:pPr>
+            <a:r>
+              <a:rPr lang="en-US">
+                <a:latin typeface="Times New Roman" panose="02020603050405020304" pitchFamily="18" charset="0"/>
+                <a:cs typeface="Times New Roman" panose="02020603050405020304" pitchFamily="18" charset="0"/>
+              </a:rPr>
+              <a:t>9</a:t>
+            </a:r>
+            <a:endParaRPr lang="vi-VN">
+              <a:latin typeface="Times New Roman" panose="02020603050405020304" pitchFamily="18" charset="0"/>
+              <a:cs typeface="Times New Roman" panose="02020603050405020304" pitchFamily="18" charset="0"/>
+            </a:endParaRPr>
+          </a:p>
+        </p:txBody>
+      </p:sp>
     </p:spTree>
     <p:extLst>
       <p:ext uri="{BB962C8B-B14F-4D97-AF65-F5344CB8AC3E}">
@@ -4047,6 +4671,214 @@
           </a:prstGeom>
         </p:spPr>
       </p:pic>
+      <p:sp>
+        <p:nvSpPr>
+          <p:cNvPr id="6" name="Text Placeholder 2">
+            <a:extLst>
+              <a:ext uri="{FF2B5EF4-FFF2-40B4-BE49-F238E27FC236}">
+                <a16:creationId xmlns:a16="http://schemas.microsoft.com/office/drawing/2014/main" id="{146E4EC3-5757-4A54-8939-8D81B26B08D3}"/>
+              </a:ext>
+            </a:extLst>
+          </p:cNvPr>
+          <p:cNvSpPr txBox="1">
+            <a:spLocks/>
+          </p:cNvSpPr>
+          <p:nvPr/>
+        </p:nvSpPr>
+        <p:spPr>
+          <a:xfrm>
+            <a:off x="5798544" y="6051080"/>
+            <a:ext cx="594911" cy="427091"/>
+          </a:xfrm>
+          <a:prstGeom prst="rect">
+            <a:avLst/>
+          </a:prstGeom>
+        </p:spPr>
+        <p:txBody>
+          <a:bodyPr/>
+          <a:lstStyle>
+            <a:lvl1pPr marL="228600" indent="-228600" algn="l" defTabSz="914400" rtl="0" eaLnBrk="1" latinLnBrk="0" hangingPunct="1">
+              <a:lnSpc>
+                <a:spcPct val="90000"/>
+              </a:lnSpc>
+              <a:spcBef>
+                <a:spcPts val="1000"/>
+              </a:spcBef>
+              <a:buFont typeface="Arial" panose="020B0604020202020204" pitchFamily="34" charset="0"/>
+              <a:buChar char="•"/>
+              <a:defRPr sz="2800" kern="1200">
+                <a:solidFill>
+                  <a:schemeClr val="tx1"/>
+                </a:solidFill>
+                <a:latin typeface="Lato" panose="020F0502020204030203" pitchFamily="34" charset="0"/>
+                <a:ea typeface="Lato" panose="020F0502020204030203" pitchFamily="34" charset="0"/>
+                <a:cs typeface="Lato" panose="020F0502020204030203" pitchFamily="34" charset="0"/>
+              </a:defRPr>
+            </a:lvl1pPr>
+            <a:lvl2pPr marL="685800" indent="-228600" algn="l" defTabSz="914400" rtl="0" eaLnBrk="1" latinLnBrk="0" hangingPunct="1">
+              <a:lnSpc>
+                <a:spcPct val="90000"/>
+              </a:lnSpc>
+              <a:spcBef>
+                <a:spcPts val="500"/>
+              </a:spcBef>
+              <a:buFont typeface="Arial" panose="020B0604020202020204" pitchFamily="34" charset="0"/>
+              <a:buChar char="•"/>
+              <a:defRPr sz="2400" kern="1200">
+                <a:solidFill>
+                  <a:schemeClr val="tx1"/>
+                </a:solidFill>
+                <a:latin typeface="Lato" panose="020F0502020204030203" pitchFamily="34" charset="0"/>
+                <a:ea typeface="Lato" panose="020F0502020204030203" pitchFamily="34" charset="0"/>
+                <a:cs typeface="Lato" panose="020F0502020204030203" pitchFamily="34" charset="0"/>
+              </a:defRPr>
+            </a:lvl2pPr>
+            <a:lvl3pPr marL="1143000" indent="-228600" algn="l" defTabSz="914400" rtl="0" eaLnBrk="1" latinLnBrk="0" hangingPunct="1">
+              <a:lnSpc>
+                <a:spcPct val="90000"/>
+              </a:lnSpc>
+              <a:spcBef>
+                <a:spcPts val="500"/>
+              </a:spcBef>
+              <a:buFont typeface="Arial" panose="020B0604020202020204" pitchFamily="34" charset="0"/>
+              <a:buChar char="•"/>
+              <a:defRPr sz="2000" kern="1200">
+                <a:solidFill>
+                  <a:schemeClr val="tx1"/>
+                </a:solidFill>
+                <a:latin typeface="Lato" panose="020F0502020204030203" pitchFamily="34" charset="0"/>
+                <a:ea typeface="Lato" panose="020F0502020204030203" pitchFamily="34" charset="0"/>
+                <a:cs typeface="Lato" panose="020F0502020204030203" pitchFamily="34" charset="0"/>
+              </a:defRPr>
+            </a:lvl3pPr>
+            <a:lvl4pPr marL="1600200" indent="-228600" algn="l" defTabSz="914400" rtl="0" eaLnBrk="1" latinLnBrk="0" hangingPunct="1">
+              <a:lnSpc>
+                <a:spcPct val="90000"/>
+              </a:lnSpc>
+              <a:spcBef>
+                <a:spcPts val="500"/>
+              </a:spcBef>
+              <a:buFont typeface="Arial" panose="020B0604020202020204" pitchFamily="34" charset="0"/>
+              <a:buChar char="•"/>
+              <a:defRPr sz="1800" kern="1200">
+                <a:solidFill>
+                  <a:schemeClr val="tx1"/>
+                </a:solidFill>
+                <a:latin typeface="Lato" panose="020F0502020204030203" pitchFamily="34" charset="0"/>
+                <a:ea typeface="Lato" panose="020F0502020204030203" pitchFamily="34" charset="0"/>
+                <a:cs typeface="Lato" panose="020F0502020204030203" pitchFamily="34" charset="0"/>
+              </a:defRPr>
+            </a:lvl4pPr>
+            <a:lvl5pPr marL="2057400" indent="-228600" algn="l" defTabSz="914400" rtl="0" eaLnBrk="1" latinLnBrk="0" hangingPunct="1">
+              <a:lnSpc>
+                <a:spcPct val="90000"/>
+              </a:lnSpc>
+              <a:spcBef>
+                <a:spcPts val="500"/>
+              </a:spcBef>
+              <a:buFont typeface="Arial" panose="020B0604020202020204" pitchFamily="34" charset="0"/>
+              <a:buChar char="•"/>
+              <a:defRPr sz="1800" kern="1200">
+                <a:solidFill>
+                  <a:schemeClr val="tx1"/>
+                </a:solidFill>
+                <a:latin typeface="Lato" panose="020F0502020204030203" pitchFamily="34" charset="0"/>
+                <a:ea typeface="Lato" panose="020F0502020204030203" pitchFamily="34" charset="0"/>
+                <a:cs typeface="Lato" panose="020F0502020204030203" pitchFamily="34" charset="0"/>
+              </a:defRPr>
+            </a:lvl5pPr>
+            <a:lvl6pPr marL="2514600" indent="-228600" algn="l" defTabSz="914400" rtl="0" eaLnBrk="1" latinLnBrk="0" hangingPunct="1">
+              <a:lnSpc>
+                <a:spcPct val="90000"/>
+              </a:lnSpc>
+              <a:spcBef>
+                <a:spcPts val="500"/>
+              </a:spcBef>
+              <a:buFont typeface="Arial" panose="020B0604020202020204" pitchFamily="34" charset="0"/>
+              <a:buChar char="•"/>
+              <a:defRPr sz="1800" kern="1200">
+                <a:solidFill>
+                  <a:schemeClr val="tx1"/>
+                </a:solidFill>
+                <a:latin typeface="+mn-lt"/>
+                <a:ea typeface="+mn-ea"/>
+                <a:cs typeface="+mn-cs"/>
+              </a:defRPr>
+            </a:lvl6pPr>
+            <a:lvl7pPr marL="2971800" indent="-228600" algn="l" defTabSz="914400" rtl="0" eaLnBrk="1" latinLnBrk="0" hangingPunct="1">
+              <a:lnSpc>
+                <a:spcPct val="90000"/>
+              </a:lnSpc>
+              <a:spcBef>
+                <a:spcPts val="500"/>
+              </a:spcBef>
+              <a:buFont typeface="Arial" panose="020B0604020202020204" pitchFamily="34" charset="0"/>
+              <a:buChar char="•"/>
+              <a:defRPr sz="1800" kern="1200">
+                <a:solidFill>
+                  <a:schemeClr val="tx1"/>
+                </a:solidFill>
+                <a:latin typeface="+mn-lt"/>
+                <a:ea typeface="+mn-ea"/>
+                <a:cs typeface="+mn-cs"/>
+              </a:defRPr>
+            </a:lvl7pPr>
+            <a:lvl8pPr marL="3429000" indent="-228600" algn="l" defTabSz="914400" rtl="0" eaLnBrk="1" latinLnBrk="0" hangingPunct="1">
+              <a:lnSpc>
+                <a:spcPct val="90000"/>
+              </a:lnSpc>
+              <a:spcBef>
+                <a:spcPts val="500"/>
+              </a:spcBef>
+              <a:buFont typeface="Arial" panose="020B0604020202020204" pitchFamily="34" charset="0"/>
+              <a:buChar char="•"/>
+              <a:defRPr sz="1800" kern="1200">
+                <a:solidFill>
+                  <a:schemeClr val="tx1"/>
+                </a:solidFill>
+                <a:latin typeface="+mn-lt"/>
+                <a:ea typeface="+mn-ea"/>
+                <a:cs typeface="+mn-cs"/>
+              </a:defRPr>
+            </a:lvl8pPr>
+            <a:lvl9pPr marL="3886200" indent="-228600" algn="l" defTabSz="914400" rtl="0" eaLnBrk="1" latinLnBrk="0" hangingPunct="1">
+              <a:lnSpc>
+                <a:spcPct val="90000"/>
+              </a:lnSpc>
+              <a:spcBef>
+                <a:spcPts val="500"/>
+              </a:spcBef>
+              <a:buFont typeface="Arial" panose="020B0604020202020204" pitchFamily="34" charset="0"/>
+              <a:buChar char="•"/>
+              <a:defRPr sz="1800" kern="1200">
+                <a:solidFill>
+                  <a:schemeClr val="tx1"/>
+                </a:solidFill>
+                <a:latin typeface="+mn-lt"/>
+                <a:ea typeface="+mn-ea"/>
+                <a:cs typeface="+mn-cs"/>
+              </a:defRPr>
+            </a:lvl9pPr>
+          </a:lstStyle>
+          <a:p>
+            <a:pPr marL="0" indent="0">
+              <a:buFont typeface="Arial" panose="020B0604020202020204" pitchFamily="34" charset="0"/>
+              <a:buNone/>
+            </a:pPr>
+            <a:r>
+              <a:rPr lang="en-US">
+                <a:latin typeface="Times New Roman" panose="02020603050405020304" pitchFamily="18" charset="0"/>
+                <a:cs typeface="Times New Roman" panose="02020603050405020304" pitchFamily="18" charset="0"/>
+              </a:rPr>
+              <a:t>10</a:t>
+            </a:r>
+            <a:endParaRPr lang="vi-VN">
+              <a:latin typeface="Times New Roman" panose="02020603050405020304" pitchFamily="18" charset="0"/>
+              <a:cs typeface="Times New Roman" panose="02020603050405020304" pitchFamily="18" charset="0"/>
+            </a:endParaRPr>
+          </a:p>
+        </p:txBody>
+      </p:sp>
     </p:spTree>
     <p:extLst>
       <p:ext uri="{BB962C8B-B14F-4D97-AF65-F5344CB8AC3E}">
@@ -4888,6 +5720,214 @@
               </a:rPr>
               <a:t>2. Phân tích và thiết kế</a:t>
             </a:r>
+          </a:p>
+        </p:txBody>
+      </p:sp>
+      <p:sp>
+        <p:nvSpPr>
+          <p:cNvPr id="6" name="Text Placeholder 2">
+            <a:extLst>
+              <a:ext uri="{FF2B5EF4-FFF2-40B4-BE49-F238E27FC236}">
+                <a16:creationId xmlns:a16="http://schemas.microsoft.com/office/drawing/2014/main" id="{4E977DB6-6C90-40DB-BC50-360AA4DC40D8}"/>
+              </a:ext>
+            </a:extLst>
+          </p:cNvPr>
+          <p:cNvSpPr txBox="1">
+            <a:spLocks/>
+          </p:cNvSpPr>
+          <p:nvPr/>
+        </p:nvSpPr>
+        <p:spPr>
+          <a:xfrm>
+            <a:off x="5928754" y="6042073"/>
+            <a:ext cx="604247" cy="436098"/>
+          </a:xfrm>
+          <a:prstGeom prst="rect">
+            <a:avLst/>
+          </a:prstGeom>
+        </p:spPr>
+        <p:txBody>
+          <a:bodyPr/>
+          <a:lstStyle>
+            <a:lvl1pPr marL="228600" indent="-228600" algn="l" defTabSz="914400" rtl="0" eaLnBrk="1" latinLnBrk="0" hangingPunct="1">
+              <a:lnSpc>
+                <a:spcPct val="90000"/>
+              </a:lnSpc>
+              <a:spcBef>
+                <a:spcPts val="1000"/>
+              </a:spcBef>
+              <a:buFont typeface="Arial" panose="020B0604020202020204" pitchFamily="34" charset="0"/>
+              <a:buChar char="•"/>
+              <a:defRPr sz="2800" kern="1200">
+                <a:solidFill>
+                  <a:schemeClr val="tx1"/>
+                </a:solidFill>
+                <a:latin typeface="Lato" panose="020F0502020204030203" pitchFamily="34" charset="0"/>
+                <a:ea typeface="Lato" panose="020F0502020204030203" pitchFamily="34" charset="0"/>
+                <a:cs typeface="Lato" panose="020F0502020204030203" pitchFamily="34" charset="0"/>
+              </a:defRPr>
+            </a:lvl1pPr>
+            <a:lvl2pPr marL="685800" indent="-228600" algn="l" defTabSz="914400" rtl="0" eaLnBrk="1" latinLnBrk="0" hangingPunct="1">
+              <a:lnSpc>
+                <a:spcPct val="90000"/>
+              </a:lnSpc>
+              <a:spcBef>
+                <a:spcPts val="500"/>
+              </a:spcBef>
+              <a:buFont typeface="Arial" panose="020B0604020202020204" pitchFamily="34" charset="0"/>
+              <a:buChar char="•"/>
+              <a:defRPr sz="2400" kern="1200">
+                <a:solidFill>
+                  <a:schemeClr val="tx1"/>
+                </a:solidFill>
+                <a:latin typeface="Lato" panose="020F0502020204030203" pitchFamily="34" charset="0"/>
+                <a:ea typeface="Lato" panose="020F0502020204030203" pitchFamily="34" charset="0"/>
+                <a:cs typeface="Lato" panose="020F0502020204030203" pitchFamily="34" charset="0"/>
+              </a:defRPr>
+            </a:lvl2pPr>
+            <a:lvl3pPr marL="1143000" indent="-228600" algn="l" defTabSz="914400" rtl="0" eaLnBrk="1" latinLnBrk="0" hangingPunct="1">
+              <a:lnSpc>
+                <a:spcPct val="90000"/>
+              </a:lnSpc>
+              <a:spcBef>
+                <a:spcPts val="500"/>
+              </a:spcBef>
+              <a:buFont typeface="Arial" panose="020B0604020202020204" pitchFamily="34" charset="0"/>
+              <a:buChar char="•"/>
+              <a:defRPr sz="2000" kern="1200">
+                <a:solidFill>
+                  <a:schemeClr val="tx1"/>
+                </a:solidFill>
+                <a:latin typeface="Lato" panose="020F0502020204030203" pitchFamily="34" charset="0"/>
+                <a:ea typeface="Lato" panose="020F0502020204030203" pitchFamily="34" charset="0"/>
+                <a:cs typeface="Lato" panose="020F0502020204030203" pitchFamily="34" charset="0"/>
+              </a:defRPr>
+            </a:lvl3pPr>
+            <a:lvl4pPr marL="1600200" indent="-228600" algn="l" defTabSz="914400" rtl="0" eaLnBrk="1" latinLnBrk="0" hangingPunct="1">
+              <a:lnSpc>
+                <a:spcPct val="90000"/>
+              </a:lnSpc>
+              <a:spcBef>
+                <a:spcPts val="500"/>
+              </a:spcBef>
+              <a:buFont typeface="Arial" panose="020B0604020202020204" pitchFamily="34" charset="0"/>
+              <a:buChar char="•"/>
+              <a:defRPr sz="1800" kern="1200">
+                <a:solidFill>
+                  <a:schemeClr val="tx1"/>
+                </a:solidFill>
+                <a:latin typeface="Lato" panose="020F0502020204030203" pitchFamily="34" charset="0"/>
+                <a:ea typeface="Lato" panose="020F0502020204030203" pitchFamily="34" charset="0"/>
+                <a:cs typeface="Lato" panose="020F0502020204030203" pitchFamily="34" charset="0"/>
+              </a:defRPr>
+            </a:lvl4pPr>
+            <a:lvl5pPr marL="2057400" indent="-228600" algn="l" defTabSz="914400" rtl="0" eaLnBrk="1" latinLnBrk="0" hangingPunct="1">
+              <a:lnSpc>
+                <a:spcPct val="90000"/>
+              </a:lnSpc>
+              <a:spcBef>
+                <a:spcPts val="500"/>
+              </a:spcBef>
+              <a:buFont typeface="Arial" panose="020B0604020202020204" pitchFamily="34" charset="0"/>
+              <a:buChar char="•"/>
+              <a:defRPr sz="1800" kern="1200">
+                <a:solidFill>
+                  <a:schemeClr val="tx1"/>
+                </a:solidFill>
+                <a:latin typeface="Lato" panose="020F0502020204030203" pitchFamily="34" charset="0"/>
+                <a:ea typeface="Lato" panose="020F0502020204030203" pitchFamily="34" charset="0"/>
+                <a:cs typeface="Lato" panose="020F0502020204030203" pitchFamily="34" charset="0"/>
+              </a:defRPr>
+            </a:lvl5pPr>
+            <a:lvl6pPr marL="2514600" indent="-228600" algn="l" defTabSz="914400" rtl="0" eaLnBrk="1" latinLnBrk="0" hangingPunct="1">
+              <a:lnSpc>
+                <a:spcPct val="90000"/>
+              </a:lnSpc>
+              <a:spcBef>
+                <a:spcPts val="500"/>
+              </a:spcBef>
+              <a:buFont typeface="Arial" panose="020B0604020202020204" pitchFamily="34" charset="0"/>
+              <a:buChar char="•"/>
+              <a:defRPr sz="1800" kern="1200">
+                <a:solidFill>
+                  <a:schemeClr val="tx1"/>
+                </a:solidFill>
+                <a:latin typeface="+mn-lt"/>
+                <a:ea typeface="+mn-ea"/>
+                <a:cs typeface="+mn-cs"/>
+              </a:defRPr>
+            </a:lvl6pPr>
+            <a:lvl7pPr marL="2971800" indent="-228600" algn="l" defTabSz="914400" rtl="0" eaLnBrk="1" latinLnBrk="0" hangingPunct="1">
+              <a:lnSpc>
+                <a:spcPct val="90000"/>
+              </a:lnSpc>
+              <a:spcBef>
+                <a:spcPts val="500"/>
+              </a:spcBef>
+              <a:buFont typeface="Arial" panose="020B0604020202020204" pitchFamily="34" charset="0"/>
+              <a:buChar char="•"/>
+              <a:defRPr sz="1800" kern="1200">
+                <a:solidFill>
+                  <a:schemeClr val="tx1"/>
+                </a:solidFill>
+                <a:latin typeface="+mn-lt"/>
+                <a:ea typeface="+mn-ea"/>
+                <a:cs typeface="+mn-cs"/>
+              </a:defRPr>
+            </a:lvl7pPr>
+            <a:lvl8pPr marL="3429000" indent="-228600" algn="l" defTabSz="914400" rtl="0" eaLnBrk="1" latinLnBrk="0" hangingPunct="1">
+              <a:lnSpc>
+                <a:spcPct val="90000"/>
+              </a:lnSpc>
+              <a:spcBef>
+                <a:spcPts val="500"/>
+              </a:spcBef>
+              <a:buFont typeface="Arial" panose="020B0604020202020204" pitchFamily="34" charset="0"/>
+              <a:buChar char="•"/>
+              <a:defRPr sz="1800" kern="1200">
+                <a:solidFill>
+                  <a:schemeClr val="tx1"/>
+                </a:solidFill>
+                <a:latin typeface="+mn-lt"/>
+                <a:ea typeface="+mn-ea"/>
+                <a:cs typeface="+mn-cs"/>
+              </a:defRPr>
+            </a:lvl8pPr>
+            <a:lvl9pPr marL="3886200" indent="-228600" algn="l" defTabSz="914400" rtl="0" eaLnBrk="1" latinLnBrk="0" hangingPunct="1">
+              <a:lnSpc>
+                <a:spcPct val="90000"/>
+              </a:lnSpc>
+              <a:spcBef>
+                <a:spcPts val="500"/>
+              </a:spcBef>
+              <a:buFont typeface="Arial" panose="020B0604020202020204" pitchFamily="34" charset="0"/>
+              <a:buChar char="•"/>
+              <a:defRPr sz="1800" kern="1200">
+                <a:solidFill>
+                  <a:schemeClr val="tx1"/>
+                </a:solidFill>
+                <a:latin typeface="+mn-lt"/>
+                <a:ea typeface="+mn-ea"/>
+                <a:cs typeface="+mn-cs"/>
+              </a:defRPr>
+            </a:lvl9pPr>
+          </a:lstStyle>
+          <a:p>
+            <a:pPr marL="0" indent="0">
+              <a:buFont typeface="Arial" panose="020B0604020202020204" pitchFamily="34" charset="0"/>
+              <a:buNone/>
+            </a:pPr>
+            <a:r>
+              <a:rPr lang="en-US">
+                <a:latin typeface="Times New Roman" panose="02020603050405020304" pitchFamily="18" charset="0"/>
+                <a:cs typeface="Times New Roman" panose="02020603050405020304" pitchFamily="18" charset="0"/>
+              </a:rPr>
+              <a:t>11</a:t>
+            </a:r>
+            <a:endParaRPr lang="vi-VN">
+              <a:latin typeface="Times New Roman" panose="02020603050405020304" pitchFamily="18" charset="0"/>
+              <a:cs typeface="Times New Roman" panose="02020603050405020304" pitchFamily="18" charset="0"/>
+            </a:endParaRPr>
           </a:p>
         </p:txBody>
       </p:sp>
@@ -5170,6 +6210,214 @@
           </a:prstGeom>
         </p:spPr>
       </p:pic>
+      <p:sp>
+        <p:nvSpPr>
+          <p:cNvPr id="6" name="Text Placeholder 2">
+            <a:extLst>
+              <a:ext uri="{FF2B5EF4-FFF2-40B4-BE49-F238E27FC236}">
+                <a16:creationId xmlns:a16="http://schemas.microsoft.com/office/drawing/2014/main" id="{A0793D32-60BF-438B-888D-3E2DF5293624}"/>
+              </a:ext>
+            </a:extLst>
+          </p:cNvPr>
+          <p:cNvSpPr txBox="1">
+            <a:spLocks/>
+          </p:cNvSpPr>
+          <p:nvPr/>
+        </p:nvSpPr>
+        <p:spPr>
+          <a:xfrm>
+            <a:off x="5928755" y="6092052"/>
+            <a:ext cx="615264" cy="436098"/>
+          </a:xfrm>
+          <a:prstGeom prst="rect">
+            <a:avLst/>
+          </a:prstGeom>
+        </p:spPr>
+        <p:txBody>
+          <a:bodyPr/>
+          <a:lstStyle>
+            <a:lvl1pPr marL="228600" indent="-228600" algn="l" defTabSz="914400" rtl="0" eaLnBrk="1" latinLnBrk="0" hangingPunct="1">
+              <a:lnSpc>
+                <a:spcPct val="90000"/>
+              </a:lnSpc>
+              <a:spcBef>
+                <a:spcPts val="1000"/>
+              </a:spcBef>
+              <a:buFont typeface="Arial" panose="020B0604020202020204" pitchFamily="34" charset="0"/>
+              <a:buChar char="•"/>
+              <a:defRPr sz="2800" kern="1200">
+                <a:solidFill>
+                  <a:schemeClr val="tx1"/>
+                </a:solidFill>
+                <a:latin typeface="Lato" panose="020F0502020204030203" pitchFamily="34" charset="0"/>
+                <a:ea typeface="Lato" panose="020F0502020204030203" pitchFamily="34" charset="0"/>
+                <a:cs typeface="Lato" panose="020F0502020204030203" pitchFamily="34" charset="0"/>
+              </a:defRPr>
+            </a:lvl1pPr>
+            <a:lvl2pPr marL="685800" indent="-228600" algn="l" defTabSz="914400" rtl="0" eaLnBrk="1" latinLnBrk="0" hangingPunct="1">
+              <a:lnSpc>
+                <a:spcPct val="90000"/>
+              </a:lnSpc>
+              <a:spcBef>
+                <a:spcPts val="500"/>
+              </a:spcBef>
+              <a:buFont typeface="Arial" panose="020B0604020202020204" pitchFamily="34" charset="0"/>
+              <a:buChar char="•"/>
+              <a:defRPr sz="2400" kern="1200">
+                <a:solidFill>
+                  <a:schemeClr val="tx1"/>
+                </a:solidFill>
+                <a:latin typeface="Lato" panose="020F0502020204030203" pitchFamily="34" charset="0"/>
+                <a:ea typeface="Lato" panose="020F0502020204030203" pitchFamily="34" charset="0"/>
+                <a:cs typeface="Lato" panose="020F0502020204030203" pitchFamily="34" charset="0"/>
+              </a:defRPr>
+            </a:lvl2pPr>
+            <a:lvl3pPr marL="1143000" indent="-228600" algn="l" defTabSz="914400" rtl="0" eaLnBrk="1" latinLnBrk="0" hangingPunct="1">
+              <a:lnSpc>
+                <a:spcPct val="90000"/>
+              </a:lnSpc>
+              <a:spcBef>
+                <a:spcPts val="500"/>
+              </a:spcBef>
+              <a:buFont typeface="Arial" panose="020B0604020202020204" pitchFamily="34" charset="0"/>
+              <a:buChar char="•"/>
+              <a:defRPr sz="2000" kern="1200">
+                <a:solidFill>
+                  <a:schemeClr val="tx1"/>
+                </a:solidFill>
+                <a:latin typeface="Lato" panose="020F0502020204030203" pitchFamily="34" charset="0"/>
+                <a:ea typeface="Lato" panose="020F0502020204030203" pitchFamily="34" charset="0"/>
+                <a:cs typeface="Lato" panose="020F0502020204030203" pitchFamily="34" charset="0"/>
+              </a:defRPr>
+            </a:lvl3pPr>
+            <a:lvl4pPr marL="1600200" indent="-228600" algn="l" defTabSz="914400" rtl="0" eaLnBrk="1" latinLnBrk="0" hangingPunct="1">
+              <a:lnSpc>
+                <a:spcPct val="90000"/>
+              </a:lnSpc>
+              <a:spcBef>
+                <a:spcPts val="500"/>
+              </a:spcBef>
+              <a:buFont typeface="Arial" panose="020B0604020202020204" pitchFamily="34" charset="0"/>
+              <a:buChar char="•"/>
+              <a:defRPr sz="1800" kern="1200">
+                <a:solidFill>
+                  <a:schemeClr val="tx1"/>
+                </a:solidFill>
+                <a:latin typeface="Lato" panose="020F0502020204030203" pitchFamily="34" charset="0"/>
+                <a:ea typeface="Lato" panose="020F0502020204030203" pitchFamily="34" charset="0"/>
+                <a:cs typeface="Lato" panose="020F0502020204030203" pitchFamily="34" charset="0"/>
+              </a:defRPr>
+            </a:lvl4pPr>
+            <a:lvl5pPr marL="2057400" indent="-228600" algn="l" defTabSz="914400" rtl="0" eaLnBrk="1" latinLnBrk="0" hangingPunct="1">
+              <a:lnSpc>
+                <a:spcPct val="90000"/>
+              </a:lnSpc>
+              <a:spcBef>
+                <a:spcPts val="500"/>
+              </a:spcBef>
+              <a:buFont typeface="Arial" panose="020B0604020202020204" pitchFamily="34" charset="0"/>
+              <a:buChar char="•"/>
+              <a:defRPr sz="1800" kern="1200">
+                <a:solidFill>
+                  <a:schemeClr val="tx1"/>
+                </a:solidFill>
+                <a:latin typeface="Lato" panose="020F0502020204030203" pitchFamily="34" charset="0"/>
+                <a:ea typeface="Lato" panose="020F0502020204030203" pitchFamily="34" charset="0"/>
+                <a:cs typeface="Lato" panose="020F0502020204030203" pitchFamily="34" charset="0"/>
+              </a:defRPr>
+            </a:lvl5pPr>
+            <a:lvl6pPr marL="2514600" indent="-228600" algn="l" defTabSz="914400" rtl="0" eaLnBrk="1" latinLnBrk="0" hangingPunct="1">
+              <a:lnSpc>
+                <a:spcPct val="90000"/>
+              </a:lnSpc>
+              <a:spcBef>
+                <a:spcPts val="500"/>
+              </a:spcBef>
+              <a:buFont typeface="Arial" panose="020B0604020202020204" pitchFamily="34" charset="0"/>
+              <a:buChar char="•"/>
+              <a:defRPr sz="1800" kern="1200">
+                <a:solidFill>
+                  <a:schemeClr val="tx1"/>
+                </a:solidFill>
+                <a:latin typeface="+mn-lt"/>
+                <a:ea typeface="+mn-ea"/>
+                <a:cs typeface="+mn-cs"/>
+              </a:defRPr>
+            </a:lvl6pPr>
+            <a:lvl7pPr marL="2971800" indent="-228600" algn="l" defTabSz="914400" rtl="0" eaLnBrk="1" latinLnBrk="0" hangingPunct="1">
+              <a:lnSpc>
+                <a:spcPct val="90000"/>
+              </a:lnSpc>
+              <a:spcBef>
+                <a:spcPts val="500"/>
+              </a:spcBef>
+              <a:buFont typeface="Arial" panose="020B0604020202020204" pitchFamily="34" charset="0"/>
+              <a:buChar char="•"/>
+              <a:defRPr sz="1800" kern="1200">
+                <a:solidFill>
+                  <a:schemeClr val="tx1"/>
+                </a:solidFill>
+                <a:latin typeface="+mn-lt"/>
+                <a:ea typeface="+mn-ea"/>
+                <a:cs typeface="+mn-cs"/>
+              </a:defRPr>
+            </a:lvl7pPr>
+            <a:lvl8pPr marL="3429000" indent="-228600" algn="l" defTabSz="914400" rtl="0" eaLnBrk="1" latinLnBrk="0" hangingPunct="1">
+              <a:lnSpc>
+                <a:spcPct val="90000"/>
+              </a:lnSpc>
+              <a:spcBef>
+                <a:spcPts val="500"/>
+              </a:spcBef>
+              <a:buFont typeface="Arial" panose="020B0604020202020204" pitchFamily="34" charset="0"/>
+              <a:buChar char="•"/>
+              <a:defRPr sz="1800" kern="1200">
+                <a:solidFill>
+                  <a:schemeClr val="tx1"/>
+                </a:solidFill>
+                <a:latin typeface="+mn-lt"/>
+                <a:ea typeface="+mn-ea"/>
+                <a:cs typeface="+mn-cs"/>
+              </a:defRPr>
+            </a:lvl8pPr>
+            <a:lvl9pPr marL="3886200" indent="-228600" algn="l" defTabSz="914400" rtl="0" eaLnBrk="1" latinLnBrk="0" hangingPunct="1">
+              <a:lnSpc>
+                <a:spcPct val="90000"/>
+              </a:lnSpc>
+              <a:spcBef>
+                <a:spcPts val="500"/>
+              </a:spcBef>
+              <a:buFont typeface="Arial" panose="020B0604020202020204" pitchFamily="34" charset="0"/>
+              <a:buChar char="•"/>
+              <a:defRPr sz="1800" kern="1200">
+                <a:solidFill>
+                  <a:schemeClr val="tx1"/>
+                </a:solidFill>
+                <a:latin typeface="+mn-lt"/>
+                <a:ea typeface="+mn-ea"/>
+                <a:cs typeface="+mn-cs"/>
+              </a:defRPr>
+            </a:lvl9pPr>
+          </a:lstStyle>
+          <a:p>
+            <a:pPr marL="0" indent="0">
+              <a:buFont typeface="Arial" panose="020B0604020202020204" pitchFamily="34" charset="0"/>
+              <a:buNone/>
+            </a:pPr>
+            <a:r>
+              <a:rPr lang="en-US">
+                <a:latin typeface="Times New Roman" panose="02020603050405020304" pitchFamily="18" charset="0"/>
+                <a:cs typeface="Times New Roman" panose="02020603050405020304" pitchFamily="18" charset="0"/>
+              </a:rPr>
+              <a:t>12</a:t>
+            </a:r>
+            <a:endParaRPr lang="vi-VN">
+              <a:latin typeface="Times New Roman" panose="02020603050405020304" pitchFamily="18" charset="0"/>
+              <a:cs typeface="Times New Roman" panose="02020603050405020304" pitchFamily="18" charset="0"/>
+            </a:endParaRPr>
+          </a:p>
+        </p:txBody>
+      </p:sp>
     </p:spTree>
     <p:extLst>
       <p:ext uri="{BB962C8B-B14F-4D97-AF65-F5344CB8AC3E}">
@@ -5460,7 +6708,7 @@
         </p:blipFill>
         <p:spPr>
           <a:xfrm>
-            <a:off x="3794516" y="1595383"/>
+            <a:off x="4224174" y="1484840"/>
             <a:ext cx="5272365" cy="4801618"/>
           </a:xfrm>
           <a:prstGeom prst="rect">
@@ -5468,6 +6716,214 @@
           </a:prstGeom>
         </p:spPr>
       </p:pic>
+      <p:sp>
+        <p:nvSpPr>
+          <p:cNvPr id="6" name="Text Placeholder 2">
+            <a:extLst>
+              <a:ext uri="{FF2B5EF4-FFF2-40B4-BE49-F238E27FC236}">
+                <a16:creationId xmlns:a16="http://schemas.microsoft.com/office/drawing/2014/main" id="{7E154E64-21B8-4873-9628-C881FDEB1CDD}"/>
+              </a:ext>
+            </a:extLst>
+          </p:cNvPr>
+          <p:cNvSpPr txBox="1">
+            <a:spLocks/>
+          </p:cNvSpPr>
+          <p:nvPr/>
+        </p:nvSpPr>
+        <p:spPr>
+          <a:xfrm>
+            <a:off x="5765494" y="6080368"/>
+            <a:ext cx="661012" cy="412179"/>
+          </a:xfrm>
+          <a:prstGeom prst="rect">
+            <a:avLst/>
+          </a:prstGeom>
+        </p:spPr>
+        <p:txBody>
+          <a:bodyPr/>
+          <a:lstStyle>
+            <a:lvl1pPr marL="228600" indent="-228600" algn="l" defTabSz="914400" rtl="0" eaLnBrk="1" latinLnBrk="0" hangingPunct="1">
+              <a:lnSpc>
+                <a:spcPct val="90000"/>
+              </a:lnSpc>
+              <a:spcBef>
+                <a:spcPts val="1000"/>
+              </a:spcBef>
+              <a:buFont typeface="Arial" panose="020B0604020202020204" pitchFamily="34" charset="0"/>
+              <a:buChar char="•"/>
+              <a:defRPr sz="2800" kern="1200">
+                <a:solidFill>
+                  <a:schemeClr val="tx1"/>
+                </a:solidFill>
+                <a:latin typeface="Lato" panose="020F0502020204030203" pitchFamily="34" charset="0"/>
+                <a:ea typeface="Lato" panose="020F0502020204030203" pitchFamily="34" charset="0"/>
+                <a:cs typeface="Lato" panose="020F0502020204030203" pitchFamily="34" charset="0"/>
+              </a:defRPr>
+            </a:lvl1pPr>
+            <a:lvl2pPr marL="685800" indent="-228600" algn="l" defTabSz="914400" rtl="0" eaLnBrk="1" latinLnBrk="0" hangingPunct="1">
+              <a:lnSpc>
+                <a:spcPct val="90000"/>
+              </a:lnSpc>
+              <a:spcBef>
+                <a:spcPts val="500"/>
+              </a:spcBef>
+              <a:buFont typeface="Arial" panose="020B0604020202020204" pitchFamily="34" charset="0"/>
+              <a:buChar char="•"/>
+              <a:defRPr sz="2400" kern="1200">
+                <a:solidFill>
+                  <a:schemeClr val="tx1"/>
+                </a:solidFill>
+                <a:latin typeface="Lato" panose="020F0502020204030203" pitchFamily="34" charset="0"/>
+                <a:ea typeface="Lato" panose="020F0502020204030203" pitchFamily="34" charset="0"/>
+                <a:cs typeface="Lato" panose="020F0502020204030203" pitchFamily="34" charset="0"/>
+              </a:defRPr>
+            </a:lvl2pPr>
+            <a:lvl3pPr marL="1143000" indent="-228600" algn="l" defTabSz="914400" rtl="0" eaLnBrk="1" latinLnBrk="0" hangingPunct="1">
+              <a:lnSpc>
+                <a:spcPct val="90000"/>
+              </a:lnSpc>
+              <a:spcBef>
+                <a:spcPts val="500"/>
+              </a:spcBef>
+              <a:buFont typeface="Arial" panose="020B0604020202020204" pitchFamily="34" charset="0"/>
+              <a:buChar char="•"/>
+              <a:defRPr sz="2000" kern="1200">
+                <a:solidFill>
+                  <a:schemeClr val="tx1"/>
+                </a:solidFill>
+                <a:latin typeface="Lato" panose="020F0502020204030203" pitchFamily="34" charset="0"/>
+                <a:ea typeface="Lato" panose="020F0502020204030203" pitchFamily="34" charset="0"/>
+                <a:cs typeface="Lato" panose="020F0502020204030203" pitchFamily="34" charset="0"/>
+              </a:defRPr>
+            </a:lvl3pPr>
+            <a:lvl4pPr marL="1600200" indent="-228600" algn="l" defTabSz="914400" rtl="0" eaLnBrk="1" latinLnBrk="0" hangingPunct="1">
+              <a:lnSpc>
+                <a:spcPct val="90000"/>
+              </a:lnSpc>
+              <a:spcBef>
+                <a:spcPts val="500"/>
+              </a:spcBef>
+              <a:buFont typeface="Arial" panose="020B0604020202020204" pitchFamily="34" charset="0"/>
+              <a:buChar char="•"/>
+              <a:defRPr sz="1800" kern="1200">
+                <a:solidFill>
+                  <a:schemeClr val="tx1"/>
+                </a:solidFill>
+                <a:latin typeface="Lato" panose="020F0502020204030203" pitchFamily="34" charset="0"/>
+                <a:ea typeface="Lato" panose="020F0502020204030203" pitchFamily="34" charset="0"/>
+                <a:cs typeface="Lato" panose="020F0502020204030203" pitchFamily="34" charset="0"/>
+              </a:defRPr>
+            </a:lvl4pPr>
+            <a:lvl5pPr marL="2057400" indent="-228600" algn="l" defTabSz="914400" rtl="0" eaLnBrk="1" latinLnBrk="0" hangingPunct="1">
+              <a:lnSpc>
+                <a:spcPct val="90000"/>
+              </a:lnSpc>
+              <a:spcBef>
+                <a:spcPts val="500"/>
+              </a:spcBef>
+              <a:buFont typeface="Arial" panose="020B0604020202020204" pitchFamily="34" charset="0"/>
+              <a:buChar char="•"/>
+              <a:defRPr sz="1800" kern="1200">
+                <a:solidFill>
+                  <a:schemeClr val="tx1"/>
+                </a:solidFill>
+                <a:latin typeface="Lato" panose="020F0502020204030203" pitchFamily="34" charset="0"/>
+                <a:ea typeface="Lato" panose="020F0502020204030203" pitchFamily="34" charset="0"/>
+                <a:cs typeface="Lato" panose="020F0502020204030203" pitchFamily="34" charset="0"/>
+              </a:defRPr>
+            </a:lvl5pPr>
+            <a:lvl6pPr marL="2514600" indent="-228600" algn="l" defTabSz="914400" rtl="0" eaLnBrk="1" latinLnBrk="0" hangingPunct="1">
+              <a:lnSpc>
+                <a:spcPct val="90000"/>
+              </a:lnSpc>
+              <a:spcBef>
+                <a:spcPts val="500"/>
+              </a:spcBef>
+              <a:buFont typeface="Arial" panose="020B0604020202020204" pitchFamily="34" charset="0"/>
+              <a:buChar char="•"/>
+              <a:defRPr sz="1800" kern="1200">
+                <a:solidFill>
+                  <a:schemeClr val="tx1"/>
+                </a:solidFill>
+                <a:latin typeface="+mn-lt"/>
+                <a:ea typeface="+mn-ea"/>
+                <a:cs typeface="+mn-cs"/>
+              </a:defRPr>
+            </a:lvl6pPr>
+            <a:lvl7pPr marL="2971800" indent="-228600" algn="l" defTabSz="914400" rtl="0" eaLnBrk="1" latinLnBrk="0" hangingPunct="1">
+              <a:lnSpc>
+                <a:spcPct val="90000"/>
+              </a:lnSpc>
+              <a:spcBef>
+                <a:spcPts val="500"/>
+              </a:spcBef>
+              <a:buFont typeface="Arial" panose="020B0604020202020204" pitchFamily="34" charset="0"/>
+              <a:buChar char="•"/>
+              <a:defRPr sz="1800" kern="1200">
+                <a:solidFill>
+                  <a:schemeClr val="tx1"/>
+                </a:solidFill>
+                <a:latin typeface="+mn-lt"/>
+                <a:ea typeface="+mn-ea"/>
+                <a:cs typeface="+mn-cs"/>
+              </a:defRPr>
+            </a:lvl7pPr>
+            <a:lvl8pPr marL="3429000" indent="-228600" algn="l" defTabSz="914400" rtl="0" eaLnBrk="1" latinLnBrk="0" hangingPunct="1">
+              <a:lnSpc>
+                <a:spcPct val="90000"/>
+              </a:lnSpc>
+              <a:spcBef>
+                <a:spcPts val="500"/>
+              </a:spcBef>
+              <a:buFont typeface="Arial" panose="020B0604020202020204" pitchFamily="34" charset="0"/>
+              <a:buChar char="•"/>
+              <a:defRPr sz="1800" kern="1200">
+                <a:solidFill>
+                  <a:schemeClr val="tx1"/>
+                </a:solidFill>
+                <a:latin typeface="+mn-lt"/>
+                <a:ea typeface="+mn-ea"/>
+                <a:cs typeface="+mn-cs"/>
+              </a:defRPr>
+            </a:lvl8pPr>
+            <a:lvl9pPr marL="3886200" indent="-228600" algn="l" defTabSz="914400" rtl="0" eaLnBrk="1" latinLnBrk="0" hangingPunct="1">
+              <a:lnSpc>
+                <a:spcPct val="90000"/>
+              </a:lnSpc>
+              <a:spcBef>
+                <a:spcPts val="500"/>
+              </a:spcBef>
+              <a:buFont typeface="Arial" panose="020B0604020202020204" pitchFamily="34" charset="0"/>
+              <a:buChar char="•"/>
+              <a:defRPr sz="1800" kern="1200">
+                <a:solidFill>
+                  <a:schemeClr val="tx1"/>
+                </a:solidFill>
+                <a:latin typeface="+mn-lt"/>
+                <a:ea typeface="+mn-ea"/>
+                <a:cs typeface="+mn-cs"/>
+              </a:defRPr>
+            </a:lvl9pPr>
+          </a:lstStyle>
+          <a:p>
+            <a:pPr marL="0" indent="0">
+              <a:buFont typeface="Arial" panose="020B0604020202020204" pitchFamily="34" charset="0"/>
+              <a:buNone/>
+            </a:pPr>
+            <a:r>
+              <a:rPr lang="en-US">
+                <a:latin typeface="Times New Roman" panose="02020603050405020304" pitchFamily="18" charset="0"/>
+                <a:cs typeface="Times New Roman" panose="02020603050405020304" pitchFamily="18" charset="0"/>
+              </a:rPr>
+              <a:t>13</a:t>
+            </a:r>
+            <a:endParaRPr lang="vi-VN">
+              <a:latin typeface="Times New Roman" panose="02020603050405020304" pitchFamily="18" charset="0"/>
+              <a:cs typeface="Times New Roman" panose="02020603050405020304" pitchFamily="18" charset="0"/>
+            </a:endParaRPr>
+          </a:p>
+        </p:txBody>
+      </p:sp>
     </p:spTree>
     <p:extLst>
       <p:ext uri="{BB962C8B-B14F-4D97-AF65-F5344CB8AC3E}">
@@ -5808,6 +7264,214 @@
           </a:prstGeom>
         </p:spPr>
       </p:pic>
+      <p:sp>
+        <p:nvSpPr>
+          <p:cNvPr id="6" name="Text Placeholder 2">
+            <a:extLst>
+              <a:ext uri="{FF2B5EF4-FFF2-40B4-BE49-F238E27FC236}">
+                <a16:creationId xmlns:a16="http://schemas.microsoft.com/office/drawing/2014/main" id="{B19AF31F-5602-46BB-96DB-CBB7BD1D4127}"/>
+              </a:ext>
+            </a:extLst>
+          </p:cNvPr>
+          <p:cNvSpPr txBox="1">
+            <a:spLocks/>
+          </p:cNvSpPr>
+          <p:nvPr/>
+        </p:nvSpPr>
+        <p:spPr>
+          <a:xfrm>
+            <a:off x="5928754" y="6042073"/>
+            <a:ext cx="571197" cy="436098"/>
+          </a:xfrm>
+          <a:prstGeom prst="rect">
+            <a:avLst/>
+          </a:prstGeom>
+        </p:spPr>
+        <p:txBody>
+          <a:bodyPr/>
+          <a:lstStyle>
+            <a:lvl1pPr marL="228600" indent="-228600" algn="l" defTabSz="914400" rtl="0" eaLnBrk="1" latinLnBrk="0" hangingPunct="1">
+              <a:lnSpc>
+                <a:spcPct val="90000"/>
+              </a:lnSpc>
+              <a:spcBef>
+                <a:spcPts val="1000"/>
+              </a:spcBef>
+              <a:buFont typeface="Arial" panose="020B0604020202020204" pitchFamily="34" charset="0"/>
+              <a:buChar char="•"/>
+              <a:defRPr sz="2800" kern="1200">
+                <a:solidFill>
+                  <a:schemeClr val="tx1"/>
+                </a:solidFill>
+                <a:latin typeface="Lato" panose="020F0502020204030203" pitchFamily="34" charset="0"/>
+                <a:ea typeface="Lato" panose="020F0502020204030203" pitchFamily="34" charset="0"/>
+                <a:cs typeface="Lato" panose="020F0502020204030203" pitchFamily="34" charset="0"/>
+              </a:defRPr>
+            </a:lvl1pPr>
+            <a:lvl2pPr marL="685800" indent="-228600" algn="l" defTabSz="914400" rtl="0" eaLnBrk="1" latinLnBrk="0" hangingPunct="1">
+              <a:lnSpc>
+                <a:spcPct val="90000"/>
+              </a:lnSpc>
+              <a:spcBef>
+                <a:spcPts val="500"/>
+              </a:spcBef>
+              <a:buFont typeface="Arial" panose="020B0604020202020204" pitchFamily="34" charset="0"/>
+              <a:buChar char="•"/>
+              <a:defRPr sz="2400" kern="1200">
+                <a:solidFill>
+                  <a:schemeClr val="tx1"/>
+                </a:solidFill>
+                <a:latin typeface="Lato" panose="020F0502020204030203" pitchFamily="34" charset="0"/>
+                <a:ea typeface="Lato" panose="020F0502020204030203" pitchFamily="34" charset="0"/>
+                <a:cs typeface="Lato" panose="020F0502020204030203" pitchFamily="34" charset="0"/>
+              </a:defRPr>
+            </a:lvl2pPr>
+            <a:lvl3pPr marL="1143000" indent="-228600" algn="l" defTabSz="914400" rtl="0" eaLnBrk="1" latinLnBrk="0" hangingPunct="1">
+              <a:lnSpc>
+                <a:spcPct val="90000"/>
+              </a:lnSpc>
+              <a:spcBef>
+                <a:spcPts val="500"/>
+              </a:spcBef>
+              <a:buFont typeface="Arial" panose="020B0604020202020204" pitchFamily="34" charset="0"/>
+              <a:buChar char="•"/>
+              <a:defRPr sz="2000" kern="1200">
+                <a:solidFill>
+                  <a:schemeClr val="tx1"/>
+                </a:solidFill>
+                <a:latin typeface="Lato" panose="020F0502020204030203" pitchFamily="34" charset="0"/>
+                <a:ea typeface="Lato" panose="020F0502020204030203" pitchFamily="34" charset="0"/>
+                <a:cs typeface="Lato" panose="020F0502020204030203" pitchFamily="34" charset="0"/>
+              </a:defRPr>
+            </a:lvl3pPr>
+            <a:lvl4pPr marL="1600200" indent="-228600" algn="l" defTabSz="914400" rtl="0" eaLnBrk="1" latinLnBrk="0" hangingPunct="1">
+              <a:lnSpc>
+                <a:spcPct val="90000"/>
+              </a:lnSpc>
+              <a:spcBef>
+                <a:spcPts val="500"/>
+              </a:spcBef>
+              <a:buFont typeface="Arial" panose="020B0604020202020204" pitchFamily="34" charset="0"/>
+              <a:buChar char="•"/>
+              <a:defRPr sz="1800" kern="1200">
+                <a:solidFill>
+                  <a:schemeClr val="tx1"/>
+                </a:solidFill>
+                <a:latin typeface="Lato" panose="020F0502020204030203" pitchFamily="34" charset="0"/>
+                <a:ea typeface="Lato" panose="020F0502020204030203" pitchFamily="34" charset="0"/>
+                <a:cs typeface="Lato" panose="020F0502020204030203" pitchFamily="34" charset="0"/>
+              </a:defRPr>
+            </a:lvl4pPr>
+            <a:lvl5pPr marL="2057400" indent="-228600" algn="l" defTabSz="914400" rtl="0" eaLnBrk="1" latinLnBrk="0" hangingPunct="1">
+              <a:lnSpc>
+                <a:spcPct val="90000"/>
+              </a:lnSpc>
+              <a:spcBef>
+                <a:spcPts val="500"/>
+              </a:spcBef>
+              <a:buFont typeface="Arial" panose="020B0604020202020204" pitchFamily="34" charset="0"/>
+              <a:buChar char="•"/>
+              <a:defRPr sz="1800" kern="1200">
+                <a:solidFill>
+                  <a:schemeClr val="tx1"/>
+                </a:solidFill>
+                <a:latin typeface="Lato" panose="020F0502020204030203" pitchFamily="34" charset="0"/>
+                <a:ea typeface="Lato" panose="020F0502020204030203" pitchFamily="34" charset="0"/>
+                <a:cs typeface="Lato" panose="020F0502020204030203" pitchFamily="34" charset="0"/>
+              </a:defRPr>
+            </a:lvl5pPr>
+            <a:lvl6pPr marL="2514600" indent="-228600" algn="l" defTabSz="914400" rtl="0" eaLnBrk="1" latinLnBrk="0" hangingPunct="1">
+              <a:lnSpc>
+                <a:spcPct val="90000"/>
+              </a:lnSpc>
+              <a:spcBef>
+                <a:spcPts val="500"/>
+              </a:spcBef>
+              <a:buFont typeface="Arial" panose="020B0604020202020204" pitchFamily="34" charset="0"/>
+              <a:buChar char="•"/>
+              <a:defRPr sz="1800" kern="1200">
+                <a:solidFill>
+                  <a:schemeClr val="tx1"/>
+                </a:solidFill>
+                <a:latin typeface="+mn-lt"/>
+                <a:ea typeface="+mn-ea"/>
+                <a:cs typeface="+mn-cs"/>
+              </a:defRPr>
+            </a:lvl6pPr>
+            <a:lvl7pPr marL="2971800" indent="-228600" algn="l" defTabSz="914400" rtl="0" eaLnBrk="1" latinLnBrk="0" hangingPunct="1">
+              <a:lnSpc>
+                <a:spcPct val="90000"/>
+              </a:lnSpc>
+              <a:spcBef>
+                <a:spcPts val="500"/>
+              </a:spcBef>
+              <a:buFont typeface="Arial" panose="020B0604020202020204" pitchFamily="34" charset="0"/>
+              <a:buChar char="•"/>
+              <a:defRPr sz="1800" kern="1200">
+                <a:solidFill>
+                  <a:schemeClr val="tx1"/>
+                </a:solidFill>
+                <a:latin typeface="+mn-lt"/>
+                <a:ea typeface="+mn-ea"/>
+                <a:cs typeface="+mn-cs"/>
+              </a:defRPr>
+            </a:lvl7pPr>
+            <a:lvl8pPr marL="3429000" indent="-228600" algn="l" defTabSz="914400" rtl="0" eaLnBrk="1" latinLnBrk="0" hangingPunct="1">
+              <a:lnSpc>
+                <a:spcPct val="90000"/>
+              </a:lnSpc>
+              <a:spcBef>
+                <a:spcPts val="500"/>
+              </a:spcBef>
+              <a:buFont typeface="Arial" panose="020B0604020202020204" pitchFamily="34" charset="0"/>
+              <a:buChar char="•"/>
+              <a:defRPr sz="1800" kern="1200">
+                <a:solidFill>
+                  <a:schemeClr val="tx1"/>
+                </a:solidFill>
+                <a:latin typeface="+mn-lt"/>
+                <a:ea typeface="+mn-ea"/>
+                <a:cs typeface="+mn-cs"/>
+              </a:defRPr>
+            </a:lvl8pPr>
+            <a:lvl9pPr marL="3886200" indent="-228600" algn="l" defTabSz="914400" rtl="0" eaLnBrk="1" latinLnBrk="0" hangingPunct="1">
+              <a:lnSpc>
+                <a:spcPct val="90000"/>
+              </a:lnSpc>
+              <a:spcBef>
+                <a:spcPts val="500"/>
+              </a:spcBef>
+              <a:buFont typeface="Arial" panose="020B0604020202020204" pitchFamily="34" charset="0"/>
+              <a:buChar char="•"/>
+              <a:defRPr sz="1800" kern="1200">
+                <a:solidFill>
+                  <a:schemeClr val="tx1"/>
+                </a:solidFill>
+                <a:latin typeface="+mn-lt"/>
+                <a:ea typeface="+mn-ea"/>
+                <a:cs typeface="+mn-cs"/>
+              </a:defRPr>
+            </a:lvl9pPr>
+          </a:lstStyle>
+          <a:p>
+            <a:pPr marL="0" indent="0">
+              <a:buFont typeface="Arial" panose="020B0604020202020204" pitchFamily="34" charset="0"/>
+              <a:buNone/>
+            </a:pPr>
+            <a:r>
+              <a:rPr lang="en-US">
+                <a:latin typeface="Times New Roman" panose="02020603050405020304" pitchFamily="18" charset="0"/>
+                <a:cs typeface="Times New Roman" panose="02020603050405020304" pitchFamily="18" charset="0"/>
+              </a:rPr>
+              <a:t>14</a:t>
+            </a:r>
+            <a:endParaRPr lang="vi-VN">
+              <a:latin typeface="Times New Roman" panose="02020603050405020304" pitchFamily="18" charset="0"/>
+              <a:cs typeface="Times New Roman" panose="02020603050405020304" pitchFamily="18" charset="0"/>
+            </a:endParaRPr>
+          </a:p>
+        </p:txBody>
+      </p:sp>
     </p:spTree>
     <p:extLst>
       <p:ext uri="{BB962C8B-B14F-4D97-AF65-F5344CB8AC3E}">
@@ -6167,6 +7831,214 @@
           </a:prstGeom>
         </p:spPr>
       </p:pic>
+      <p:sp>
+        <p:nvSpPr>
+          <p:cNvPr id="7" name="Text Placeholder 2">
+            <a:extLst>
+              <a:ext uri="{FF2B5EF4-FFF2-40B4-BE49-F238E27FC236}">
+                <a16:creationId xmlns:a16="http://schemas.microsoft.com/office/drawing/2014/main" id="{6357E503-830A-4687-BDD8-D222D858FBB1}"/>
+              </a:ext>
+            </a:extLst>
+          </p:cNvPr>
+          <p:cNvSpPr txBox="1">
+            <a:spLocks/>
+          </p:cNvSpPr>
+          <p:nvPr/>
+        </p:nvSpPr>
+        <p:spPr>
+          <a:xfrm>
+            <a:off x="5928755" y="6042073"/>
+            <a:ext cx="582214" cy="436098"/>
+          </a:xfrm>
+          <a:prstGeom prst="rect">
+            <a:avLst/>
+          </a:prstGeom>
+        </p:spPr>
+        <p:txBody>
+          <a:bodyPr/>
+          <a:lstStyle>
+            <a:lvl1pPr marL="228600" indent="-228600" algn="l" defTabSz="914400" rtl="0" eaLnBrk="1" latinLnBrk="0" hangingPunct="1">
+              <a:lnSpc>
+                <a:spcPct val="90000"/>
+              </a:lnSpc>
+              <a:spcBef>
+                <a:spcPts val="1000"/>
+              </a:spcBef>
+              <a:buFont typeface="Arial" panose="020B0604020202020204" pitchFamily="34" charset="0"/>
+              <a:buChar char="•"/>
+              <a:defRPr sz="2800" kern="1200">
+                <a:solidFill>
+                  <a:schemeClr val="tx1"/>
+                </a:solidFill>
+                <a:latin typeface="Lato" panose="020F0502020204030203" pitchFamily="34" charset="0"/>
+                <a:ea typeface="Lato" panose="020F0502020204030203" pitchFamily="34" charset="0"/>
+                <a:cs typeface="Lato" panose="020F0502020204030203" pitchFamily="34" charset="0"/>
+              </a:defRPr>
+            </a:lvl1pPr>
+            <a:lvl2pPr marL="685800" indent="-228600" algn="l" defTabSz="914400" rtl="0" eaLnBrk="1" latinLnBrk="0" hangingPunct="1">
+              <a:lnSpc>
+                <a:spcPct val="90000"/>
+              </a:lnSpc>
+              <a:spcBef>
+                <a:spcPts val="500"/>
+              </a:spcBef>
+              <a:buFont typeface="Arial" panose="020B0604020202020204" pitchFamily="34" charset="0"/>
+              <a:buChar char="•"/>
+              <a:defRPr sz="2400" kern="1200">
+                <a:solidFill>
+                  <a:schemeClr val="tx1"/>
+                </a:solidFill>
+                <a:latin typeface="Lato" panose="020F0502020204030203" pitchFamily="34" charset="0"/>
+                <a:ea typeface="Lato" panose="020F0502020204030203" pitchFamily="34" charset="0"/>
+                <a:cs typeface="Lato" panose="020F0502020204030203" pitchFamily="34" charset="0"/>
+              </a:defRPr>
+            </a:lvl2pPr>
+            <a:lvl3pPr marL="1143000" indent="-228600" algn="l" defTabSz="914400" rtl="0" eaLnBrk="1" latinLnBrk="0" hangingPunct="1">
+              <a:lnSpc>
+                <a:spcPct val="90000"/>
+              </a:lnSpc>
+              <a:spcBef>
+                <a:spcPts val="500"/>
+              </a:spcBef>
+              <a:buFont typeface="Arial" panose="020B0604020202020204" pitchFamily="34" charset="0"/>
+              <a:buChar char="•"/>
+              <a:defRPr sz="2000" kern="1200">
+                <a:solidFill>
+                  <a:schemeClr val="tx1"/>
+                </a:solidFill>
+                <a:latin typeface="Lato" panose="020F0502020204030203" pitchFamily="34" charset="0"/>
+                <a:ea typeface="Lato" panose="020F0502020204030203" pitchFamily="34" charset="0"/>
+                <a:cs typeface="Lato" panose="020F0502020204030203" pitchFamily="34" charset="0"/>
+              </a:defRPr>
+            </a:lvl3pPr>
+            <a:lvl4pPr marL="1600200" indent="-228600" algn="l" defTabSz="914400" rtl="0" eaLnBrk="1" latinLnBrk="0" hangingPunct="1">
+              <a:lnSpc>
+                <a:spcPct val="90000"/>
+              </a:lnSpc>
+              <a:spcBef>
+                <a:spcPts val="500"/>
+              </a:spcBef>
+              <a:buFont typeface="Arial" panose="020B0604020202020204" pitchFamily="34" charset="0"/>
+              <a:buChar char="•"/>
+              <a:defRPr sz="1800" kern="1200">
+                <a:solidFill>
+                  <a:schemeClr val="tx1"/>
+                </a:solidFill>
+                <a:latin typeface="Lato" panose="020F0502020204030203" pitchFamily="34" charset="0"/>
+                <a:ea typeface="Lato" panose="020F0502020204030203" pitchFamily="34" charset="0"/>
+                <a:cs typeface="Lato" panose="020F0502020204030203" pitchFamily="34" charset="0"/>
+              </a:defRPr>
+            </a:lvl4pPr>
+            <a:lvl5pPr marL="2057400" indent="-228600" algn="l" defTabSz="914400" rtl="0" eaLnBrk="1" latinLnBrk="0" hangingPunct="1">
+              <a:lnSpc>
+                <a:spcPct val="90000"/>
+              </a:lnSpc>
+              <a:spcBef>
+                <a:spcPts val="500"/>
+              </a:spcBef>
+              <a:buFont typeface="Arial" panose="020B0604020202020204" pitchFamily="34" charset="0"/>
+              <a:buChar char="•"/>
+              <a:defRPr sz="1800" kern="1200">
+                <a:solidFill>
+                  <a:schemeClr val="tx1"/>
+                </a:solidFill>
+                <a:latin typeface="Lato" panose="020F0502020204030203" pitchFamily="34" charset="0"/>
+                <a:ea typeface="Lato" panose="020F0502020204030203" pitchFamily="34" charset="0"/>
+                <a:cs typeface="Lato" panose="020F0502020204030203" pitchFamily="34" charset="0"/>
+              </a:defRPr>
+            </a:lvl5pPr>
+            <a:lvl6pPr marL="2514600" indent="-228600" algn="l" defTabSz="914400" rtl="0" eaLnBrk="1" latinLnBrk="0" hangingPunct="1">
+              <a:lnSpc>
+                <a:spcPct val="90000"/>
+              </a:lnSpc>
+              <a:spcBef>
+                <a:spcPts val="500"/>
+              </a:spcBef>
+              <a:buFont typeface="Arial" panose="020B0604020202020204" pitchFamily="34" charset="0"/>
+              <a:buChar char="•"/>
+              <a:defRPr sz="1800" kern="1200">
+                <a:solidFill>
+                  <a:schemeClr val="tx1"/>
+                </a:solidFill>
+                <a:latin typeface="+mn-lt"/>
+                <a:ea typeface="+mn-ea"/>
+                <a:cs typeface="+mn-cs"/>
+              </a:defRPr>
+            </a:lvl6pPr>
+            <a:lvl7pPr marL="2971800" indent="-228600" algn="l" defTabSz="914400" rtl="0" eaLnBrk="1" latinLnBrk="0" hangingPunct="1">
+              <a:lnSpc>
+                <a:spcPct val="90000"/>
+              </a:lnSpc>
+              <a:spcBef>
+                <a:spcPts val="500"/>
+              </a:spcBef>
+              <a:buFont typeface="Arial" panose="020B0604020202020204" pitchFamily="34" charset="0"/>
+              <a:buChar char="•"/>
+              <a:defRPr sz="1800" kern="1200">
+                <a:solidFill>
+                  <a:schemeClr val="tx1"/>
+                </a:solidFill>
+                <a:latin typeface="+mn-lt"/>
+                <a:ea typeface="+mn-ea"/>
+                <a:cs typeface="+mn-cs"/>
+              </a:defRPr>
+            </a:lvl7pPr>
+            <a:lvl8pPr marL="3429000" indent="-228600" algn="l" defTabSz="914400" rtl="0" eaLnBrk="1" latinLnBrk="0" hangingPunct="1">
+              <a:lnSpc>
+                <a:spcPct val="90000"/>
+              </a:lnSpc>
+              <a:spcBef>
+                <a:spcPts val="500"/>
+              </a:spcBef>
+              <a:buFont typeface="Arial" panose="020B0604020202020204" pitchFamily="34" charset="0"/>
+              <a:buChar char="•"/>
+              <a:defRPr sz="1800" kern="1200">
+                <a:solidFill>
+                  <a:schemeClr val="tx1"/>
+                </a:solidFill>
+                <a:latin typeface="+mn-lt"/>
+                <a:ea typeface="+mn-ea"/>
+                <a:cs typeface="+mn-cs"/>
+              </a:defRPr>
+            </a:lvl8pPr>
+            <a:lvl9pPr marL="3886200" indent="-228600" algn="l" defTabSz="914400" rtl="0" eaLnBrk="1" latinLnBrk="0" hangingPunct="1">
+              <a:lnSpc>
+                <a:spcPct val="90000"/>
+              </a:lnSpc>
+              <a:spcBef>
+                <a:spcPts val="500"/>
+              </a:spcBef>
+              <a:buFont typeface="Arial" panose="020B0604020202020204" pitchFamily="34" charset="0"/>
+              <a:buChar char="•"/>
+              <a:defRPr sz="1800" kern="1200">
+                <a:solidFill>
+                  <a:schemeClr val="tx1"/>
+                </a:solidFill>
+                <a:latin typeface="+mn-lt"/>
+                <a:ea typeface="+mn-ea"/>
+                <a:cs typeface="+mn-cs"/>
+              </a:defRPr>
+            </a:lvl9pPr>
+          </a:lstStyle>
+          <a:p>
+            <a:pPr marL="0" indent="0">
+              <a:buFont typeface="Arial" panose="020B0604020202020204" pitchFamily="34" charset="0"/>
+              <a:buNone/>
+            </a:pPr>
+            <a:r>
+              <a:rPr lang="en-US">
+                <a:latin typeface="Times New Roman" panose="02020603050405020304" pitchFamily="18" charset="0"/>
+                <a:cs typeface="Times New Roman" panose="02020603050405020304" pitchFamily="18" charset="0"/>
+              </a:rPr>
+              <a:t>15</a:t>
+            </a:r>
+            <a:endParaRPr lang="vi-VN">
+              <a:latin typeface="Times New Roman" panose="02020603050405020304" pitchFamily="18" charset="0"/>
+              <a:cs typeface="Times New Roman" panose="02020603050405020304" pitchFamily="18" charset="0"/>
+            </a:endParaRPr>
+          </a:p>
+        </p:txBody>
+      </p:sp>
     </p:spTree>
     <p:extLst>
       <p:ext uri="{BB962C8B-B14F-4D97-AF65-F5344CB8AC3E}">
@@ -6507,6 +8379,214 @@
           </a:prstGeom>
         </p:spPr>
       </p:pic>
+      <p:sp>
+        <p:nvSpPr>
+          <p:cNvPr id="6" name="Text Placeholder 2">
+            <a:extLst>
+              <a:ext uri="{FF2B5EF4-FFF2-40B4-BE49-F238E27FC236}">
+                <a16:creationId xmlns:a16="http://schemas.microsoft.com/office/drawing/2014/main" id="{46A10011-8F18-459D-8029-FBE37DF37832}"/>
+              </a:ext>
+            </a:extLst>
+          </p:cNvPr>
+          <p:cNvSpPr txBox="1">
+            <a:spLocks/>
+          </p:cNvSpPr>
+          <p:nvPr/>
+        </p:nvSpPr>
+        <p:spPr>
+          <a:xfrm>
+            <a:off x="5928755" y="6042073"/>
+            <a:ext cx="813568" cy="436098"/>
+          </a:xfrm>
+          <a:prstGeom prst="rect">
+            <a:avLst/>
+          </a:prstGeom>
+        </p:spPr>
+        <p:txBody>
+          <a:bodyPr/>
+          <a:lstStyle>
+            <a:lvl1pPr marL="228600" indent="-228600" algn="l" defTabSz="914400" rtl="0" eaLnBrk="1" latinLnBrk="0" hangingPunct="1">
+              <a:lnSpc>
+                <a:spcPct val="90000"/>
+              </a:lnSpc>
+              <a:spcBef>
+                <a:spcPts val="1000"/>
+              </a:spcBef>
+              <a:buFont typeface="Arial" panose="020B0604020202020204" pitchFamily="34" charset="0"/>
+              <a:buChar char="•"/>
+              <a:defRPr sz="2800" kern="1200">
+                <a:solidFill>
+                  <a:schemeClr val="tx1"/>
+                </a:solidFill>
+                <a:latin typeface="Lato" panose="020F0502020204030203" pitchFamily="34" charset="0"/>
+                <a:ea typeface="Lato" panose="020F0502020204030203" pitchFamily="34" charset="0"/>
+                <a:cs typeface="Lato" panose="020F0502020204030203" pitchFamily="34" charset="0"/>
+              </a:defRPr>
+            </a:lvl1pPr>
+            <a:lvl2pPr marL="685800" indent="-228600" algn="l" defTabSz="914400" rtl="0" eaLnBrk="1" latinLnBrk="0" hangingPunct="1">
+              <a:lnSpc>
+                <a:spcPct val="90000"/>
+              </a:lnSpc>
+              <a:spcBef>
+                <a:spcPts val="500"/>
+              </a:spcBef>
+              <a:buFont typeface="Arial" panose="020B0604020202020204" pitchFamily="34" charset="0"/>
+              <a:buChar char="•"/>
+              <a:defRPr sz="2400" kern="1200">
+                <a:solidFill>
+                  <a:schemeClr val="tx1"/>
+                </a:solidFill>
+                <a:latin typeface="Lato" panose="020F0502020204030203" pitchFamily="34" charset="0"/>
+                <a:ea typeface="Lato" panose="020F0502020204030203" pitchFamily="34" charset="0"/>
+                <a:cs typeface="Lato" panose="020F0502020204030203" pitchFamily="34" charset="0"/>
+              </a:defRPr>
+            </a:lvl2pPr>
+            <a:lvl3pPr marL="1143000" indent="-228600" algn="l" defTabSz="914400" rtl="0" eaLnBrk="1" latinLnBrk="0" hangingPunct="1">
+              <a:lnSpc>
+                <a:spcPct val="90000"/>
+              </a:lnSpc>
+              <a:spcBef>
+                <a:spcPts val="500"/>
+              </a:spcBef>
+              <a:buFont typeface="Arial" panose="020B0604020202020204" pitchFamily="34" charset="0"/>
+              <a:buChar char="•"/>
+              <a:defRPr sz="2000" kern="1200">
+                <a:solidFill>
+                  <a:schemeClr val="tx1"/>
+                </a:solidFill>
+                <a:latin typeface="Lato" panose="020F0502020204030203" pitchFamily="34" charset="0"/>
+                <a:ea typeface="Lato" panose="020F0502020204030203" pitchFamily="34" charset="0"/>
+                <a:cs typeface="Lato" panose="020F0502020204030203" pitchFamily="34" charset="0"/>
+              </a:defRPr>
+            </a:lvl3pPr>
+            <a:lvl4pPr marL="1600200" indent="-228600" algn="l" defTabSz="914400" rtl="0" eaLnBrk="1" latinLnBrk="0" hangingPunct="1">
+              <a:lnSpc>
+                <a:spcPct val="90000"/>
+              </a:lnSpc>
+              <a:spcBef>
+                <a:spcPts val="500"/>
+              </a:spcBef>
+              <a:buFont typeface="Arial" panose="020B0604020202020204" pitchFamily="34" charset="0"/>
+              <a:buChar char="•"/>
+              <a:defRPr sz="1800" kern="1200">
+                <a:solidFill>
+                  <a:schemeClr val="tx1"/>
+                </a:solidFill>
+                <a:latin typeface="Lato" panose="020F0502020204030203" pitchFamily="34" charset="0"/>
+                <a:ea typeface="Lato" panose="020F0502020204030203" pitchFamily="34" charset="0"/>
+                <a:cs typeface="Lato" panose="020F0502020204030203" pitchFamily="34" charset="0"/>
+              </a:defRPr>
+            </a:lvl4pPr>
+            <a:lvl5pPr marL="2057400" indent="-228600" algn="l" defTabSz="914400" rtl="0" eaLnBrk="1" latinLnBrk="0" hangingPunct="1">
+              <a:lnSpc>
+                <a:spcPct val="90000"/>
+              </a:lnSpc>
+              <a:spcBef>
+                <a:spcPts val="500"/>
+              </a:spcBef>
+              <a:buFont typeface="Arial" panose="020B0604020202020204" pitchFamily="34" charset="0"/>
+              <a:buChar char="•"/>
+              <a:defRPr sz="1800" kern="1200">
+                <a:solidFill>
+                  <a:schemeClr val="tx1"/>
+                </a:solidFill>
+                <a:latin typeface="Lato" panose="020F0502020204030203" pitchFamily="34" charset="0"/>
+                <a:ea typeface="Lato" panose="020F0502020204030203" pitchFamily="34" charset="0"/>
+                <a:cs typeface="Lato" panose="020F0502020204030203" pitchFamily="34" charset="0"/>
+              </a:defRPr>
+            </a:lvl5pPr>
+            <a:lvl6pPr marL="2514600" indent="-228600" algn="l" defTabSz="914400" rtl="0" eaLnBrk="1" latinLnBrk="0" hangingPunct="1">
+              <a:lnSpc>
+                <a:spcPct val="90000"/>
+              </a:lnSpc>
+              <a:spcBef>
+                <a:spcPts val="500"/>
+              </a:spcBef>
+              <a:buFont typeface="Arial" panose="020B0604020202020204" pitchFamily="34" charset="0"/>
+              <a:buChar char="•"/>
+              <a:defRPr sz="1800" kern="1200">
+                <a:solidFill>
+                  <a:schemeClr val="tx1"/>
+                </a:solidFill>
+                <a:latin typeface="+mn-lt"/>
+                <a:ea typeface="+mn-ea"/>
+                <a:cs typeface="+mn-cs"/>
+              </a:defRPr>
+            </a:lvl6pPr>
+            <a:lvl7pPr marL="2971800" indent="-228600" algn="l" defTabSz="914400" rtl="0" eaLnBrk="1" latinLnBrk="0" hangingPunct="1">
+              <a:lnSpc>
+                <a:spcPct val="90000"/>
+              </a:lnSpc>
+              <a:spcBef>
+                <a:spcPts val="500"/>
+              </a:spcBef>
+              <a:buFont typeface="Arial" panose="020B0604020202020204" pitchFamily="34" charset="0"/>
+              <a:buChar char="•"/>
+              <a:defRPr sz="1800" kern="1200">
+                <a:solidFill>
+                  <a:schemeClr val="tx1"/>
+                </a:solidFill>
+                <a:latin typeface="+mn-lt"/>
+                <a:ea typeface="+mn-ea"/>
+                <a:cs typeface="+mn-cs"/>
+              </a:defRPr>
+            </a:lvl7pPr>
+            <a:lvl8pPr marL="3429000" indent="-228600" algn="l" defTabSz="914400" rtl="0" eaLnBrk="1" latinLnBrk="0" hangingPunct="1">
+              <a:lnSpc>
+                <a:spcPct val="90000"/>
+              </a:lnSpc>
+              <a:spcBef>
+                <a:spcPts val="500"/>
+              </a:spcBef>
+              <a:buFont typeface="Arial" panose="020B0604020202020204" pitchFamily="34" charset="0"/>
+              <a:buChar char="•"/>
+              <a:defRPr sz="1800" kern="1200">
+                <a:solidFill>
+                  <a:schemeClr val="tx1"/>
+                </a:solidFill>
+                <a:latin typeface="+mn-lt"/>
+                <a:ea typeface="+mn-ea"/>
+                <a:cs typeface="+mn-cs"/>
+              </a:defRPr>
+            </a:lvl8pPr>
+            <a:lvl9pPr marL="3886200" indent="-228600" algn="l" defTabSz="914400" rtl="0" eaLnBrk="1" latinLnBrk="0" hangingPunct="1">
+              <a:lnSpc>
+                <a:spcPct val="90000"/>
+              </a:lnSpc>
+              <a:spcBef>
+                <a:spcPts val="500"/>
+              </a:spcBef>
+              <a:buFont typeface="Arial" panose="020B0604020202020204" pitchFamily="34" charset="0"/>
+              <a:buChar char="•"/>
+              <a:defRPr sz="1800" kern="1200">
+                <a:solidFill>
+                  <a:schemeClr val="tx1"/>
+                </a:solidFill>
+                <a:latin typeface="+mn-lt"/>
+                <a:ea typeface="+mn-ea"/>
+                <a:cs typeface="+mn-cs"/>
+              </a:defRPr>
+            </a:lvl9pPr>
+          </a:lstStyle>
+          <a:p>
+            <a:pPr marL="0" indent="0">
+              <a:buFont typeface="Arial" panose="020B0604020202020204" pitchFamily="34" charset="0"/>
+              <a:buNone/>
+            </a:pPr>
+            <a:r>
+              <a:rPr lang="en-US">
+                <a:latin typeface="Times New Roman" panose="02020603050405020304" pitchFamily="18" charset="0"/>
+                <a:cs typeface="Times New Roman" panose="02020603050405020304" pitchFamily="18" charset="0"/>
+              </a:rPr>
+              <a:t>16</a:t>
+            </a:r>
+            <a:endParaRPr lang="vi-VN">
+              <a:latin typeface="Times New Roman" panose="02020603050405020304" pitchFamily="18" charset="0"/>
+              <a:cs typeface="Times New Roman" panose="02020603050405020304" pitchFamily="18" charset="0"/>
+            </a:endParaRPr>
+          </a:p>
+        </p:txBody>
+      </p:sp>
     </p:spTree>
     <p:extLst>
       <p:ext uri="{BB962C8B-B14F-4D97-AF65-F5344CB8AC3E}">
@@ -7888,6 +9968,214 @@
           </a:p>
         </p:txBody>
       </p:sp>
+      <p:sp>
+        <p:nvSpPr>
+          <p:cNvPr id="6" name="Text Placeholder 2">
+            <a:extLst>
+              <a:ext uri="{FF2B5EF4-FFF2-40B4-BE49-F238E27FC236}">
+                <a16:creationId xmlns:a16="http://schemas.microsoft.com/office/drawing/2014/main" id="{D1D6FCE7-1FB0-4F56-BA37-1B38182DDFB6}"/>
+              </a:ext>
+            </a:extLst>
+          </p:cNvPr>
+          <p:cNvSpPr txBox="1">
+            <a:spLocks/>
+          </p:cNvSpPr>
+          <p:nvPr/>
+        </p:nvSpPr>
+        <p:spPr>
+          <a:xfrm>
+            <a:off x="5928755" y="6042073"/>
+            <a:ext cx="615264" cy="436098"/>
+          </a:xfrm>
+          <a:prstGeom prst="rect">
+            <a:avLst/>
+          </a:prstGeom>
+        </p:spPr>
+        <p:txBody>
+          <a:bodyPr/>
+          <a:lstStyle>
+            <a:lvl1pPr marL="228600" indent="-228600" algn="l" defTabSz="914400" rtl="0" eaLnBrk="1" latinLnBrk="0" hangingPunct="1">
+              <a:lnSpc>
+                <a:spcPct val="90000"/>
+              </a:lnSpc>
+              <a:spcBef>
+                <a:spcPts val="1000"/>
+              </a:spcBef>
+              <a:buFont typeface="Arial" panose="020B0604020202020204" pitchFamily="34" charset="0"/>
+              <a:buChar char="•"/>
+              <a:defRPr sz="2800" kern="1200">
+                <a:solidFill>
+                  <a:schemeClr val="tx1"/>
+                </a:solidFill>
+                <a:latin typeface="Lato" panose="020F0502020204030203" pitchFamily="34" charset="0"/>
+                <a:ea typeface="Lato" panose="020F0502020204030203" pitchFamily="34" charset="0"/>
+                <a:cs typeface="Lato" panose="020F0502020204030203" pitchFamily="34" charset="0"/>
+              </a:defRPr>
+            </a:lvl1pPr>
+            <a:lvl2pPr marL="685800" indent="-228600" algn="l" defTabSz="914400" rtl="0" eaLnBrk="1" latinLnBrk="0" hangingPunct="1">
+              <a:lnSpc>
+                <a:spcPct val="90000"/>
+              </a:lnSpc>
+              <a:spcBef>
+                <a:spcPts val="500"/>
+              </a:spcBef>
+              <a:buFont typeface="Arial" panose="020B0604020202020204" pitchFamily="34" charset="0"/>
+              <a:buChar char="•"/>
+              <a:defRPr sz="2400" kern="1200">
+                <a:solidFill>
+                  <a:schemeClr val="tx1"/>
+                </a:solidFill>
+                <a:latin typeface="Lato" panose="020F0502020204030203" pitchFamily="34" charset="0"/>
+                <a:ea typeface="Lato" panose="020F0502020204030203" pitchFamily="34" charset="0"/>
+                <a:cs typeface="Lato" panose="020F0502020204030203" pitchFamily="34" charset="0"/>
+              </a:defRPr>
+            </a:lvl2pPr>
+            <a:lvl3pPr marL="1143000" indent="-228600" algn="l" defTabSz="914400" rtl="0" eaLnBrk="1" latinLnBrk="0" hangingPunct="1">
+              <a:lnSpc>
+                <a:spcPct val="90000"/>
+              </a:lnSpc>
+              <a:spcBef>
+                <a:spcPts val="500"/>
+              </a:spcBef>
+              <a:buFont typeface="Arial" panose="020B0604020202020204" pitchFamily="34" charset="0"/>
+              <a:buChar char="•"/>
+              <a:defRPr sz="2000" kern="1200">
+                <a:solidFill>
+                  <a:schemeClr val="tx1"/>
+                </a:solidFill>
+                <a:latin typeface="Lato" panose="020F0502020204030203" pitchFamily="34" charset="0"/>
+                <a:ea typeface="Lato" panose="020F0502020204030203" pitchFamily="34" charset="0"/>
+                <a:cs typeface="Lato" panose="020F0502020204030203" pitchFamily="34" charset="0"/>
+              </a:defRPr>
+            </a:lvl3pPr>
+            <a:lvl4pPr marL="1600200" indent="-228600" algn="l" defTabSz="914400" rtl="0" eaLnBrk="1" latinLnBrk="0" hangingPunct="1">
+              <a:lnSpc>
+                <a:spcPct val="90000"/>
+              </a:lnSpc>
+              <a:spcBef>
+                <a:spcPts val="500"/>
+              </a:spcBef>
+              <a:buFont typeface="Arial" panose="020B0604020202020204" pitchFamily="34" charset="0"/>
+              <a:buChar char="•"/>
+              <a:defRPr sz="1800" kern="1200">
+                <a:solidFill>
+                  <a:schemeClr val="tx1"/>
+                </a:solidFill>
+                <a:latin typeface="Lato" panose="020F0502020204030203" pitchFamily="34" charset="0"/>
+                <a:ea typeface="Lato" panose="020F0502020204030203" pitchFamily="34" charset="0"/>
+                <a:cs typeface="Lato" panose="020F0502020204030203" pitchFamily="34" charset="0"/>
+              </a:defRPr>
+            </a:lvl4pPr>
+            <a:lvl5pPr marL="2057400" indent="-228600" algn="l" defTabSz="914400" rtl="0" eaLnBrk="1" latinLnBrk="0" hangingPunct="1">
+              <a:lnSpc>
+                <a:spcPct val="90000"/>
+              </a:lnSpc>
+              <a:spcBef>
+                <a:spcPts val="500"/>
+              </a:spcBef>
+              <a:buFont typeface="Arial" panose="020B0604020202020204" pitchFamily="34" charset="0"/>
+              <a:buChar char="•"/>
+              <a:defRPr sz="1800" kern="1200">
+                <a:solidFill>
+                  <a:schemeClr val="tx1"/>
+                </a:solidFill>
+                <a:latin typeface="Lato" panose="020F0502020204030203" pitchFamily="34" charset="0"/>
+                <a:ea typeface="Lato" panose="020F0502020204030203" pitchFamily="34" charset="0"/>
+                <a:cs typeface="Lato" panose="020F0502020204030203" pitchFamily="34" charset="0"/>
+              </a:defRPr>
+            </a:lvl5pPr>
+            <a:lvl6pPr marL="2514600" indent="-228600" algn="l" defTabSz="914400" rtl="0" eaLnBrk="1" latinLnBrk="0" hangingPunct="1">
+              <a:lnSpc>
+                <a:spcPct val="90000"/>
+              </a:lnSpc>
+              <a:spcBef>
+                <a:spcPts val="500"/>
+              </a:spcBef>
+              <a:buFont typeface="Arial" panose="020B0604020202020204" pitchFamily="34" charset="0"/>
+              <a:buChar char="•"/>
+              <a:defRPr sz="1800" kern="1200">
+                <a:solidFill>
+                  <a:schemeClr val="tx1"/>
+                </a:solidFill>
+                <a:latin typeface="+mn-lt"/>
+                <a:ea typeface="+mn-ea"/>
+                <a:cs typeface="+mn-cs"/>
+              </a:defRPr>
+            </a:lvl6pPr>
+            <a:lvl7pPr marL="2971800" indent="-228600" algn="l" defTabSz="914400" rtl="0" eaLnBrk="1" latinLnBrk="0" hangingPunct="1">
+              <a:lnSpc>
+                <a:spcPct val="90000"/>
+              </a:lnSpc>
+              <a:spcBef>
+                <a:spcPts val="500"/>
+              </a:spcBef>
+              <a:buFont typeface="Arial" panose="020B0604020202020204" pitchFamily="34" charset="0"/>
+              <a:buChar char="•"/>
+              <a:defRPr sz="1800" kern="1200">
+                <a:solidFill>
+                  <a:schemeClr val="tx1"/>
+                </a:solidFill>
+                <a:latin typeface="+mn-lt"/>
+                <a:ea typeface="+mn-ea"/>
+                <a:cs typeface="+mn-cs"/>
+              </a:defRPr>
+            </a:lvl7pPr>
+            <a:lvl8pPr marL="3429000" indent="-228600" algn="l" defTabSz="914400" rtl="0" eaLnBrk="1" latinLnBrk="0" hangingPunct="1">
+              <a:lnSpc>
+                <a:spcPct val="90000"/>
+              </a:lnSpc>
+              <a:spcBef>
+                <a:spcPts val="500"/>
+              </a:spcBef>
+              <a:buFont typeface="Arial" panose="020B0604020202020204" pitchFamily="34" charset="0"/>
+              <a:buChar char="•"/>
+              <a:defRPr sz="1800" kern="1200">
+                <a:solidFill>
+                  <a:schemeClr val="tx1"/>
+                </a:solidFill>
+                <a:latin typeface="+mn-lt"/>
+                <a:ea typeface="+mn-ea"/>
+                <a:cs typeface="+mn-cs"/>
+              </a:defRPr>
+            </a:lvl8pPr>
+            <a:lvl9pPr marL="3886200" indent="-228600" algn="l" defTabSz="914400" rtl="0" eaLnBrk="1" latinLnBrk="0" hangingPunct="1">
+              <a:lnSpc>
+                <a:spcPct val="90000"/>
+              </a:lnSpc>
+              <a:spcBef>
+                <a:spcPts val="500"/>
+              </a:spcBef>
+              <a:buFont typeface="Arial" panose="020B0604020202020204" pitchFamily="34" charset="0"/>
+              <a:buChar char="•"/>
+              <a:defRPr sz="1800" kern="1200">
+                <a:solidFill>
+                  <a:schemeClr val="tx1"/>
+                </a:solidFill>
+                <a:latin typeface="+mn-lt"/>
+                <a:ea typeface="+mn-ea"/>
+                <a:cs typeface="+mn-cs"/>
+              </a:defRPr>
+            </a:lvl9pPr>
+          </a:lstStyle>
+          <a:p>
+            <a:pPr marL="0" indent="0">
+              <a:buFont typeface="Arial" panose="020B0604020202020204" pitchFamily="34" charset="0"/>
+              <a:buNone/>
+            </a:pPr>
+            <a:r>
+              <a:rPr lang="en-US">
+                <a:latin typeface="Times New Roman" panose="02020603050405020304" pitchFamily="18" charset="0"/>
+                <a:cs typeface="Times New Roman" panose="02020603050405020304" pitchFamily="18" charset="0"/>
+              </a:rPr>
+              <a:t>17</a:t>
+            </a:r>
+            <a:endParaRPr lang="vi-VN">
+              <a:latin typeface="Times New Roman" panose="02020603050405020304" pitchFamily="18" charset="0"/>
+              <a:cs typeface="Times New Roman" panose="02020603050405020304" pitchFamily="18" charset="0"/>
+            </a:endParaRPr>
+          </a:p>
+        </p:txBody>
+      </p:sp>
     </p:spTree>
     <p:extLst>
       <p:ext uri="{BB962C8B-B14F-4D97-AF65-F5344CB8AC3E}">
@@ -8076,6 +10364,214 @@
           </a:prstGeom>
         </p:spPr>
       </p:pic>
+      <p:sp>
+        <p:nvSpPr>
+          <p:cNvPr id="6" name="Text Placeholder 2">
+            <a:extLst>
+              <a:ext uri="{FF2B5EF4-FFF2-40B4-BE49-F238E27FC236}">
+                <a16:creationId xmlns:a16="http://schemas.microsoft.com/office/drawing/2014/main" id="{9C4EFE6A-39BC-4DB5-AA2D-F3C71E160D20}"/>
+              </a:ext>
+            </a:extLst>
+          </p:cNvPr>
+          <p:cNvSpPr txBox="1">
+            <a:spLocks/>
+          </p:cNvSpPr>
+          <p:nvPr/>
+        </p:nvSpPr>
+        <p:spPr>
+          <a:xfrm>
+            <a:off x="5928754" y="6066597"/>
+            <a:ext cx="681365" cy="436098"/>
+          </a:xfrm>
+          <a:prstGeom prst="rect">
+            <a:avLst/>
+          </a:prstGeom>
+        </p:spPr>
+        <p:txBody>
+          <a:bodyPr/>
+          <a:lstStyle>
+            <a:lvl1pPr marL="228600" indent="-228600" algn="l" defTabSz="914400" rtl="0" eaLnBrk="1" latinLnBrk="0" hangingPunct="1">
+              <a:lnSpc>
+                <a:spcPct val="90000"/>
+              </a:lnSpc>
+              <a:spcBef>
+                <a:spcPts val="1000"/>
+              </a:spcBef>
+              <a:buFont typeface="Arial" panose="020B0604020202020204" pitchFamily="34" charset="0"/>
+              <a:buChar char="•"/>
+              <a:defRPr sz="2800" kern="1200">
+                <a:solidFill>
+                  <a:schemeClr val="tx1"/>
+                </a:solidFill>
+                <a:latin typeface="Lato" panose="020F0502020204030203" pitchFamily="34" charset="0"/>
+                <a:ea typeface="Lato" panose="020F0502020204030203" pitchFamily="34" charset="0"/>
+                <a:cs typeface="Lato" panose="020F0502020204030203" pitchFamily="34" charset="0"/>
+              </a:defRPr>
+            </a:lvl1pPr>
+            <a:lvl2pPr marL="685800" indent="-228600" algn="l" defTabSz="914400" rtl="0" eaLnBrk="1" latinLnBrk="0" hangingPunct="1">
+              <a:lnSpc>
+                <a:spcPct val="90000"/>
+              </a:lnSpc>
+              <a:spcBef>
+                <a:spcPts val="500"/>
+              </a:spcBef>
+              <a:buFont typeface="Arial" panose="020B0604020202020204" pitchFamily="34" charset="0"/>
+              <a:buChar char="•"/>
+              <a:defRPr sz="2400" kern="1200">
+                <a:solidFill>
+                  <a:schemeClr val="tx1"/>
+                </a:solidFill>
+                <a:latin typeface="Lato" panose="020F0502020204030203" pitchFamily="34" charset="0"/>
+                <a:ea typeface="Lato" panose="020F0502020204030203" pitchFamily="34" charset="0"/>
+                <a:cs typeface="Lato" panose="020F0502020204030203" pitchFamily="34" charset="0"/>
+              </a:defRPr>
+            </a:lvl2pPr>
+            <a:lvl3pPr marL="1143000" indent="-228600" algn="l" defTabSz="914400" rtl="0" eaLnBrk="1" latinLnBrk="0" hangingPunct="1">
+              <a:lnSpc>
+                <a:spcPct val="90000"/>
+              </a:lnSpc>
+              <a:spcBef>
+                <a:spcPts val="500"/>
+              </a:spcBef>
+              <a:buFont typeface="Arial" panose="020B0604020202020204" pitchFamily="34" charset="0"/>
+              <a:buChar char="•"/>
+              <a:defRPr sz="2000" kern="1200">
+                <a:solidFill>
+                  <a:schemeClr val="tx1"/>
+                </a:solidFill>
+                <a:latin typeface="Lato" panose="020F0502020204030203" pitchFamily="34" charset="0"/>
+                <a:ea typeface="Lato" panose="020F0502020204030203" pitchFamily="34" charset="0"/>
+                <a:cs typeface="Lato" panose="020F0502020204030203" pitchFamily="34" charset="0"/>
+              </a:defRPr>
+            </a:lvl3pPr>
+            <a:lvl4pPr marL="1600200" indent="-228600" algn="l" defTabSz="914400" rtl="0" eaLnBrk="1" latinLnBrk="0" hangingPunct="1">
+              <a:lnSpc>
+                <a:spcPct val="90000"/>
+              </a:lnSpc>
+              <a:spcBef>
+                <a:spcPts val="500"/>
+              </a:spcBef>
+              <a:buFont typeface="Arial" panose="020B0604020202020204" pitchFamily="34" charset="0"/>
+              <a:buChar char="•"/>
+              <a:defRPr sz="1800" kern="1200">
+                <a:solidFill>
+                  <a:schemeClr val="tx1"/>
+                </a:solidFill>
+                <a:latin typeface="Lato" panose="020F0502020204030203" pitchFamily="34" charset="0"/>
+                <a:ea typeface="Lato" panose="020F0502020204030203" pitchFamily="34" charset="0"/>
+                <a:cs typeface="Lato" panose="020F0502020204030203" pitchFamily="34" charset="0"/>
+              </a:defRPr>
+            </a:lvl4pPr>
+            <a:lvl5pPr marL="2057400" indent="-228600" algn="l" defTabSz="914400" rtl="0" eaLnBrk="1" latinLnBrk="0" hangingPunct="1">
+              <a:lnSpc>
+                <a:spcPct val="90000"/>
+              </a:lnSpc>
+              <a:spcBef>
+                <a:spcPts val="500"/>
+              </a:spcBef>
+              <a:buFont typeface="Arial" panose="020B0604020202020204" pitchFamily="34" charset="0"/>
+              <a:buChar char="•"/>
+              <a:defRPr sz="1800" kern="1200">
+                <a:solidFill>
+                  <a:schemeClr val="tx1"/>
+                </a:solidFill>
+                <a:latin typeface="Lato" panose="020F0502020204030203" pitchFamily="34" charset="0"/>
+                <a:ea typeface="Lato" panose="020F0502020204030203" pitchFamily="34" charset="0"/>
+                <a:cs typeface="Lato" panose="020F0502020204030203" pitchFamily="34" charset="0"/>
+              </a:defRPr>
+            </a:lvl5pPr>
+            <a:lvl6pPr marL="2514600" indent="-228600" algn="l" defTabSz="914400" rtl="0" eaLnBrk="1" latinLnBrk="0" hangingPunct="1">
+              <a:lnSpc>
+                <a:spcPct val="90000"/>
+              </a:lnSpc>
+              <a:spcBef>
+                <a:spcPts val="500"/>
+              </a:spcBef>
+              <a:buFont typeface="Arial" panose="020B0604020202020204" pitchFamily="34" charset="0"/>
+              <a:buChar char="•"/>
+              <a:defRPr sz="1800" kern="1200">
+                <a:solidFill>
+                  <a:schemeClr val="tx1"/>
+                </a:solidFill>
+                <a:latin typeface="+mn-lt"/>
+                <a:ea typeface="+mn-ea"/>
+                <a:cs typeface="+mn-cs"/>
+              </a:defRPr>
+            </a:lvl6pPr>
+            <a:lvl7pPr marL="2971800" indent="-228600" algn="l" defTabSz="914400" rtl="0" eaLnBrk="1" latinLnBrk="0" hangingPunct="1">
+              <a:lnSpc>
+                <a:spcPct val="90000"/>
+              </a:lnSpc>
+              <a:spcBef>
+                <a:spcPts val="500"/>
+              </a:spcBef>
+              <a:buFont typeface="Arial" panose="020B0604020202020204" pitchFamily="34" charset="0"/>
+              <a:buChar char="•"/>
+              <a:defRPr sz="1800" kern="1200">
+                <a:solidFill>
+                  <a:schemeClr val="tx1"/>
+                </a:solidFill>
+                <a:latin typeface="+mn-lt"/>
+                <a:ea typeface="+mn-ea"/>
+                <a:cs typeface="+mn-cs"/>
+              </a:defRPr>
+            </a:lvl7pPr>
+            <a:lvl8pPr marL="3429000" indent="-228600" algn="l" defTabSz="914400" rtl="0" eaLnBrk="1" latinLnBrk="0" hangingPunct="1">
+              <a:lnSpc>
+                <a:spcPct val="90000"/>
+              </a:lnSpc>
+              <a:spcBef>
+                <a:spcPts val="500"/>
+              </a:spcBef>
+              <a:buFont typeface="Arial" panose="020B0604020202020204" pitchFamily="34" charset="0"/>
+              <a:buChar char="•"/>
+              <a:defRPr sz="1800" kern="1200">
+                <a:solidFill>
+                  <a:schemeClr val="tx1"/>
+                </a:solidFill>
+                <a:latin typeface="+mn-lt"/>
+                <a:ea typeface="+mn-ea"/>
+                <a:cs typeface="+mn-cs"/>
+              </a:defRPr>
+            </a:lvl8pPr>
+            <a:lvl9pPr marL="3886200" indent="-228600" algn="l" defTabSz="914400" rtl="0" eaLnBrk="1" latinLnBrk="0" hangingPunct="1">
+              <a:lnSpc>
+                <a:spcPct val="90000"/>
+              </a:lnSpc>
+              <a:spcBef>
+                <a:spcPts val="500"/>
+              </a:spcBef>
+              <a:buFont typeface="Arial" panose="020B0604020202020204" pitchFamily="34" charset="0"/>
+              <a:buChar char="•"/>
+              <a:defRPr sz="1800" kern="1200">
+                <a:solidFill>
+                  <a:schemeClr val="tx1"/>
+                </a:solidFill>
+                <a:latin typeface="+mn-lt"/>
+                <a:ea typeface="+mn-ea"/>
+                <a:cs typeface="+mn-cs"/>
+              </a:defRPr>
+            </a:lvl9pPr>
+          </a:lstStyle>
+          <a:p>
+            <a:pPr marL="0" indent="0">
+              <a:buFont typeface="Arial" panose="020B0604020202020204" pitchFamily="34" charset="0"/>
+              <a:buNone/>
+            </a:pPr>
+            <a:r>
+              <a:rPr lang="en-US">
+                <a:latin typeface="Times New Roman" panose="02020603050405020304" pitchFamily="18" charset="0"/>
+                <a:cs typeface="Times New Roman" panose="02020603050405020304" pitchFamily="18" charset="0"/>
+              </a:rPr>
+              <a:t>18</a:t>
+            </a:r>
+            <a:endParaRPr lang="vi-VN">
+              <a:latin typeface="Times New Roman" panose="02020603050405020304" pitchFamily="18" charset="0"/>
+              <a:cs typeface="Times New Roman" panose="02020603050405020304" pitchFamily="18" charset="0"/>
+            </a:endParaRPr>
+          </a:p>
+        </p:txBody>
+      </p:sp>
     </p:spTree>
     <p:extLst>
       <p:ext uri="{BB962C8B-B14F-4D97-AF65-F5344CB8AC3E}">
@@ -9668,6 +12164,214 @@
           </a:graphicData>
         </a:graphic>
       </p:graphicFrame>
+      <p:sp>
+        <p:nvSpPr>
+          <p:cNvPr id="6" name="Text Placeholder 2">
+            <a:extLst>
+              <a:ext uri="{FF2B5EF4-FFF2-40B4-BE49-F238E27FC236}">
+                <a16:creationId xmlns:a16="http://schemas.microsoft.com/office/drawing/2014/main" id="{9836F3D4-05A2-4DB0-927D-756E8E1A8B1F}"/>
+              </a:ext>
+            </a:extLst>
+          </p:cNvPr>
+          <p:cNvSpPr txBox="1">
+            <a:spLocks/>
+          </p:cNvSpPr>
+          <p:nvPr/>
+        </p:nvSpPr>
+        <p:spPr>
+          <a:xfrm>
+            <a:off x="5928754" y="6042073"/>
+            <a:ext cx="747467" cy="436098"/>
+          </a:xfrm>
+          <a:prstGeom prst="rect">
+            <a:avLst/>
+          </a:prstGeom>
+        </p:spPr>
+        <p:txBody>
+          <a:bodyPr/>
+          <a:lstStyle>
+            <a:lvl1pPr marL="228600" indent="-228600" algn="l" defTabSz="914400" rtl="0" eaLnBrk="1" latinLnBrk="0" hangingPunct="1">
+              <a:lnSpc>
+                <a:spcPct val="90000"/>
+              </a:lnSpc>
+              <a:spcBef>
+                <a:spcPts val="1000"/>
+              </a:spcBef>
+              <a:buFont typeface="Arial" panose="020B0604020202020204" pitchFamily="34" charset="0"/>
+              <a:buChar char="•"/>
+              <a:defRPr sz="2800" kern="1200">
+                <a:solidFill>
+                  <a:schemeClr val="tx1"/>
+                </a:solidFill>
+                <a:latin typeface="Lato" panose="020F0502020204030203" pitchFamily="34" charset="0"/>
+                <a:ea typeface="Lato" panose="020F0502020204030203" pitchFamily="34" charset="0"/>
+                <a:cs typeface="Lato" panose="020F0502020204030203" pitchFamily="34" charset="0"/>
+              </a:defRPr>
+            </a:lvl1pPr>
+            <a:lvl2pPr marL="685800" indent="-228600" algn="l" defTabSz="914400" rtl="0" eaLnBrk="1" latinLnBrk="0" hangingPunct="1">
+              <a:lnSpc>
+                <a:spcPct val="90000"/>
+              </a:lnSpc>
+              <a:spcBef>
+                <a:spcPts val="500"/>
+              </a:spcBef>
+              <a:buFont typeface="Arial" panose="020B0604020202020204" pitchFamily="34" charset="0"/>
+              <a:buChar char="•"/>
+              <a:defRPr sz="2400" kern="1200">
+                <a:solidFill>
+                  <a:schemeClr val="tx1"/>
+                </a:solidFill>
+                <a:latin typeface="Lato" panose="020F0502020204030203" pitchFamily="34" charset="0"/>
+                <a:ea typeface="Lato" panose="020F0502020204030203" pitchFamily="34" charset="0"/>
+                <a:cs typeface="Lato" panose="020F0502020204030203" pitchFamily="34" charset="0"/>
+              </a:defRPr>
+            </a:lvl2pPr>
+            <a:lvl3pPr marL="1143000" indent="-228600" algn="l" defTabSz="914400" rtl="0" eaLnBrk="1" latinLnBrk="0" hangingPunct="1">
+              <a:lnSpc>
+                <a:spcPct val="90000"/>
+              </a:lnSpc>
+              <a:spcBef>
+                <a:spcPts val="500"/>
+              </a:spcBef>
+              <a:buFont typeface="Arial" panose="020B0604020202020204" pitchFamily="34" charset="0"/>
+              <a:buChar char="•"/>
+              <a:defRPr sz="2000" kern="1200">
+                <a:solidFill>
+                  <a:schemeClr val="tx1"/>
+                </a:solidFill>
+                <a:latin typeface="Lato" panose="020F0502020204030203" pitchFamily="34" charset="0"/>
+                <a:ea typeface="Lato" panose="020F0502020204030203" pitchFamily="34" charset="0"/>
+                <a:cs typeface="Lato" panose="020F0502020204030203" pitchFamily="34" charset="0"/>
+              </a:defRPr>
+            </a:lvl3pPr>
+            <a:lvl4pPr marL="1600200" indent="-228600" algn="l" defTabSz="914400" rtl="0" eaLnBrk="1" latinLnBrk="0" hangingPunct="1">
+              <a:lnSpc>
+                <a:spcPct val="90000"/>
+              </a:lnSpc>
+              <a:spcBef>
+                <a:spcPts val="500"/>
+              </a:spcBef>
+              <a:buFont typeface="Arial" panose="020B0604020202020204" pitchFamily="34" charset="0"/>
+              <a:buChar char="•"/>
+              <a:defRPr sz="1800" kern="1200">
+                <a:solidFill>
+                  <a:schemeClr val="tx1"/>
+                </a:solidFill>
+                <a:latin typeface="Lato" panose="020F0502020204030203" pitchFamily="34" charset="0"/>
+                <a:ea typeface="Lato" panose="020F0502020204030203" pitchFamily="34" charset="0"/>
+                <a:cs typeface="Lato" panose="020F0502020204030203" pitchFamily="34" charset="0"/>
+              </a:defRPr>
+            </a:lvl4pPr>
+            <a:lvl5pPr marL="2057400" indent="-228600" algn="l" defTabSz="914400" rtl="0" eaLnBrk="1" latinLnBrk="0" hangingPunct="1">
+              <a:lnSpc>
+                <a:spcPct val="90000"/>
+              </a:lnSpc>
+              <a:spcBef>
+                <a:spcPts val="500"/>
+              </a:spcBef>
+              <a:buFont typeface="Arial" panose="020B0604020202020204" pitchFamily="34" charset="0"/>
+              <a:buChar char="•"/>
+              <a:defRPr sz="1800" kern="1200">
+                <a:solidFill>
+                  <a:schemeClr val="tx1"/>
+                </a:solidFill>
+                <a:latin typeface="Lato" panose="020F0502020204030203" pitchFamily="34" charset="0"/>
+                <a:ea typeface="Lato" panose="020F0502020204030203" pitchFamily="34" charset="0"/>
+                <a:cs typeface="Lato" panose="020F0502020204030203" pitchFamily="34" charset="0"/>
+              </a:defRPr>
+            </a:lvl5pPr>
+            <a:lvl6pPr marL="2514600" indent="-228600" algn="l" defTabSz="914400" rtl="0" eaLnBrk="1" latinLnBrk="0" hangingPunct="1">
+              <a:lnSpc>
+                <a:spcPct val="90000"/>
+              </a:lnSpc>
+              <a:spcBef>
+                <a:spcPts val="500"/>
+              </a:spcBef>
+              <a:buFont typeface="Arial" panose="020B0604020202020204" pitchFamily="34" charset="0"/>
+              <a:buChar char="•"/>
+              <a:defRPr sz="1800" kern="1200">
+                <a:solidFill>
+                  <a:schemeClr val="tx1"/>
+                </a:solidFill>
+                <a:latin typeface="+mn-lt"/>
+                <a:ea typeface="+mn-ea"/>
+                <a:cs typeface="+mn-cs"/>
+              </a:defRPr>
+            </a:lvl6pPr>
+            <a:lvl7pPr marL="2971800" indent="-228600" algn="l" defTabSz="914400" rtl="0" eaLnBrk="1" latinLnBrk="0" hangingPunct="1">
+              <a:lnSpc>
+                <a:spcPct val="90000"/>
+              </a:lnSpc>
+              <a:spcBef>
+                <a:spcPts val="500"/>
+              </a:spcBef>
+              <a:buFont typeface="Arial" panose="020B0604020202020204" pitchFamily="34" charset="0"/>
+              <a:buChar char="•"/>
+              <a:defRPr sz="1800" kern="1200">
+                <a:solidFill>
+                  <a:schemeClr val="tx1"/>
+                </a:solidFill>
+                <a:latin typeface="+mn-lt"/>
+                <a:ea typeface="+mn-ea"/>
+                <a:cs typeface="+mn-cs"/>
+              </a:defRPr>
+            </a:lvl7pPr>
+            <a:lvl8pPr marL="3429000" indent="-228600" algn="l" defTabSz="914400" rtl="0" eaLnBrk="1" latinLnBrk="0" hangingPunct="1">
+              <a:lnSpc>
+                <a:spcPct val="90000"/>
+              </a:lnSpc>
+              <a:spcBef>
+                <a:spcPts val="500"/>
+              </a:spcBef>
+              <a:buFont typeface="Arial" panose="020B0604020202020204" pitchFamily="34" charset="0"/>
+              <a:buChar char="•"/>
+              <a:defRPr sz="1800" kern="1200">
+                <a:solidFill>
+                  <a:schemeClr val="tx1"/>
+                </a:solidFill>
+                <a:latin typeface="+mn-lt"/>
+                <a:ea typeface="+mn-ea"/>
+                <a:cs typeface="+mn-cs"/>
+              </a:defRPr>
+            </a:lvl8pPr>
+            <a:lvl9pPr marL="3886200" indent="-228600" algn="l" defTabSz="914400" rtl="0" eaLnBrk="1" latinLnBrk="0" hangingPunct="1">
+              <a:lnSpc>
+                <a:spcPct val="90000"/>
+              </a:lnSpc>
+              <a:spcBef>
+                <a:spcPts val="500"/>
+              </a:spcBef>
+              <a:buFont typeface="Arial" panose="020B0604020202020204" pitchFamily="34" charset="0"/>
+              <a:buChar char="•"/>
+              <a:defRPr sz="1800" kern="1200">
+                <a:solidFill>
+                  <a:schemeClr val="tx1"/>
+                </a:solidFill>
+                <a:latin typeface="+mn-lt"/>
+                <a:ea typeface="+mn-ea"/>
+                <a:cs typeface="+mn-cs"/>
+              </a:defRPr>
+            </a:lvl9pPr>
+          </a:lstStyle>
+          <a:p>
+            <a:pPr marL="0" indent="0">
+              <a:buFont typeface="Arial" panose="020B0604020202020204" pitchFamily="34" charset="0"/>
+              <a:buNone/>
+            </a:pPr>
+            <a:r>
+              <a:rPr lang="en-US">
+                <a:latin typeface="Times New Roman" panose="02020603050405020304" pitchFamily="18" charset="0"/>
+                <a:cs typeface="Times New Roman" panose="02020603050405020304" pitchFamily="18" charset="0"/>
+              </a:rPr>
+              <a:t>19</a:t>
+            </a:r>
+            <a:endParaRPr lang="vi-VN">
+              <a:latin typeface="Times New Roman" panose="02020603050405020304" pitchFamily="18" charset="0"/>
+              <a:cs typeface="Times New Roman" panose="02020603050405020304" pitchFamily="18" charset="0"/>
+            </a:endParaRPr>
+          </a:p>
+        </p:txBody>
+      </p:sp>
     </p:spTree>
     <p:extLst>
       <p:ext uri="{BB962C8B-B14F-4D97-AF65-F5344CB8AC3E}">
@@ -9761,14 +12465,74 @@
               <a:t>Hình ảnh thực tế thiết bị</a:t>
             </a:r>
           </a:p>
+          <a:p>
+            <a:pPr marL="0" indent="0">
+              <a:buNone/>
+            </a:pPr>
+            <a:r>
+              <a:rPr lang="en-US">
+                <a:latin typeface="Times New Roman" panose="02020603050405020304" pitchFamily="18" charset="0"/>
+                <a:cs typeface="Times New Roman" panose="02020603050405020304" pitchFamily="18" charset="0"/>
+              </a:rPr>
+              <a:t>1. Mạch phát triển nodeMCU</a:t>
+            </a:r>
+          </a:p>
+          <a:p>
+            <a:pPr marL="0" indent="0">
+              <a:buNone/>
+            </a:pPr>
+            <a:r>
+              <a:rPr lang="en-US">
+                <a:latin typeface="Times New Roman" panose="02020603050405020304" pitchFamily="18" charset="0"/>
+                <a:cs typeface="Times New Roman" panose="02020603050405020304" pitchFamily="18" charset="0"/>
+              </a:rPr>
+              <a:t>2. Khối nút nhấn</a:t>
+            </a:r>
+          </a:p>
+          <a:p>
+            <a:pPr marL="0" indent="0">
+              <a:buNone/>
+            </a:pPr>
+            <a:r>
+              <a:rPr lang="en-US">
+                <a:latin typeface="Times New Roman" panose="02020603050405020304" pitchFamily="18" charset="0"/>
+                <a:cs typeface="Times New Roman" panose="02020603050405020304" pitchFamily="18" charset="0"/>
+              </a:rPr>
+              <a:t>3. Khối cách ly và lái triac</a:t>
+            </a:r>
+          </a:p>
+          <a:p>
+            <a:pPr marL="0" indent="0">
+              <a:buNone/>
+            </a:pPr>
+            <a:r>
+              <a:rPr lang="en-US">
+                <a:latin typeface="Times New Roman" panose="02020603050405020304" pitchFamily="18" charset="0"/>
+                <a:cs typeface="Times New Roman" panose="02020603050405020304" pitchFamily="18" charset="0"/>
+              </a:rPr>
+              <a:t>4. Khối mạch lực đóng cắt</a:t>
+            </a:r>
+          </a:p>
+          <a:p>
+            <a:pPr marL="0" indent="0">
+              <a:buNone/>
+            </a:pPr>
+            <a:r>
+              <a:rPr lang="en-US">
+                <a:latin typeface="Times New Roman" panose="02020603050405020304" pitchFamily="18" charset="0"/>
+                <a:cs typeface="Times New Roman" panose="02020603050405020304" pitchFamily="18" charset="0"/>
+              </a:rPr>
+              <a:t>5. Khối chuyển nguồn AC/DC</a:t>
+            </a:r>
+          </a:p>
         </p:txBody>
       </p:sp>
       <p:pic>
         <p:nvPicPr>
-          <p:cNvPr id="5" name="Picture 4" descr="A picture containing electronics, circuit&#10;&#10;Description automatically generated">
+          <p:cNvPr id="6" name="Picture 5">
             <a:extLst>
               <a:ext uri="{FF2B5EF4-FFF2-40B4-BE49-F238E27FC236}">
-                <a16:creationId xmlns:a16="http://schemas.microsoft.com/office/drawing/2014/main" id="{89893CB8-F2DD-490C-9B7B-A1CB16F591F5}"/>
+                <a16:creationId xmlns:a16="http://schemas.microsoft.com/office/drawing/2014/main" id="{2846F4E3-A94E-4B60-B63B-3F0D2403C812}"/>
               </a:ext>
             </a:extLst>
           </p:cNvPr>
@@ -9778,27 +12542,229 @@
           <p:nvPr/>
         </p:nvPicPr>
         <p:blipFill>
-          <a:blip r:embed="rId2">
-            <a:extLst>
-              <a:ext uri="{28A0092B-C50C-407E-A947-70E740481C1C}">
-                <a14:useLocalDpi xmlns:a14="http://schemas.microsoft.com/office/drawing/2010/main" val="0"/>
-              </a:ext>
-            </a:extLst>
-          </a:blip>
+          <a:blip r:embed="rId2"/>
           <a:stretch>
             <a:fillRect/>
           </a:stretch>
         </p:blipFill>
         <p:spPr>
           <a:xfrm>
-            <a:off x="3203419" y="1487517"/>
-            <a:ext cx="5783963" cy="4337973"/>
+            <a:off x="5682236" y="1881130"/>
+            <a:ext cx="6006661" cy="3785379"/>
           </a:xfrm>
           <a:prstGeom prst="rect">
             <a:avLst/>
           </a:prstGeom>
         </p:spPr>
       </p:pic>
+      <p:sp>
+        <p:nvSpPr>
+          <p:cNvPr id="5" name="Text Placeholder 2">
+            <a:extLst>
+              <a:ext uri="{FF2B5EF4-FFF2-40B4-BE49-F238E27FC236}">
+                <a16:creationId xmlns:a16="http://schemas.microsoft.com/office/drawing/2014/main" id="{43B27851-C414-41E7-BA8D-F5E1C6A226B2}"/>
+              </a:ext>
+            </a:extLst>
+          </p:cNvPr>
+          <p:cNvSpPr txBox="1">
+            <a:spLocks/>
+          </p:cNvSpPr>
+          <p:nvPr/>
+        </p:nvSpPr>
+        <p:spPr>
+          <a:xfrm>
+            <a:off x="5928155" y="6018994"/>
+            <a:ext cx="637897" cy="436098"/>
+          </a:xfrm>
+          <a:prstGeom prst="rect">
+            <a:avLst/>
+          </a:prstGeom>
+        </p:spPr>
+        <p:txBody>
+          <a:bodyPr/>
+          <a:lstStyle>
+            <a:lvl1pPr marL="228600" indent="-228600" algn="l" defTabSz="914400" rtl="0" eaLnBrk="1" latinLnBrk="0" hangingPunct="1">
+              <a:lnSpc>
+                <a:spcPct val="90000"/>
+              </a:lnSpc>
+              <a:spcBef>
+                <a:spcPts val="1000"/>
+              </a:spcBef>
+              <a:buFont typeface="Arial" panose="020B0604020202020204" pitchFamily="34" charset="0"/>
+              <a:buChar char="•"/>
+              <a:defRPr sz="2800" kern="1200">
+                <a:solidFill>
+                  <a:schemeClr val="tx1"/>
+                </a:solidFill>
+                <a:latin typeface="Lato" panose="020F0502020204030203" pitchFamily="34" charset="0"/>
+                <a:ea typeface="Lato" panose="020F0502020204030203" pitchFamily="34" charset="0"/>
+                <a:cs typeface="Lato" panose="020F0502020204030203" pitchFamily="34" charset="0"/>
+              </a:defRPr>
+            </a:lvl1pPr>
+            <a:lvl2pPr marL="685800" indent="-228600" algn="l" defTabSz="914400" rtl="0" eaLnBrk="1" latinLnBrk="0" hangingPunct="1">
+              <a:lnSpc>
+                <a:spcPct val="90000"/>
+              </a:lnSpc>
+              <a:spcBef>
+                <a:spcPts val="500"/>
+              </a:spcBef>
+              <a:buFont typeface="Arial" panose="020B0604020202020204" pitchFamily="34" charset="0"/>
+              <a:buChar char="•"/>
+              <a:defRPr sz="2400" kern="1200">
+                <a:solidFill>
+                  <a:schemeClr val="tx1"/>
+                </a:solidFill>
+                <a:latin typeface="Lato" panose="020F0502020204030203" pitchFamily="34" charset="0"/>
+                <a:ea typeface="Lato" panose="020F0502020204030203" pitchFamily="34" charset="0"/>
+                <a:cs typeface="Lato" panose="020F0502020204030203" pitchFamily="34" charset="0"/>
+              </a:defRPr>
+            </a:lvl2pPr>
+            <a:lvl3pPr marL="1143000" indent="-228600" algn="l" defTabSz="914400" rtl="0" eaLnBrk="1" latinLnBrk="0" hangingPunct="1">
+              <a:lnSpc>
+                <a:spcPct val="90000"/>
+              </a:lnSpc>
+              <a:spcBef>
+                <a:spcPts val="500"/>
+              </a:spcBef>
+              <a:buFont typeface="Arial" panose="020B0604020202020204" pitchFamily="34" charset="0"/>
+              <a:buChar char="•"/>
+              <a:defRPr sz="2000" kern="1200">
+                <a:solidFill>
+                  <a:schemeClr val="tx1"/>
+                </a:solidFill>
+                <a:latin typeface="Lato" panose="020F0502020204030203" pitchFamily="34" charset="0"/>
+                <a:ea typeface="Lato" panose="020F0502020204030203" pitchFamily="34" charset="0"/>
+                <a:cs typeface="Lato" panose="020F0502020204030203" pitchFamily="34" charset="0"/>
+              </a:defRPr>
+            </a:lvl3pPr>
+            <a:lvl4pPr marL="1600200" indent="-228600" algn="l" defTabSz="914400" rtl="0" eaLnBrk="1" latinLnBrk="0" hangingPunct="1">
+              <a:lnSpc>
+                <a:spcPct val="90000"/>
+              </a:lnSpc>
+              <a:spcBef>
+                <a:spcPts val="500"/>
+              </a:spcBef>
+              <a:buFont typeface="Arial" panose="020B0604020202020204" pitchFamily="34" charset="0"/>
+              <a:buChar char="•"/>
+              <a:defRPr sz="1800" kern="1200">
+                <a:solidFill>
+                  <a:schemeClr val="tx1"/>
+                </a:solidFill>
+                <a:latin typeface="Lato" panose="020F0502020204030203" pitchFamily="34" charset="0"/>
+                <a:ea typeface="Lato" panose="020F0502020204030203" pitchFamily="34" charset="0"/>
+                <a:cs typeface="Lato" panose="020F0502020204030203" pitchFamily="34" charset="0"/>
+              </a:defRPr>
+            </a:lvl4pPr>
+            <a:lvl5pPr marL="2057400" indent="-228600" algn="l" defTabSz="914400" rtl="0" eaLnBrk="1" latinLnBrk="0" hangingPunct="1">
+              <a:lnSpc>
+                <a:spcPct val="90000"/>
+              </a:lnSpc>
+              <a:spcBef>
+                <a:spcPts val="500"/>
+              </a:spcBef>
+              <a:buFont typeface="Arial" panose="020B0604020202020204" pitchFamily="34" charset="0"/>
+              <a:buChar char="•"/>
+              <a:defRPr sz="1800" kern="1200">
+                <a:solidFill>
+                  <a:schemeClr val="tx1"/>
+                </a:solidFill>
+                <a:latin typeface="Lato" panose="020F0502020204030203" pitchFamily="34" charset="0"/>
+                <a:ea typeface="Lato" panose="020F0502020204030203" pitchFamily="34" charset="0"/>
+                <a:cs typeface="Lato" panose="020F0502020204030203" pitchFamily="34" charset="0"/>
+              </a:defRPr>
+            </a:lvl5pPr>
+            <a:lvl6pPr marL="2514600" indent="-228600" algn="l" defTabSz="914400" rtl="0" eaLnBrk="1" latinLnBrk="0" hangingPunct="1">
+              <a:lnSpc>
+                <a:spcPct val="90000"/>
+              </a:lnSpc>
+              <a:spcBef>
+                <a:spcPts val="500"/>
+              </a:spcBef>
+              <a:buFont typeface="Arial" panose="020B0604020202020204" pitchFamily="34" charset="0"/>
+              <a:buChar char="•"/>
+              <a:defRPr sz="1800" kern="1200">
+                <a:solidFill>
+                  <a:schemeClr val="tx1"/>
+                </a:solidFill>
+                <a:latin typeface="+mn-lt"/>
+                <a:ea typeface="+mn-ea"/>
+                <a:cs typeface="+mn-cs"/>
+              </a:defRPr>
+            </a:lvl6pPr>
+            <a:lvl7pPr marL="2971800" indent="-228600" algn="l" defTabSz="914400" rtl="0" eaLnBrk="1" latinLnBrk="0" hangingPunct="1">
+              <a:lnSpc>
+                <a:spcPct val="90000"/>
+              </a:lnSpc>
+              <a:spcBef>
+                <a:spcPts val="500"/>
+              </a:spcBef>
+              <a:buFont typeface="Arial" panose="020B0604020202020204" pitchFamily="34" charset="0"/>
+              <a:buChar char="•"/>
+              <a:defRPr sz="1800" kern="1200">
+                <a:solidFill>
+                  <a:schemeClr val="tx1"/>
+                </a:solidFill>
+                <a:latin typeface="+mn-lt"/>
+                <a:ea typeface="+mn-ea"/>
+                <a:cs typeface="+mn-cs"/>
+              </a:defRPr>
+            </a:lvl7pPr>
+            <a:lvl8pPr marL="3429000" indent="-228600" algn="l" defTabSz="914400" rtl="0" eaLnBrk="1" latinLnBrk="0" hangingPunct="1">
+              <a:lnSpc>
+                <a:spcPct val="90000"/>
+              </a:lnSpc>
+              <a:spcBef>
+                <a:spcPts val="500"/>
+              </a:spcBef>
+              <a:buFont typeface="Arial" panose="020B0604020202020204" pitchFamily="34" charset="0"/>
+              <a:buChar char="•"/>
+              <a:defRPr sz="1800" kern="1200">
+                <a:solidFill>
+                  <a:schemeClr val="tx1"/>
+                </a:solidFill>
+                <a:latin typeface="+mn-lt"/>
+                <a:ea typeface="+mn-ea"/>
+                <a:cs typeface="+mn-cs"/>
+              </a:defRPr>
+            </a:lvl8pPr>
+            <a:lvl9pPr marL="3886200" indent="-228600" algn="l" defTabSz="914400" rtl="0" eaLnBrk="1" latinLnBrk="0" hangingPunct="1">
+              <a:lnSpc>
+                <a:spcPct val="90000"/>
+              </a:lnSpc>
+              <a:spcBef>
+                <a:spcPts val="500"/>
+              </a:spcBef>
+              <a:buFont typeface="Arial" panose="020B0604020202020204" pitchFamily="34" charset="0"/>
+              <a:buChar char="•"/>
+              <a:defRPr sz="1800" kern="1200">
+                <a:solidFill>
+                  <a:schemeClr val="tx1"/>
+                </a:solidFill>
+                <a:latin typeface="+mn-lt"/>
+                <a:ea typeface="+mn-ea"/>
+                <a:cs typeface="+mn-cs"/>
+              </a:defRPr>
+            </a:lvl9pPr>
+          </a:lstStyle>
+          <a:p>
+            <a:pPr marL="0" indent="0">
+              <a:buFont typeface="Arial" panose="020B0604020202020204" pitchFamily="34" charset="0"/>
+              <a:buNone/>
+            </a:pPr>
+            <a:r>
+              <a:rPr lang="en-US">
+                <a:latin typeface="Times New Roman" panose="02020603050405020304" pitchFamily="18" charset="0"/>
+                <a:cs typeface="Times New Roman" panose="02020603050405020304" pitchFamily="18" charset="0"/>
+              </a:rPr>
+              <a:t>20</a:t>
+            </a:r>
+            <a:endParaRPr lang="vi-VN">
+              <a:latin typeface="Times New Roman" panose="02020603050405020304" pitchFamily="18" charset="0"/>
+              <a:cs typeface="Times New Roman" panose="02020603050405020304" pitchFamily="18" charset="0"/>
+            </a:endParaRPr>
+          </a:p>
+        </p:txBody>
+      </p:sp>
     </p:spTree>
     <p:extLst>
       <p:ext uri="{BB962C8B-B14F-4D97-AF65-F5344CB8AC3E}">
@@ -9966,6 +12932,214 @@
           </a:prstGeom>
         </p:spPr>
       </p:pic>
+      <p:sp>
+        <p:nvSpPr>
+          <p:cNvPr id="6" name="Text Placeholder 2">
+            <a:extLst>
+              <a:ext uri="{FF2B5EF4-FFF2-40B4-BE49-F238E27FC236}">
+                <a16:creationId xmlns:a16="http://schemas.microsoft.com/office/drawing/2014/main" id="{2D4EEA2B-470A-4E3A-9AFA-6FEBD1D811F9}"/>
+              </a:ext>
+            </a:extLst>
+          </p:cNvPr>
+          <p:cNvSpPr txBox="1">
+            <a:spLocks/>
+          </p:cNvSpPr>
+          <p:nvPr/>
+        </p:nvSpPr>
+        <p:spPr>
+          <a:xfrm>
+            <a:off x="5928156" y="6018994"/>
+            <a:ext cx="334490" cy="436098"/>
+          </a:xfrm>
+          <a:prstGeom prst="rect">
+            <a:avLst/>
+          </a:prstGeom>
+        </p:spPr>
+        <p:txBody>
+          <a:bodyPr/>
+          <a:lstStyle>
+            <a:lvl1pPr marL="228600" indent="-228600" algn="l" defTabSz="914400" rtl="0" eaLnBrk="1" latinLnBrk="0" hangingPunct="1">
+              <a:lnSpc>
+                <a:spcPct val="90000"/>
+              </a:lnSpc>
+              <a:spcBef>
+                <a:spcPts val="1000"/>
+              </a:spcBef>
+              <a:buFont typeface="Arial" panose="020B0604020202020204" pitchFamily="34" charset="0"/>
+              <a:buChar char="•"/>
+              <a:defRPr sz="2800" kern="1200">
+                <a:solidFill>
+                  <a:schemeClr val="tx1"/>
+                </a:solidFill>
+                <a:latin typeface="Lato" panose="020F0502020204030203" pitchFamily="34" charset="0"/>
+                <a:ea typeface="Lato" panose="020F0502020204030203" pitchFamily="34" charset="0"/>
+                <a:cs typeface="Lato" panose="020F0502020204030203" pitchFamily="34" charset="0"/>
+              </a:defRPr>
+            </a:lvl1pPr>
+            <a:lvl2pPr marL="685800" indent="-228600" algn="l" defTabSz="914400" rtl="0" eaLnBrk="1" latinLnBrk="0" hangingPunct="1">
+              <a:lnSpc>
+                <a:spcPct val="90000"/>
+              </a:lnSpc>
+              <a:spcBef>
+                <a:spcPts val="500"/>
+              </a:spcBef>
+              <a:buFont typeface="Arial" panose="020B0604020202020204" pitchFamily="34" charset="0"/>
+              <a:buChar char="•"/>
+              <a:defRPr sz="2400" kern="1200">
+                <a:solidFill>
+                  <a:schemeClr val="tx1"/>
+                </a:solidFill>
+                <a:latin typeface="Lato" panose="020F0502020204030203" pitchFamily="34" charset="0"/>
+                <a:ea typeface="Lato" panose="020F0502020204030203" pitchFamily="34" charset="0"/>
+                <a:cs typeface="Lato" panose="020F0502020204030203" pitchFamily="34" charset="0"/>
+              </a:defRPr>
+            </a:lvl2pPr>
+            <a:lvl3pPr marL="1143000" indent="-228600" algn="l" defTabSz="914400" rtl="0" eaLnBrk="1" latinLnBrk="0" hangingPunct="1">
+              <a:lnSpc>
+                <a:spcPct val="90000"/>
+              </a:lnSpc>
+              <a:spcBef>
+                <a:spcPts val="500"/>
+              </a:spcBef>
+              <a:buFont typeface="Arial" panose="020B0604020202020204" pitchFamily="34" charset="0"/>
+              <a:buChar char="•"/>
+              <a:defRPr sz="2000" kern="1200">
+                <a:solidFill>
+                  <a:schemeClr val="tx1"/>
+                </a:solidFill>
+                <a:latin typeface="Lato" panose="020F0502020204030203" pitchFamily="34" charset="0"/>
+                <a:ea typeface="Lato" panose="020F0502020204030203" pitchFamily="34" charset="0"/>
+                <a:cs typeface="Lato" panose="020F0502020204030203" pitchFamily="34" charset="0"/>
+              </a:defRPr>
+            </a:lvl3pPr>
+            <a:lvl4pPr marL="1600200" indent="-228600" algn="l" defTabSz="914400" rtl="0" eaLnBrk="1" latinLnBrk="0" hangingPunct="1">
+              <a:lnSpc>
+                <a:spcPct val="90000"/>
+              </a:lnSpc>
+              <a:spcBef>
+                <a:spcPts val="500"/>
+              </a:spcBef>
+              <a:buFont typeface="Arial" panose="020B0604020202020204" pitchFamily="34" charset="0"/>
+              <a:buChar char="•"/>
+              <a:defRPr sz="1800" kern="1200">
+                <a:solidFill>
+                  <a:schemeClr val="tx1"/>
+                </a:solidFill>
+                <a:latin typeface="Lato" panose="020F0502020204030203" pitchFamily="34" charset="0"/>
+                <a:ea typeface="Lato" panose="020F0502020204030203" pitchFamily="34" charset="0"/>
+                <a:cs typeface="Lato" panose="020F0502020204030203" pitchFamily="34" charset="0"/>
+              </a:defRPr>
+            </a:lvl4pPr>
+            <a:lvl5pPr marL="2057400" indent="-228600" algn="l" defTabSz="914400" rtl="0" eaLnBrk="1" latinLnBrk="0" hangingPunct="1">
+              <a:lnSpc>
+                <a:spcPct val="90000"/>
+              </a:lnSpc>
+              <a:spcBef>
+                <a:spcPts val="500"/>
+              </a:spcBef>
+              <a:buFont typeface="Arial" panose="020B0604020202020204" pitchFamily="34" charset="0"/>
+              <a:buChar char="•"/>
+              <a:defRPr sz="1800" kern="1200">
+                <a:solidFill>
+                  <a:schemeClr val="tx1"/>
+                </a:solidFill>
+                <a:latin typeface="Lato" panose="020F0502020204030203" pitchFamily="34" charset="0"/>
+                <a:ea typeface="Lato" panose="020F0502020204030203" pitchFamily="34" charset="0"/>
+                <a:cs typeface="Lato" panose="020F0502020204030203" pitchFamily="34" charset="0"/>
+              </a:defRPr>
+            </a:lvl5pPr>
+            <a:lvl6pPr marL="2514600" indent="-228600" algn="l" defTabSz="914400" rtl="0" eaLnBrk="1" latinLnBrk="0" hangingPunct="1">
+              <a:lnSpc>
+                <a:spcPct val="90000"/>
+              </a:lnSpc>
+              <a:spcBef>
+                <a:spcPts val="500"/>
+              </a:spcBef>
+              <a:buFont typeface="Arial" panose="020B0604020202020204" pitchFamily="34" charset="0"/>
+              <a:buChar char="•"/>
+              <a:defRPr sz="1800" kern="1200">
+                <a:solidFill>
+                  <a:schemeClr val="tx1"/>
+                </a:solidFill>
+                <a:latin typeface="+mn-lt"/>
+                <a:ea typeface="+mn-ea"/>
+                <a:cs typeface="+mn-cs"/>
+              </a:defRPr>
+            </a:lvl6pPr>
+            <a:lvl7pPr marL="2971800" indent="-228600" algn="l" defTabSz="914400" rtl="0" eaLnBrk="1" latinLnBrk="0" hangingPunct="1">
+              <a:lnSpc>
+                <a:spcPct val="90000"/>
+              </a:lnSpc>
+              <a:spcBef>
+                <a:spcPts val="500"/>
+              </a:spcBef>
+              <a:buFont typeface="Arial" panose="020B0604020202020204" pitchFamily="34" charset="0"/>
+              <a:buChar char="•"/>
+              <a:defRPr sz="1800" kern="1200">
+                <a:solidFill>
+                  <a:schemeClr val="tx1"/>
+                </a:solidFill>
+                <a:latin typeface="+mn-lt"/>
+                <a:ea typeface="+mn-ea"/>
+                <a:cs typeface="+mn-cs"/>
+              </a:defRPr>
+            </a:lvl7pPr>
+            <a:lvl8pPr marL="3429000" indent="-228600" algn="l" defTabSz="914400" rtl="0" eaLnBrk="1" latinLnBrk="0" hangingPunct="1">
+              <a:lnSpc>
+                <a:spcPct val="90000"/>
+              </a:lnSpc>
+              <a:spcBef>
+                <a:spcPts val="500"/>
+              </a:spcBef>
+              <a:buFont typeface="Arial" panose="020B0604020202020204" pitchFamily="34" charset="0"/>
+              <a:buChar char="•"/>
+              <a:defRPr sz="1800" kern="1200">
+                <a:solidFill>
+                  <a:schemeClr val="tx1"/>
+                </a:solidFill>
+                <a:latin typeface="+mn-lt"/>
+                <a:ea typeface="+mn-ea"/>
+                <a:cs typeface="+mn-cs"/>
+              </a:defRPr>
+            </a:lvl8pPr>
+            <a:lvl9pPr marL="3886200" indent="-228600" algn="l" defTabSz="914400" rtl="0" eaLnBrk="1" latinLnBrk="0" hangingPunct="1">
+              <a:lnSpc>
+                <a:spcPct val="90000"/>
+              </a:lnSpc>
+              <a:spcBef>
+                <a:spcPts val="500"/>
+              </a:spcBef>
+              <a:buFont typeface="Arial" panose="020B0604020202020204" pitchFamily="34" charset="0"/>
+              <a:buChar char="•"/>
+              <a:defRPr sz="1800" kern="1200">
+                <a:solidFill>
+                  <a:schemeClr val="tx1"/>
+                </a:solidFill>
+                <a:latin typeface="+mn-lt"/>
+                <a:ea typeface="+mn-ea"/>
+                <a:cs typeface="+mn-cs"/>
+              </a:defRPr>
+            </a:lvl9pPr>
+          </a:lstStyle>
+          <a:p>
+            <a:pPr marL="0" indent="0">
+              <a:buFont typeface="Arial" panose="020B0604020202020204" pitchFamily="34" charset="0"/>
+              <a:buNone/>
+            </a:pPr>
+            <a:r>
+              <a:rPr lang="en-US">
+                <a:latin typeface="Times New Roman" panose="02020603050405020304" pitchFamily="18" charset="0"/>
+                <a:cs typeface="Times New Roman" panose="02020603050405020304" pitchFamily="18" charset="0"/>
+              </a:rPr>
+              <a:t>1</a:t>
+            </a:r>
+            <a:endParaRPr lang="vi-VN">
+              <a:latin typeface="Times New Roman" panose="02020603050405020304" pitchFamily="18" charset="0"/>
+              <a:cs typeface="Times New Roman" panose="02020603050405020304" pitchFamily="18" charset="0"/>
+            </a:endParaRPr>
+          </a:p>
+        </p:txBody>
+      </p:sp>
     </p:spTree>
     <p:extLst>
       <p:ext uri="{BB962C8B-B14F-4D97-AF65-F5344CB8AC3E}">
@@ -11499,6 +14673,214 @@
               <a:t>thống</a:t>
             </a:r>
             <a:endParaRPr lang="en-US" sz="2400" dirty="0">
+              <a:latin typeface="Times New Roman" panose="02020603050405020304" pitchFamily="18" charset="0"/>
+              <a:cs typeface="Times New Roman" panose="02020603050405020304" pitchFamily="18" charset="0"/>
+            </a:endParaRPr>
+          </a:p>
+        </p:txBody>
+      </p:sp>
+      <p:sp>
+        <p:nvSpPr>
+          <p:cNvPr id="6" name="Text Placeholder 2">
+            <a:extLst>
+              <a:ext uri="{FF2B5EF4-FFF2-40B4-BE49-F238E27FC236}">
+                <a16:creationId xmlns:a16="http://schemas.microsoft.com/office/drawing/2014/main" id="{4913689C-4BCE-4A3E-940A-4B1323F3C07F}"/>
+              </a:ext>
+            </a:extLst>
+          </p:cNvPr>
+          <p:cNvSpPr txBox="1">
+            <a:spLocks/>
+          </p:cNvSpPr>
+          <p:nvPr/>
+        </p:nvSpPr>
+        <p:spPr>
+          <a:xfrm>
+            <a:off x="5928155" y="6050573"/>
+            <a:ext cx="737050" cy="436098"/>
+          </a:xfrm>
+          <a:prstGeom prst="rect">
+            <a:avLst/>
+          </a:prstGeom>
+        </p:spPr>
+        <p:txBody>
+          <a:bodyPr/>
+          <a:lstStyle>
+            <a:lvl1pPr marL="228600" indent="-228600" algn="l" defTabSz="914400" rtl="0" eaLnBrk="1" latinLnBrk="0" hangingPunct="1">
+              <a:lnSpc>
+                <a:spcPct val="90000"/>
+              </a:lnSpc>
+              <a:spcBef>
+                <a:spcPts val="1000"/>
+              </a:spcBef>
+              <a:buFont typeface="Arial" panose="020B0604020202020204" pitchFamily="34" charset="0"/>
+              <a:buChar char="•"/>
+              <a:defRPr sz="2800" kern="1200">
+                <a:solidFill>
+                  <a:schemeClr val="tx1"/>
+                </a:solidFill>
+                <a:latin typeface="Lato" panose="020F0502020204030203" pitchFamily="34" charset="0"/>
+                <a:ea typeface="Lato" panose="020F0502020204030203" pitchFamily="34" charset="0"/>
+                <a:cs typeface="Lato" panose="020F0502020204030203" pitchFamily="34" charset="0"/>
+              </a:defRPr>
+            </a:lvl1pPr>
+            <a:lvl2pPr marL="685800" indent="-228600" algn="l" defTabSz="914400" rtl="0" eaLnBrk="1" latinLnBrk="0" hangingPunct="1">
+              <a:lnSpc>
+                <a:spcPct val="90000"/>
+              </a:lnSpc>
+              <a:spcBef>
+                <a:spcPts val="500"/>
+              </a:spcBef>
+              <a:buFont typeface="Arial" panose="020B0604020202020204" pitchFamily="34" charset="0"/>
+              <a:buChar char="•"/>
+              <a:defRPr sz="2400" kern="1200">
+                <a:solidFill>
+                  <a:schemeClr val="tx1"/>
+                </a:solidFill>
+                <a:latin typeface="Lato" panose="020F0502020204030203" pitchFamily="34" charset="0"/>
+                <a:ea typeface="Lato" panose="020F0502020204030203" pitchFamily="34" charset="0"/>
+                <a:cs typeface="Lato" panose="020F0502020204030203" pitchFamily="34" charset="0"/>
+              </a:defRPr>
+            </a:lvl2pPr>
+            <a:lvl3pPr marL="1143000" indent="-228600" algn="l" defTabSz="914400" rtl="0" eaLnBrk="1" latinLnBrk="0" hangingPunct="1">
+              <a:lnSpc>
+                <a:spcPct val="90000"/>
+              </a:lnSpc>
+              <a:spcBef>
+                <a:spcPts val="500"/>
+              </a:spcBef>
+              <a:buFont typeface="Arial" panose="020B0604020202020204" pitchFamily="34" charset="0"/>
+              <a:buChar char="•"/>
+              <a:defRPr sz="2000" kern="1200">
+                <a:solidFill>
+                  <a:schemeClr val="tx1"/>
+                </a:solidFill>
+                <a:latin typeface="Lato" panose="020F0502020204030203" pitchFamily="34" charset="0"/>
+                <a:ea typeface="Lato" panose="020F0502020204030203" pitchFamily="34" charset="0"/>
+                <a:cs typeface="Lato" panose="020F0502020204030203" pitchFamily="34" charset="0"/>
+              </a:defRPr>
+            </a:lvl3pPr>
+            <a:lvl4pPr marL="1600200" indent="-228600" algn="l" defTabSz="914400" rtl="0" eaLnBrk="1" latinLnBrk="0" hangingPunct="1">
+              <a:lnSpc>
+                <a:spcPct val="90000"/>
+              </a:lnSpc>
+              <a:spcBef>
+                <a:spcPts val="500"/>
+              </a:spcBef>
+              <a:buFont typeface="Arial" panose="020B0604020202020204" pitchFamily="34" charset="0"/>
+              <a:buChar char="•"/>
+              <a:defRPr sz="1800" kern="1200">
+                <a:solidFill>
+                  <a:schemeClr val="tx1"/>
+                </a:solidFill>
+                <a:latin typeface="Lato" panose="020F0502020204030203" pitchFamily="34" charset="0"/>
+                <a:ea typeface="Lato" panose="020F0502020204030203" pitchFamily="34" charset="0"/>
+                <a:cs typeface="Lato" panose="020F0502020204030203" pitchFamily="34" charset="0"/>
+              </a:defRPr>
+            </a:lvl4pPr>
+            <a:lvl5pPr marL="2057400" indent="-228600" algn="l" defTabSz="914400" rtl="0" eaLnBrk="1" latinLnBrk="0" hangingPunct="1">
+              <a:lnSpc>
+                <a:spcPct val="90000"/>
+              </a:lnSpc>
+              <a:spcBef>
+                <a:spcPts val="500"/>
+              </a:spcBef>
+              <a:buFont typeface="Arial" panose="020B0604020202020204" pitchFamily="34" charset="0"/>
+              <a:buChar char="•"/>
+              <a:defRPr sz="1800" kern="1200">
+                <a:solidFill>
+                  <a:schemeClr val="tx1"/>
+                </a:solidFill>
+                <a:latin typeface="Lato" panose="020F0502020204030203" pitchFamily="34" charset="0"/>
+                <a:ea typeface="Lato" panose="020F0502020204030203" pitchFamily="34" charset="0"/>
+                <a:cs typeface="Lato" panose="020F0502020204030203" pitchFamily="34" charset="0"/>
+              </a:defRPr>
+            </a:lvl5pPr>
+            <a:lvl6pPr marL="2514600" indent="-228600" algn="l" defTabSz="914400" rtl="0" eaLnBrk="1" latinLnBrk="0" hangingPunct="1">
+              <a:lnSpc>
+                <a:spcPct val="90000"/>
+              </a:lnSpc>
+              <a:spcBef>
+                <a:spcPts val="500"/>
+              </a:spcBef>
+              <a:buFont typeface="Arial" panose="020B0604020202020204" pitchFamily="34" charset="0"/>
+              <a:buChar char="•"/>
+              <a:defRPr sz="1800" kern="1200">
+                <a:solidFill>
+                  <a:schemeClr val="tx1"/>
+                </a:solidFill>
+                <a:latin typeface="+mn-lt"/>
+                <a:ea typeface="+mn-ea"/>
+                <a:cs typeface="+mn-cs"/>
+              </a:defRPr>
+            </a:lvl6pPr>
+            <a:lvl7pPr marL="2971800" indent="-228600" algn="l" defTabSz="914400" rtl="0" eaLnBrk="1" latinLnBrk="0" hangingPunct="1">
+              <a:lnSpc>
+                <a:spcPct val="90000"/>
+              </a:lnSpc>
+              <a:spcBef>
+                <a:spcPts val="500"/>
+              </a:spcBef>
+              <a:buFont typeface="Arial" panose="020B0604020202020204" pitchFamily="34" charset="0"/>
+              <a:buChar char="•"/>
+              <a:defRPr sz="1800" kern="1200">
+                <a:solidFill>
+                  <a:schemeClr val="tx1"/>
+                </a:solidFill>
+                <a:latin typeface="+mn-lt"/>
+                <a:ea typeface="+mn-ea"/>
+                <a:cs typeface="+mn-cs"/>
+              </a:defRPr>
+            </a:lvl7pPr>
+            <a:lvl8pPr marL="3429000" indent="-228600" algn="l" defTabSz="914400" rtl="0" eaLnBrk="1" latinLnBrk="0" hangingPunct="1">
+              <a:lnSpc>
+                <a:spcPct val="90000"/>
+              </a:lnSpc>
+              <a:spcBef>
+                <a:spcPts val="500"/>
+              </a:spcBef>
+              <a:buFont typeface="Arial" panose="020B0604020202020204" pitchFamily="34" charset="0"/>
+              <a:buChar char="•"/>
+              <a:defRPr sz="1800" kern="1200">
+                <a:solidFill>
+                  <a:schemeClr val="tx1"/>
+                </a:solidFill>
+                <a:latin typeface="+mn-lt"/>
+                <a:ea typeface="+mn-ea"/>
+                <a:cs typeface="+mn-cs"/>
+              </a:defRPr>
+            </a:lvl8pPr>
+            <a:lvl9pPr marL="3886200" indent="-228600" algn="l" defTabSz="914400" rtl="0" eaLnBrk="1" latinLnBrk="0" hangingPunct="1">
+              <a:lnSpc>
+                <a:spcPct val="90000"/>
+              </a:lnSpc>
+              <a:spcBef>
+                <a:spcPts val="500"/>
+              </a:spcBef>
+              <a:buFont typeface="Arial" panose="020B0604020202020204" pitchFamily="34" charset="0"/>
+              <a:buChar char="•"/>
+              <a:defRPr sz="1800" kern="1200">
+                <a:solidFill>
+                  <a:schemeClr val="tx1"/>
+                </a:solidFill>
+                <a:latin typeface="+mn-lt"/>
+                <a:ea typeface="+mn-ea"/>
+                <a:cs typeface="+mn-cs"/>
+              </a:defRPr>
+            </a:lvl9pPr>
+          </a:lstStyle>
+          <a:p>
+            <a:pPr marL="0" indent="0">
+              <a:buFont typeface="Arial" panose="020B0604020202020204" pitchFamily="34" charset="0"/>
+              <a:buNone/>
+            </a:pPr>
+            <a:r>
+              <a:rPr lang="en-US">
+                <a:latin typeface="Times New Roman" panose="02020603050405020304" pitchFamily="18" charset="0"/>
+                <a:cs typeface="Times New Roman" panose="02020603050405020304" pitchFamily="18" charset="0"/>
+              </a:rPr>
+              <a:t>21</a:t>
+            </a:r>
+            <a:endParaRPr lang="vi-VN">
               <a:latin typeface="Times New Roman" panose="02020603050405020304" pitchFamily="18" charset="0"/>
               <a:cs typeface="Times New Roman" panose="02020603050405020304" pitchFamily="18" charset="0"/>
             </a:endParaRPr>
@@ -14283,6 +17665,214 @@
           </a:extLst>
         </p:spPr>
       </p:pic>
+      <p:sp>
+        <p:nvSpPr>
+          <p:cNvPr id="5" name="Text Placeholder 2">
+            <a:extLst>
+              <a:ext uri="{FF2B5EF4-FFF2-40B4-BE49-F238E27FC236}">
+                <a16:creationId xmlns:a16="http://schemas.microsoft.com/office/drawing/2014/main" id="{48C642BC-46FB-4691-AA73-75AC4F9AAAE5}"/>
+              </a:ext>
+            </a:extLst>
+          </p:cNvPr>
+          <p:cNvSpPr txBox="1">
+            <a:spLocks/>
+          </p:cNvSpPr>
+          <p:nvPr/>
+        </p:nvSpPr>
+        <p:spPr>
+          <a:xfrm>
+            <a:off x="5928755" y="6030549"/>
+            <a:ext cx="334490" cy="436098"/>
+          </a:xfrm>
+          <a:prstGeom prst="rect">
+            <a:avLst/>
+          </a:prstGeom>
+        </p:spPr>
+        <p:txBody>
+          <a:bodyPr/>
+          <a:lstStyle>
+            <a:lvl1pPr marL="228600" indent="-228600" algn="l" defTabSz="914400" rtl="0" eaLnBrk="1" latinLnBrk="0" hangingPunct="1">
+              <a:lnSpc>
+                <a:spcPct val="90000"/>
+              </a:lnSpc>
+              <a:spcBef>
+                <a:spcPts val="1000"/>
+              </a:spcBef>
+              <a:buFont typeface="Arial" panose="020B0604020202020204" pitchFamily="34" charset="0"/>
+              <a:buChar char="•"/>
+              <a:defRPr sz="2800" kern="1200">
+                <a:solidFill>
+                  <a:schemeClr val="tx1"/>
+                </a:solidFill>
+                <a:latin typeface="Lato" panose="020F0502020204030203" pitchFamily="34" charset="0"/>
+                <a:ea typeface="Lato" panose="020F0502020204030203" pitchFamily="34" charset="0"/>
+                <a:cs typeface="Lato" panose="020F0502020204030203" pitchFamily="34" charset="0"/>
+              </a:defRPr>
+            </a:lvl1pPr>
+            <a:lvl2pPr marL="685800" indent="-228600" algn="l" defTabSz="914400" rtl="0" eaLnBrk="1" latinLnBrk="0" hangingPunct="1">
+              <a:lnSpc>
+                <a:spcPct val="90000"/>
+              </a:lnSpc>
+              <a:spcBef>
+                <a:spcPts val="500"/>
+              </a:spcBef>
+              <a:buFont typeface="Arial" panose="020B0604020202020204" pitchFamily="34" charset="0"/>
+              <a:buChar char="•"/>
+              <a:defRPr sz="2400" kern="1200">
+                <a:solidFill>
+                  <a:schemeClr val="tx1"/>
+                </a:solidFill>
+                <a:latin typeface="Lato" panose="020F0502020204030203" pitchFamily="34" charset="0"/>
+                <a:ea typeface="Lato" panose="020F0502020204030203" pitchFamily="34" charset="0"/>
+                <a:cs typeface="Lato" panose="020F0502020204030203" pitchFamily="34" charset="0"/>
+              </a:defRPr>
+            </a:lvl2pPr>
+            <a:lvl3pPr marL="1143000" indent="-228600" algn="l" defTabSz="914400" rtl="0" eaLnBrk="1" latinLnBrk="0" hangingPunct="1">
+              <a:lnSpc>
+                <a:spcPct val="90000"/>
+              </a:lnSpc>
+              <a:spcBef>
+                <a:spcPts val="500"/>
+              </a:spcBef>
+              <a:buFont typeface="Arial" panose="020B0604020202020204" pitchFamily="34" charset="0"/>
+              <a:buChar char="•"/>
+              <a:defRPr sz="2000" kern="1200">
+                <a:solidFill>
+                  <a:schemeClr val="tx1"/>
+                </a:solidFill>
+                <a:latin typeface="Lato" panose="020F0502020204030203" pitchFamily="34" charset="0"/>
+                <a:ea typeface="Lato" panose="020F0502020204030203" pitchFamily="34" charset="0"/>
+                <a:cs typeface="Lato" panose="020F0502020204030203" pitchFamily="34" charset="0"/>
+              </a:defRPr>
+            </a:lvl3pPr>
+            <a:lvl4pPr marL="1600200" indent="-228600" algn="l" defTabSz="914400" rtl="0" eaLnBrk="1" latinLnBrk="0" hangingPunct="1">
+              <a:lnSpc>
+                <a:spcPct val="90000"/>
+              </a:lnSpc>
+              <a:spcBef>
+                <a:spcPts val="500"/>
+              </a:spcBef>
+              <a:buFont typeface="Arial" panose="020B0604020202020204" pitchFamily="34" charset="0"/>
+              <a:buChar char="•"/>
+              <a:defRPr sz="1800" kern="1200">
+                <a:solidFill>
+                  <a:schemeClr val="tx1"/>
+                </a:solidFill>
+                <a:latin typeface="Lato" panose="020F0502020204030203" pitchFamily="34" charset="0"/>
+                <a:ea typeface="Lato" panose="020F0502020204030203" pitchFamily="34" charset="0"/>
+                <a:cs typeface="Lato" panose="020F0502020204030203" pitchFamily="34" charset="0"/>
+              </a:defRPr>
+            </a:lvl4pPr>
+            <a:lvl5pPr marL="2057400" indent="-228600" algn="l" defTabSz="914400" rtl="0" eaLnBrk="1" latinLnBrk="0" hangingPunct="1">
+              <a:lnSpc>
+                <a:spcPct val="90000"/>
+              </a:lnSpc>
+              <a:spcBef>
+                <a:spcPts val="500"/>
+              </a:spcBef>
+              <a:buFont typeface="Arial" panose="020B0604020202020204" pitchFamily="34" charset="0"/>
+              <a:buChar char="•"/>
+              <a:defRPr sz="1800" kern="1200">
+                <a:solidFill>
+                  <a:schemeClr val="tx1"/>
+                </a:solidFill>
+                <a:latin typeface="Lato" panose="020F0502020204030203" pitchFamily="34" charset="0"/>
+                <a:ea typeface="Lato" panose="020F0502020204030203" pitchFamily="34" charset="0"/>
+                <a:cs typeface="Lato" panose="020F0502020204030203" pitchFamily="34" charset="0"/>
+              </a:defRPr>
+            </a:lvl5pPr>
+            <a:lvl6pPr marL="2514600" indent="-228600" algn="l" defTabSz="914400" rtl="0" eaLnBrk="1" latinLnBrk="0" hangingPunct="1">
+              <a:lnSpc>
+                <a:spcPct val="90000"/>
+              </a:lnSpc>
+              <a:spcBef>
+                <a:spcPts val="500"/>
+              </a:spcBef>
+              <a:buFont typeface="Arial" panose="020B0604020202020204" pitchFamily="34" charset="0"/>
+              <a:buChar char="•"/>
+              <a:defRPr sz="1800" kern="1200">
+                <a:solidFill>
+                  <a:schemeClr val="tx1"/>
+                </a:solidFill>
+                <a:latin typeface="+mn-lt"/>
+                <a:ea typeface="+mn-ea"/>
+                <a:cs typeface="+mn-cs"/>
+              </a:defRPr>
+            </a:lvl6pPr>
+            <a:lvl7pPr marL="2971800" indent="-228600" algn="l" defTabSz="914400" rtl="0" eaLnBrk="1" latinLnBrk="0" hangingPunct="1">
+              <a:lnSpc>
+                <a:spcPct val="90000"/>
+              </a:lnSpc>
+              <a:spcBef>
+                <a:spcPts val="500"/>
+              </a:spcBef>
+              <a:buFont typeface="Arial" panose="020B0604020202020204" pitchFamily="34" charset="0"/>
+              <a:buChar char="•"/>
+              <a:defRPr sz="1800" kern="1200">
+                <a:solidFill>
+                  <a:schemeClr val="tx1"/>
+                </a:solidFill>
+                <a:latin typeface="+mn-lt"/>
+                <a:ea typeface="+mn-ea"/>
+                <a:cs typeface="+mn-cs"/>
+              </a:defRPr>
+            </a:lvl7pPr>
+            <a:lvl8pPr marL="3429000" indent="-228600" algn="l" defTabSz="914400" rtl="0" eaLnBrk="1" latinLnBrk="0" hangingPunct="1">
+              <a:lnSpc>
+                <a:spcPct val="90000"/>
+              </a:lnSpc>
+              <a:spcBef>
+                <a:spcPts val="500"/>
+              </a:spcBef>
+              <a:buFont typeface="Arial" panose="020B0604020202020204" pitchFamily="34" charset="0"/>
+              <a:buChar char="•"/>
+              <a:defRPr sz="1800" kern="1200">
+                <a:solidFill>
+                  <a:schemeClr val="tx1"/>
+                </a:solidFill>
+                <a:latin typeface="+mn-lt"/>
+                <a:ea typeface="+mn-ea"/>
+                <a:cs typeface="+mn-cs"/>
+              </a:defRPr>
+            </a:lvl8pPr>
+            <a:lvl9pPr marL="3886200" indent="-228600" algn="l" defTabSz="914400" rtl="0" eaLnBrk="1" latinLnBrk="0" hangingPunct="1">
+              <a:lnSpc>
+                <a:spcPct val="90000"/>
+              </a:lnSpc>
+              <a:spcBef>
+                <a:spcPts val="500"/>
+              </a:spcBef>
+              <a:buFont typeface="Arial" panose="020B0604020202020204" pitchFamily="34" charset="0"/>
+              <a:buChar char="•"/>
+              <a:defRPr sz="1800" kern="1200">
+                <a:solidFill>
+                  <a:schemeClr val="tx1"/>
+                </a:solidFill>
+                <a:latin typeface="+mn-lt"/>
+                <a:ea typeface="+mn-ea"/>
+                <a:cs typeface="+mn-cs"/>
+              </a:defRPr>
+            </a:lvl9pPr>
+          </a:lstStyle>
+          <a:p>
+            <a:pPr marL="0" indent="0">
+              <a:buFont typeface="Arial" panose="020B0604020202020204" pitchFamily="34" charset="0"/>
+              <a:buNone/>
+            </a:pPr>
+            <a:r>
+              <a:rPr lang="en-US">
+                <a:latin typeface="Times New Roman" panose="02020603050405020304" pitchFamily="18" charset="0"/>
+                <a:cs typeface="Times New Roman" panose="02020603050405020304" pitchFamily="18" charset="0"/>
+              </a:rPr>
+              <a:t>1</a:t>
+            </a:r>
+            <a:endParaRPr lang="vi-VN">
+              <a:latin typeface="Times New Roman" panose="02020603050405020304" pitchFamily="18" charset="0"/>
+              <a:cs typeface="Times New Roman" panose="02020603050405020304" pitchFamily="18" charset="0"/>
+            </a:endParaRPr>
+          </a:p>
+        </p:txBody>
+      </p:sp>
     </p:spTree>
     <p:extLst>
       <p:ext uri="{BB962C8B-B14F-4D97-AF65-F5344CB8AC3E}">
@@ -14463,6 +18053,214 @@
           </a:prstGeom>
         </p:spPr>
       </p:pic>
+      <p:sp>
+        <p:nvSpPr>
+          <p:cNvPr id="7" name="Text Placeholder 2">
+            <a:extLst>
+              <a:ext uri="{FF2B5EF4-FFF2-40B4-BE49-F238E27FC236}">
+                <a16:creationId xmlns:a16="http://schemas.microsoft.com/office/drawing/2014/main" id="{739A0F80-BFAF-430A-9B8C-78F395A703CD}"/>
+              </a:ext>
+            </a:extLst>
+          </p:cNvPr>
+          <p:cNvSpPr txBox="1">
+            <a:spLocks/>
+          </p:cNvSpPr>
+          <p:nvPr/>
+        </p:nvSpPr>
+        <p:spPr>
+          <a:xfrm>
+            <a:off x="5928754" y="6007211"/>
+            <a:ext cx="334490" cy="436098"/>
+          </a:xfrm>
+          <a:prstGeom prst="rect">
+            <a:avLst/>
+          </a:prstGeom>
+        </p:spPr>
+        <p:txBody>
+          <a:bodyPr/>
+          <a:lstStyle>
+            <a:lvl1pPr marL="228600" indent="-228600" algn="l" defTabSz="914400" rtl="0" eaLnBrk="1" latinLnBrk="0" hangingPunct="1">
+              <a:lnSpc>
+                <a:spcPct val="90000"/>
+              </a:lnSpc>
+              <a:spcBef>
+                <a:spcPts val="1000"/>
+              </a:spcBef>
+              <a:buFont typeface="Arial" panose="020B0604020202020204" pitchFamily="34" charset="0"/>
+              <a:buChar char="•"/>
+              <a:defRPr sz="2800" kern="1200">
+                <a:solidFill>
+                  <a:schemeClr val="tx1"/>
+                </a:solidFill>
+                <a:latin typeface="Lato" panose="020F0502020204030203" pitchFamily="34" charset="0"/>
+                <a:ea typeface="Lato" panose="020F0502020204030203" pitchFamily="34" charset="0"/>
+                <a:cs typeface="Lato" panose="020F0502020204030203" pitchFamily="34" charset="0"/>
+              </a:defRPr>
+            </a:lvl1pPr>
+            <a:lvl2pPr marL="685800" indent="-228600" algn="l" defTabSz="914400" rtl="0" eaLnBrk="1" latinLnBrk="0" hangingPunct="1">
+              <a:lnSpc>
+                <a:spcPct val="90000"/>
+              </a:lnSpc>
+              <a:spcBef>
+                <a:spcPts val="500"/>
+              </a:spcBef>
+              <a:buFont typeface="Arial" panose="020B0604020202020204" pitchFamily="34" charset="0"/>
+              <a:buChar char="•"/>
+              <a:defRPr sz="2400" kern="1200">
+                <a:solidFill>
+                  <a:schemeClr val="tx1"/>
+                </a:solidFill>
+                <a:latin typeface="Lato" panose="020F0502020204030203" pitchFamily="34" charset="0"/>
+                <a:ea typeface="Lato" panose="020F0502020204030203" pitchFamily="34" charset="0"/>
+                <a:cs typeface="Lato" panose="020F0502020204030203" pitchFamily="34" charset="0"/>
+              </a:defRPr>
+            </a:lvl2pPr>
+            <a:lvl3pPr marL="1143000" indent="-228600" algn="l" defTabSz="914400" rtl="0" eaLnBrk="1" latinLnBrk="0" hangingPunct="1">
+              <a:lnSpc>
+                <a:spcPct val="90000"/>
+              </a:lnSpc>
+              <a:spcBef>
+                <a:spcPts val="500"/>
+              </a:spcBef>
+              <a:buFont typeface="Arial" panose="020B0604020202020204" pitchFamily="34" charset="0"/>
+              <a:buChar char="•"/>
+              <a:defRPr sz="2000" kern="1200">
+                <a:solidFill>
+                  <a:schemeClr val="tx1"/>
+                </a:solidFill>
+                <a:latin typeface="Lato" panose="020F0502020204030203" pitchFamily="34" charset="0"/>
+                <a:ea typeface="Lato" panose="020F0502020204030203" pitchFamily="34" charset="0"/>
+                <a:cs typeface="Lato" panose="020F0502020204030203" pitchFamily="34" charset="0"/>
+              </a:defRPr>
+            </a:lvl3pPr>
+            <a:lvl4pPr marL="1600200" indent="-228600" algn="l" defTabSz="914400" rtl="0" eaLnBrk="1" latinLnBrk="0" hangingPunct="1">
+              <a:lnSpc>
+                <a:spcPct val="90000"/>
+              </a:lnSpc>
+              <a:spcBef>
+                <a:spcPts val="500"/>
+              </a:spcBef>
+              <a:buFont typeface="Arial" panose="020B0604020202020204" pitchFamily="34" charset="0"/>
+              <a:buChar char="•"/>
+              <a:defRPr sz="1800" kern="1200">
+                <a:solidFill>
+                  <a:schemeClr val="tx1"/>
+                </a:solidFill>
+                <a:latin typeface="Lato" panose="020F0502020204030203" pitchFamily="34" charset="0"/>
+                <a:ea typeface="Lato" panose="020F0502020204030203" pitchFamily="34" charset="0"/>
+                <a:cs typeface="Lato" panose="020F0502020204030203" pitchFamily="34" charset="0"/>
+              </a:defRPr>
+            </a:lvl4pPr>
+            <a:lvl5pPr marL="2057400" indent="-228600" algn="l" defTabSz="914400" rtl="0" eaLnBrk="1" latinLnBrk="0" hangingPunct="1">
+              <a:lnSpc>
+                <a:spcPct val="90000"/>
+              </a:lnSpc>
+              <a:spcBef>
+                <a:spcPts val="500"/>
+              </a:spcBef>
+              <a:buFont typeface="Arial" panose="020B0604020202020204" pitchFamily="34" charset="0"/>
+              <a:buChar char="•"/>
+              <a:defRPr sz="1800" kern="1200">
+                <a:solidFill>
+                  <a:schemeClr val="tx1"/>
+                </a:solidFill>
+                <a:latin typeface="Lato" panose="020F0502020204030203" pitchFamily="34" charset="0"/>
+                <a:ea typeface="Lato" panose="020F0502020204030203" pitchFamily="34" charset="0"/>
+                <a:cs typeface="Lato" panose="020F0502020204030203" pitchFamily="34" charset="0"/>
+              </a:defRPr>
+            </a:lvl5pPr>
+            <a:lvl6pPr marL="2514600" indent="-228600" algn="l" defTabSz="914400" rtl="0" eaLnBrk="1" latinLnBrk="0" hangingPunct="1">
+              <a:lnSpc>
+                <a:spcPct val="90000"/>
+              </a:lnSpc>
+              <a:spcBef>
+                <a:spcPts val="500"/>
+              </a:spcBef>
+              <a:buFont typeface="Arial" panose="020B0604020202020204" pitchFamily="34" charset="0"/>
+              <a:buChar char="•"/>
+              <a:defRPr sz="1800" kern="1200">
+                <a:solidFill>
+                  <a:schemeClr val="tx1"/>
+                </a:solidFill>
+                <a:latin typeface="+mn-lt"/>
+                <a:ea typeface="+mn-ea"/>
+                <a:cs typeface="+mn-cs"/>
+              </a:defRPr>
+            </a:lvl6pPr>
+            <a:lvl7pPr marL="2971800" indent="-228600" algn="l" defTabSz="914400" rtl="0" eaLnBrk="1" latinLnBrk="0" hangingPunct="1">
+              <a:lnSpc>
+                <a:spcPct val="90000"/>
+              </a:lnSpc>
+              <a:spcBef>
+                <a:spcPts val="500"/>
+              </a:spcBef>
+              <a:buFont typeface="Arial" panose="020B0604020202020204" pitchFamily="34" charset="0"/>
+              <a:buChar char="•"/>
+              <a:defRPr sz="1800" kern="1200">
+                <a:solidFill>
+                  <a:schemeClr val="tx1"/>
+                </a:solidFill>
+                <a:latin typeface="+mn-lt"/>
+                <a:ea typeface="+mn-ea"/>
+                <a:cs typeface="+mn-cs"/>
+              </a:defRPr>
+            </a:lvl7pPr>
+            <a:lvl8pPr marL="3429000" indent="-228600" algn="l" defTabSz="914400" rtl="0" eaLnBrk="1" latinLnBrk="0" hangingPunct="1">
+              <a:lnSpc>
+                <a:spcPct val="90000"/>
+              </a:lnSpc>
+              <a:spcBef>
+                <a:spcPts val="500"/>
+              </a:spcBef>
+              <a:buFont typeface="Arial" panose="020B0604020202020204" pitchFamily="34" charset="0"/>
+              <a:buChar char="•"/>
+              <a:defRPr sz="1800" kern="1200">
+                <a:solidFill>
+                  <a:schemeClr val="tx1"/>
+                </a:solidFill>
+                <a:latin typeface="+mn-lt"/>
+                <a:ea typeface="+mn-ea"/>
+                <a:cs typeface="+mn-cs"/>
+              </a:defRPr>
+            </a:lvl8pPr>
+            <a:lvl9pPr marL="3886200" indent="-228600" algn="l" defTabSz="914400" rtl="0" eaLnBrk="1" latinLnBrk="0" hangingPunct="1">
+              <a:lnSpc>
+                <a:spcPct val="90000"/>
+              </a:lnSpc>
+              <a:spcBef>
+                <a:spcPts val="500"/>
+              </a:spcBef>
+              <a:buFont typeface="Arial" panose="020B0604020202020204" pitchFamily="34" charset="0"/>
+              <a:buChar char="•"/>
+              <a:defRPr sz="1800" kern="1200">
+                <a:solidFill>
+                  <a:schemeClr val="tx1"/>
+                </a:solidFill>
+                <a:latin typeface="+mn-lt"/>
+                <a:ea typeface="+mn-ea"/>
+                <a:cs typeface="+mn-cs"/>
+              </a:defRPr>
+            </a:lvl9pPr>
+          </a:lstStyle>
+          <a:p>
+            <a:pPr marL="0" indent="0">
+              <a:buFont typeface="Arial" panose="020B0604020202020204" pitchFamily="34" charset="0"/>
+              <a:buNone/>
+            </a:pPr>
+            <a:r>
+              <a:rPr lang="en-US">
+                <a:latin typeface="Times New Roman" panose="02020603050405020304" pitchFamily="18" charset="0"/>
+                <a:cs typeface="Times New Roman" panose="02020603050405020304" pitchFamily="18" charset="0"/>
+              </a:rPr>
+              <a:t>2</a:t>
+            </a:r>
+            <a:endParaRPr lang="vi-VN">
+              <a:latin typeface="Times New Roman" panose="02020603050405020304" pitchFamily="18" charset="0"/>
+              <a:cs typeface="Times New Roman" panose="02020603050405020304" pitchFamily="18" charset="0"/>
+            </a:endParaRPr>
+          </a:p>
+        </p:txBody>
+      </p:sp>
     </p:spTree>
     <p:extLst>
       <p:ext uri="{BB962C8B-B14F-4D97-AF65-F5344CB8AC3E}">
@@ -14808,6 +18606,214 @@
           </a:extLst>
         </p:spPr>
       </p:pic>
+      <p:sp>
+        <p:nvSpPr>
+          <p:cNvPr id="6" name="Text Placeholder 2">
+            <a:extLst>
+              <a:ext uri="{FF2B5EF4-FFF2-40B4-BE49-F238E27FC236}">
+                <a16:creationId xmlns:a16="http://schemas.microsoft.com/office/drawing/2014/main" id="{2177772A-A038-4DAF-B43E-20C0FA7D6995}"/>
+              </a:ext>
+            </a:extLst>
+          </p:cNvPr>
+          <p:cNvSpPr txBox="1">
+            <a:spLocks/>
+          </p:cNvSpPr>
+          <p:nvPr/>
+        </p:nvSpPr>
+        <p:spPr>
+          <a:xfrm>
+            <a:off x="5928755" y="6042073"/>
+            <a:ext cx="334490" cy="436098"/>
+          </a:xfrm>
+          <a:prstGeom prst="rect">
+            <a:avLst/>
+          </a:prstGeom>
+        </p:spPr>
+        <p:txBody>
+          <a:bodyPr/>
+          <a:lstStyle>
+            <a:lvl1pPr marL="228600" indent="-228600" algn="l" defTabSz="914400" rtl="0" eaLnBrk="1" latinLnBrk="0" hangingPunct="1">
+              <a:lnSpc>
+                <a:spcPct val="90000"/>
+              </a:lnSpc>
+              <a:spcBef>
+                <a:spcPts val="1000"/>
+              </a:spcBef>
+              <a:buFont typeface="Arial" panose="020B0604020202020204" pitchFamily="34" charset="0"/>
+              <a:buChar char="•"/>
+              <a:defRPr sz="2800" kern="1200">
+                <a:solidFill>
+                  <a:schemeClr val="tx1"/>
+                </a:solidFill>
+                <a:latin typeface="Lato" panose="020F0502020204030203" pitchFamily="34" charset="0"/>
+                <a:ea typeface="Lato" panose="020F0502020204030203" pitchFamily="34" charset="0"/>
+                <a:cs typeface="Lato" panose="020F0502020204030203" pitchFamily="34" charset="0"/>
+              </a:defRPr>
+            </a:lvl1pPr>
+            <a:lvl2pPr marL="685800" indent="-228600" algn="l" defTabSz="914400" rtl="0" eaLnBrk="1" latinLnBrk="0" hangingPunct="1">
+              <a:lnSpc>
+                <a:spcPct val="90000"/>
+              </a:lnSpc>
+              <a:spcBef>
+                <a:spcPts val="500"/>
+              </a:spcBef>
+              <a:buFont typeface="Arial" panose="020B0604020202020204" pitchFamily="34" charset="0"/>
+              <a:buChar char="•"/>
+              <a:defRPr sz="2400" kern="1200">
+                <a:solidFill>
+                  <a:schemeClr val="tx1"/>
+                </a:solidFill>
+                <a:latin typeface="Lato" panose="020F0502020204030203" pitchFamily="34" charset="0"/>
+                <a:ea typeface="Lato" panose="020F0502020204030203" pitchFamily="34" charset="0"/>
+                <a:cs typeface="Lato" panose="020F0502020204030203" pitchFamily="34" charset="0"/>
+              </a:defRPr>
+            </a:lvl2pPr>
+            <a:lvl3pPr marL="1143000" indent="-228600" algn="l" defTabSz="914400" rtl="0" eaLnBrk="1" latinLnBrk="0" hangingPunct="1">
+              <a:lnSpc>
+                <a:spcPct val="90000"/>
+              </a:lnSpc>
+              <a:spcBef>
+                <a:spcPts val="500"/>
+              </a:spcBef>
+              <a:buFont typeface="Arial" panose="020B0604020202020204" pitchFamily="34" charset="0"/>
+              <a:buChar char="•"/>
+              <a:defRPr sz="2000" kern="1200">
+                <a:solidFill>
+                  <a:schemeClr val="tx1"/>
+                </a:solidFill>
+                <a:latin typeface="Lato" panose="020F0502020204030203" pitchFamily="34" charset="0"/>
+                <a:ea typeface="Lato" panose="020F0502020204030203" pitchFamily="34" charset="0"/>
+                <a:cs typeface="Lato" panose="020F0502020204030203" pitchFamily="34" charset="0"/>
+              </a:defRPr>
+            </a:lvl3pPr>
+            <a:lvl4pPr marL="1600200" indent="-228600" algn="l" defTabSz="914400" rtl="0" eaLnBrk="1" latinLnBrk="0" hangingPunct="1">
+              <a:lnSpc>
+                <a:spcPct val="90000"/>
+              </a:lnSpc>
+              <a:spcBef>
+                <a:spcPts val="500"/>
+              </a:spcBef>
+              <a:buFont typeface="Arial" panose="020B0604020202020204" pitchFamily="34" charset="0"/>
+              <a:buChar char="•"/>
+              <a:defRPr sz="1800" kern="1200">
+                <a:solidFill>
+                  <a:schemeClr val="tx1"/>
+                </a:solidFill>
+                <a:latin typeface="Lato" panose="020F0502020204030203" pitchFamily="34" charset="0"/>
+                <a:ea typeface="Lato" panose="020F0502020204030203" pitchFamily="34" charset="0"/>
+                <a:cs typeface="Lato" panose="020F0502020204030203" pitchFamily="34" charset="0"/>
+              </a:defRPr>
+            </a:lvl4pPr>
+            <a:lvl5pPr marL="2057400" indent="-228600" algn="l" defTabSz="914400" rtl="0" eaLnBrk="1" latinLnBrk="0" hangingPunct="1">
+              <a:lnSpc>
+                <a:spcPct val="90000"/>
+              </a:lnSpc>
+              <a:spcBef>
+                <a:spcPts val="500"/>
+              </a:spcBef>
+              <a:buFont typeface="Arial" panose="020B0604020202020204" pitchFamily="34" charset="0"/>
+              <a:buChar char="•"/>
+              <a:defRPr sz="1800" kern="1200">
+                <a:solidFill>
+                  <a:schemeClr val="tx1"/>
+                </a:solidFill>
+                <a:latin typeface="Lato" panose="020F0502020204030203" pitchFamily="34" charset="0"/>
+                <a:ea typeface="Lato" panose="020F0502020204030203" pitchFamily="34" charset="0"/>
+                <a:cs typeface="Lato" panose="020F0502020204030203" pitchFamily="34" charset="0"/>
+              </a:defRPr>
+            </a:lvl5pPr>
+            <a:lvl6pPr marL="2514600" indent="-228600" algn="l" defTabSz="914400" rtl="0" eaLnBrk="1" latinLnBrk="0" hangingPunct="1">
+              <a:lnSpc>
+                <a:spcPct val="90000"/>
+              </a:lnSpc>
+              <a:spcBef>
+                <a:spcPts val="500"/>
+              </a:spcBef>
+              <a:buFont typeface="Arial" panose="020B0604020202020204" pitchFamily="34" charset="0"/>
+              <a:buChar char="•"/>
+              <a:defRPr sz="1800" kern="1200">
+                <a:solidFill>
+                  <a:schemeClr val="tx1"/>
+                </a:solidFill>
+                <a:latin typeface="+mn-lt"/>
+                <a:ea typeface="+mn-ea"/>
+                <a:cs typeface="+mn-cs"/>
+              </a:defRPr>
+            </a:lvl6pPr>
+            <a:lvl7pPr marL="2971800" indent="-228600" algn="l" defTabSz="914400" rtl="0" eaLnBrk="1" latinLnBrk="0" hangingPunct="1">
+              <a:lnSpc>
+                <a:spcPct val="90000"/>
+              </a:lnSpc>
+              <a:spcBef>
+                <a:spcPts val="500"/>
+              </a:spcBef>
+              <a:buFont typeface="Arial" panose="020B0604020202020204" pitchFamily="34" charset="0"/>
+              <a:buChar char="•"/>
+              <a:defRPr sz="1800" kern="1200">
+                <a:solidFill>
+                  <a:schemeClr val="tx1"/>
+                </a:solidFill>
+                <a:latin typeface="+mn-lt"/>
+                <a:ea typeface="+mn-ea"/>
+                <a:cs typeface="+mn-cs"/>
+              </a:defRPr>
+            </a:lvl7pPr>
+            <a:lvl8pPr marL="3429000" indent="-228600" algn="l" defTabSz="914400" rtl="0" eaLnBrk="1" latinLnBrk="0" hangingPunct="1">
+              <a:lnSpc>
+                <a:spcPct val="90000"/>
+              </a:lnSpc>
+              <a:spcBef>
+                <a:spcPts val="500"/>
+              </a:spcBef>
+              <a:buFont typeface="Arial" panose="020B0604020202020204" pitchFamily="34" charset="0"/>
+              <a:buChar char="•"/>
+              <a:defRPr sz="1800" kern="1200">
+                <a:solidFill>
+                  <a:schemeClr val="tx1"/>
+                </a:solidFill>
+                <a:latin typeface="+mn-lt"/>
+                <a:ea typeface="+mn-ea"/>
+                <a:cs typeface="+mn-cs"/>
+              </a:defRPr>
+            </a:lvl8pPr>
+            <a:lvl9pPr marL="3886200" indent="-228600" algn="l" defTabSz="914400" rtl="0" eaLnBrk="1" latinLnBrk="0" hangingPunct="1">
+              <a:lnSpc>
+                <a:spcPct val="90000"/>
+              </a:lnSpc>
+              <a:spcBef>
+                <a:spcPts val="500"/>
+              </a:spcBef>
+              <a:buFont typeface="Arial" panose="020B0604020202020204" pitchFamily="34" charset="0"/>
+              <a:buChar char="•"/>
+              <a:defRPr sz="1800" kern="1200">
+                <a:solidFill>
+                  <a:schemeClr val="tx1"/>
+                </a:solidFill>
+                <a:latin typeface="+mn-lt"/>
+                <a:ea typeface="+mn-ea"/>
+                <a:cs typeface="+mn-cs"/>
+              </a:defRPr>
+            </a:lvl9pPr>
+          </a:lstStyle>
+          <a:p>
+            <a:pPr marL="0" indent="0">
+              <a:buFont typeface="Arial" panose="020B0604020202020204" pitchFamily="34" charset="0"/>
+              <a:buNone/>
+            </a:pPr>
+            <a:r>
+              <a:rPr lang="en-US">
+                <a:latin typeface="Times New Roman" panose="02020603050405020304" pitchFamily="18" charset="0"/>
+                <a:cs typeface="Times New Roman" panose="02020603050405020304" pitchFamily="18" charset="0"/>
+              </a:rPr>
+              <a:t>3</a:t>
+            </a:r>
+            <a:endParaRPr lang="vi-VN">
+              <a:latin typeface="Times New Roman" panose="02020603050405020304" pitchFamily="18" charset="0"/>
+              <a:cs typeface="Times New Roman" panose="02020603050405020304" pitchFamily="18" charset="0"/>
+            </a:endParaRPr>
+          </a:p>
+        </p:txBody>
+      </p:sp>
     </p:spTree>
     <p:extLst>
       <p:ext uri="{BB962C8B-B14F-4D97-AF65-F5344CB8AC3E}">
@@ -14993,6 +18999,214 @@
           </a:extLst>
         </p:spPr>
       </p:pic>
+      <p:sp>
+        <p:nvSpPr>
+          <p:cNvPr id="6" name="Text Placeholder 2">
+            <a:extLst>
+              <a:ext uri="{FF2B5EF4-FFF2-40B4-BE49-F238E27FC236}">
+                <a16:creationId xmlns:a16="http://schemas.microsoft.com/office/drawing/2014/main" id="{C5979196-2DC6-4CF8-9320-807E95CD38B5}"/>
+              </a:ext>
+            </a:extLst>
+          </p:cNvPr>
+          <p:cNvSpPr txBox="1">
+            <a:spLocks/>
+          </p:cNvSpPr>
+          <p:nvPr/>
+        </p:nvSpPr>
+        <p:spPr>
+          <a:xfrm>
+            <a:off x="5928755" y="6042073"/>
+            <a:ext cx="334490" cy="436098"/>
+          </a:xfrm>
+          <a:prstGeom prst="rect">
+            <a:avLst/>
+          </a:prstGeom>
+        </p:spPr>
+        <p:txBody>
+          <a:bodyPr/>
+          <a:lstStyle>
+            <a:lvl1pPr marL="228600" indent="-228600" algn="l" defTabSz="914400" rtl="0" eaLnBrk="1" latinLnBrk="0" hangingPunct="1">
+              <a:lnSpc>
+                <a:spcPct val="90000"/>
+              </a:lnSpc>
+              <a:spcBef>
+                <a:spcPts val="1000"/>
+              </a:spcBef>
+              <a:buFont typeface="Arial" panose="020B0604020202020204" pitchFamily="34" charset="0"/>
+              <a:buChar char="•"/>
+              <a:defRPr sz="2800" kern="1200">
+                <a:solidFill>
+                  <a:schemeClr val="tx1"/>
+                </a:solidFill>
+                <a:latin typeface="Lato" panose="020F0502020204030203" pitchFamily="34" charset="0"/>
+                <a:ea typeface="Lato" panose="020F0502020204030203" pitchFamily="34" charset="0"/>
+                <a:cs typeface="Lato" panose="020F0502020204030203" pitchFamily="34" charset="0"/>
+              </a:defRPr>
+            </a:lvl1pPr>
+            <a:lvl2pPr marL="685800" indent="-228600" algn="l" defTabSz="914400" rtl="0" eaLnBrk="1" latinLnBrk="0" hangingPunct="1">
+              <a:lnSpc>
+                <a:spcPct val="90000"/>
+              </a:lnSpc>
+              <a:spcBef>
+                <a:spcPts val="500"/>
+              </a:spcBef>
+              <a:buFont typeface="Arial" panose="020B0604020202020204" pitchFamily="34" charset="0"/>
+              <a:buChar char="•"/>
+              <a:defRPr sz="2400" kern="1200">
+                <a:solidFill>
+                  <a:schemeClr val="tx1"/>
+                </a:solidFill>
+                <a:latin typeface="Lato" panose="020F0502020204030203" pitchFamily="34" charset="0"/>
+                <a:ea typeface="Lato" panose="020F0502020204030203" pitchFamily="34" charset="0"/>
+                <a:cs typeface="Lato" panose="020F0502020204030203" pitchFamily="34" charset="0"/>
+              </a:defRPr>
+            </a:lvl2pPr>
+            <a:lvl3pPr marL="1143000" indent="-228600" algn="l" defTabSz="914400" rtl="0" eaLnBrk="1" latinLnBrk="0" hangingPunct="1">
+              <a:lnSpc>
+                <a:spcPct val="90000"/>
+              </a:lnSpc>
+              <a:spcBef>
+                <a:spcPts val="500"/>
+              </a:spcBef>
+              <a:buFont typeface="Arial" panose="020B0604020202020204" pitchFamily="34" charset="0"/>
+              <a:buChar char="•"/>
+              <a:defRPr sz="2000" kern="1200">
+                <a:solidFill>
+                  <a:schemeClr val="tx1"/>
+                </a:solidFill>
+                <a:latin typeface="Lato" panose="020F0502020204030203" pitchFamily="34" charset="0"/>
+                <a:ea typeface="Lato" panose="020F0502020204030203" pitchFamily="34" charset="0"/>
+                <a:cs typeface="Lato" panose="020F0502020204030203" pitchFamily="34" charset="0"/>
+              </a:defRPr>
+            </a:lvl3pPr>
+            <a:lvl4pPr marL="1600200" indent="-228600" algn="l" defTabSz="914400" rtl="0" eaLnBrk="1" latinLnBrk="0" hangingPunct="1">
+              <a:lnSpc>
+                <a:spcPct val="90000"/>
+              </a:lnSpc>
+              <a:spcBef>
+                <a:spcPts val="500"/>
+              </a:spcBef>
+              <a:buFont typeface="Arial" panose="020B0604020202020204" pitchFamily="34" charset="0"/>
+              <a:buChar char="•"/>
+              <a:defRPr sz="1800" kern="1200">
+                <a:solidFill>
+                  <a:schemeClr val="tx1"/>
+                </a:solidFill>
+                <a:latin typeface="Lato" panose="020F0502020204030203" pitchFamily="34" charset="0"/>
+                <a:ea typeface="Lato" panose="020F0502020204030203" pitchFamily="34" charset="0"/>
+                <a:cs typeface="Lato" panose="020F0502020204030203" pitchFamily="34" charset="0"/>
+              </a:defRPr>
+            </a:lvl4pPr>
+            <a:lvl5pPr marL="2057400" indent="-228600" algn="l" defTabSz="914400" rtl="0" eaLnBrk="1" latinLnBrk="0" hangingPunct="1">
+              <a:lnSpc>
+                <a:spcPct val="90000"/>
+              </a:lnSpc>
+              <a:spcBef>
+                <a:spcPts val="500"/>
+              </a:spcBef>
+              <a:buFont typeface="Arial" panose="020B0604020202020204" pitchFamily="34" charset="0"/>
+              <a:buChar char="•"/>
+              <a:defRPr sz="1800" kern="1200">
+                <a:solidFill>
+                  <a:schemeClr val="tx1"/>
+                </a:solidFill>
+                <a:latin typeface="Lato" panose="020F0502020204030203" pitchFamily="34" charset="0"/>
+                <a:ea typeface="Lato" panose="020F0502020204030203" pitchFamily="34" charset="0"/>
+                <a:cs typeface="Lato" panose="020F0502020204030203" pitchFamily="34" charset="0"/>
+              </a:defRPr>
+            </a:lvl5pPr>
+            <a:lvl6pPr marL="2514600" indent="-228600" algn="l" defTabSz="914400" rtl="0" eaLnBrk="1" latinLnBrk="0" hangingPunct="1">
+              <a:lnSpc>
+                <a:spcPct val="90000"/>
+              </a:lnSpc>
+              <a:spcBef>
+                <a:spcPts val="500"/>
+              </a:spcBef>
+              <a:buFont typeface="Arial" panose="020B0604020202020204" pitchFamily="34" charset="0"/>
+              <a:buChar char="•"/>
+              <a:defRPr sz="1800" kern="1200">
+                <a:solidFill>
+                  <a:schemeClr val="tx1"/>
+                </a:solidFill>
+                <a:latin typeface="+mn-lt"/>
+                <a:ea typeface="+mn-ea"/>
+                <a:cs typeface="+mn-cs"/>
+              </a:defRPr>
+            </a:lvl6pPr>
+            <a:lvl7pPr marL="2971800" indent="-228600" algn="l" defTabSz="914400" rtl="0" eaLnBrk="1" latinLnBrk="0" hangingPunct="1">
+              <a:lnSpc>
+                <a:spcPct val="90000"/>
+              </a:lnSpc>
+              <a:spcBef>
+                <a:spcPts val="500"/>
+              </a:spcBef>
+              <a:buFont typeface="Arial" panose="020B0604020202020204" pitchFamily="34" charset="0"/>
+              <a:buChar char="•"/>
+              <a:defRPr sz="1800" kern="1200">
+                <a:solidFill>
+                  <a:schemeClr val="tx1"/>
+                </a:solidFill>
+                <a:latin typeface="+mn-lt"/>
+                <a:ea typeface="+mn-ea"/>
+                <a:cs typeface="+mn-cs"/>
+              </a:defRPr>
+            </a:lvl7pPr>
+            <a:lvl8pPr marL="3429000" indent="-228600" algn="l" defTabSz="914400" rtl="0" eaLnBrk="1" latinLnBrk="0" hangingPunct="1">
+              <a:lnSpc>
+                <a:spcPct val="90000"/>
+              </a:lnSpc>
+              <a:spcBef>
+                <a:spcPts val="500"/>
+              </a:spcBef>
+              <a:buFont typeface="Arial" panose="020B0604020202020204" pitchFamily="34" charset="0"/>
+              <a:buChar char="•"/>
+              <a:defRPr sz="1800" kern="1200">
+                <a:solidFill>
+                  <a:schemeClr val="tx1"/>
+                </a:solidFill>
+                <a:latin typeface="+mn-lt"/>
+                <a:ea typeface="+mn-ea"/>
+                <a:cs typeface="+mn-cs"/>
+              </a:defRPr>
+            </a:lvl8pPr>
+            <a:lvl9pPr marL="3886200" indent="-228600" algn="l" defTabSz="914400" rtl="0" eaLnBrk="1" latinLnBrk="0" hangingPunct="1">
+              <a:lnSpc>
+                <a:spcPct val="90000"/>
+              </a:lnSpc>
+              <a:spcBef>
+                <a:spcPts val="500"/>
+              </a:spcBef>
+              <a:buFont typeface="Arial" panose="020B0604020202020204" pitchFamily="34" charset="0"/>
+              <a:buChar char="•"/>
+              <a:defRPr sz="1800" kern="1200">
+                <a:solidFill>
+                  <a:schemeClr val="tx1"/>
+                </a:solidFill>
+                <a:latin typeface="+mn-lt"/>
+                <a:ea typeface="+mn-ea"/>
+                <a:cs typeface="+mn-cs"/>
+              </a:defRPr>
+            </a:lvl9pPr>
+          </a:lstStyle>
+          <a:p>
+            <a:pPr marL="0" indent="0">
+              <a:buFont typeface="Arial" panose="020B0604020202020204" pitchFamily="34" charset="0"/>
+              <a:buNone/>
+            </a:pPr>
+            <a:r>
+              <a:rPr lang="en-US">
+                <a:latin typeface="Times New Roman" panose="02020603050405020304" pitchFamily="18" charset="0"/>
+                <a:cs typeface="Times New Roman" panose="02020603050405020304" pitchFamily="18" charset="0"/>
+              </a:rPr>
+              <a:t>4</a:t>
+            </a:r>
+            <a:endParaRPr lang="vi-VN">
+              <a:latin typeface="Times New Roman" panose="02020603050405020304" pitchFamily="18" charset="0"/>
+              <a:cs typeface="Times New Roman" panose="02020603050405020304" pitchFamily="18" charset="0"/>
+            </a:endParaRPr>
+          </a:p>
+        </p:txBody>
+      </p:sp>
     </p:spTree>
     <p:extLst>
       <p:ext uri="{BB962C8B-B14F-4D97-AF65-F5344CB8AC3E}">
@@ -15220,6 +19434,214 @@
           </a:extLst>
         </p:spPr>
       </p:pic>
+      <p:sp>
+        <p:nvSpPr>
+          <p:cNvPr id="6" name="Text Placeholder 2">
+            <a:extLst>
+              <a:ext uri="{FF2B5EF4-FFF2-40B4-BE49-F238E27FC236}">
+                <a16:creationId xmlns:a16="http://schemas.microsoft.com/office/drawing/2014/main" id="{7E464EFB-9FB9-439F-BA46-57F4D785CBCA}"/>
+              </a:ext>
+            </a:extLst>
+          </p:cNvPr>
+          <p:cNvSpPr txBox="1">
+            <a:spLocks/>
+          </p:cNvSpPr>
+          <p:nvPr/>
+        </p:nvSpPr>
+        <p:spPr>
+          <a:xfrm>
+            <a:off x="5928755" y="6055842"/>
+            <a:ext cx="334490" cy="436098"/>
+          </a:xfrm>
+          <a:prstGeom prst="rect">
+            <a:avLst/>
+          </a:prstGeom>
+        </p:spPr>
+        <p:txBody>
+          <a:bodyPr/>
+          <a:lstStyle>
+            <a:lvl1pPr marL="228600" indent="-228600" algn="l" defTabSz="914400" rtl="0" eaLnBrk="1" latinLnBrk="0" hangingPunct="1">
+              <a:lnSpc>
+                <a:spcPct val="90000"/>
+              </a:lnSpc>
+              <a:spcBef>
+                <a:spcPts val="1000"/>
+              </a:spcBef>
+              <a:buFont typeface="Arial" panose="020B0604020202020204" pitchFamily="34" charset="0"/>
+              <a:buChar char="•"/>
+              <a:defRPr sz="2800" kern="1200">
+                <a:solidFill>
+                  <a:schemeClr val="tx1"/>
+                </a:solidFill>
+                <a:latin typeface="Lato" panose="020F0502020204030203" pitchFamily="34" charset="0"/>
+                <a:ea typeface="Lato" panose="020F0502020204030203" pitchFamily="34" charset="0"/>
+                <a:cs typeface="Lato" panose="020F0502020204030203" pitchFamily="34" charset="0"/>
+              </a:defRPr>
+            </a:lvl1pPr>
+            <a:lvl2pPr marL="685800" indent="-228600" algn="l" defTabSz="914400" rtl="0" eaLnBrk="1" latinLnBrk="0" hangingPunct="1">
+              <a:lnSpc>
+                <a:spcPct val="90000"/>
+              </a:lnSpc>
+              <a:spcBef>
+                <a:spcPts val="500"/>
+              </a:spcBef>
+              <a:buFont typeface="Arial" panose="020B0604020202020204" pitchFamily="34" charset="0"/>
+              <a:buChar char="•"/>
+              <a:defRPr sz="2400" kern="1200">
+                <a:solidFill>
+                  <a:schemeClr val="tx1"/>
+                </a:solidFill>
+                <a:latin typeface="Lato" panose="020F0502020204030203" pitchFamily="34" charset="0"/>
+                <a:ea typeface="Lato" panose="020F0502020204030203" pitchFamily="34" charset="0"/>
+                <a:cs typeface="Lato" panose="020F0502020204030203" pitchFamily="34" charset="0"/>
+              </a:defRPr>
+            </a:lvl2pPr>
+            <a:lvl3pPr marL="1143000" indent="-228600" algn="l" defTabSz="914400" rtl="0" eaLnBrk="1" latinLnBrk="0" hangingPunct="1">
+              <a:lnSpc>
+                <a:spcPct val="90000"/>
+              </a:lnSpc>
+              <a:spcBef>
+                <a:spcPts val="500"/>
+              </a:spcBef>
+              <a:buFont typeface="Arial" panose="020B0604020202020204" pitchFamily="34" charset="0"/>
+              <a:buChar char="•"/>
+              <a:defRPr sz="2000" kern="1200">
+                <a:solidFill>
+                  <a:schemeClr val="tx1"/>
+                </a:solidFill>
+                <a:latin typeface="Lato" panose="020F0502020204030203" pitchFamily="34" charset="0"/>
+                <a:ea typeface="Lato" panose="020F0502020204030203" pitchFamily="34" charset="0"/>
+                <a:cs typeface="Lato" panose="020F0502020204030203" pitchFamily="34" charset="0"/>
+              </a:defRPr>
+            </a:lvl3pPr>
+            <a:lvl4pPr marL="1600200" indent="-228600" algn="l" defTabSz="914400" rtl="0" eaLnBrk="1" latinLnBrk="0" hangingPunct="1">
+              <a:lnSpc>
+                <a:spcPct val="90000"/>
+              </a:lnSpc>
+              <a:spcBef>
+                <a:spcPts val="500"/>
+              </a:spcBef>
+              <a:buFont typeface="Arial" panose="020B0604020202020204" pitchFamily="34" charset="0"/>
+              <a:buChar char="•"/>
+              <a:defRPr sz="1800" kern="1200">
+                <a:solidFill>
+                  <a:schemeClr val="tx1"/>
+                </a:solidFill>
+                <a:latin typeface="Lato" panose="020F0502020204030203" pitchFamily="34" charset="0"/>
+                <a:ea typeface="Lato" panose="020F0502020204030203" pitchFamily="34" charset="0"/>
+                <a:cs typeface="Lato" panose="020F0502020204030203" pitchFamily="34" charset="0"/>
+              </a:defRPr>
+            </a:lvl4pPr>
+            <a:lvl5pPr marL="2057400" indent="-228600" algn="l" defTabSz="914400" rtl="0" eaLnBrk="1" latinLnBrk="0" hangingPunct="1">
+              <a:lnSpc>
+                <a:spcPct val="90000"/>
+              </a:lnSpc>
+              <a:spcBef>
+                <a:spcPts val="500"/>
+              </a:spcBef>
+              <a:buFont typeface="Arial" panose="020B0604020202020204" pitchFamily="34" charset="0"/>
+              <a:buChar char="•"/>
+              <a:defRPr sz="1800" kern="1200">
+                <a:solidFill>
+                  <a:schemeClr val="tx1"/>
+                </a:solidFill>
+                <a:latin typeface="Lato" panose="020F0502020204030203" pitchFamily="34" charset="0"/>
+                <a:ea typeface="Lato" panose="020F0502020204030203" pitchFamily="34" charset="0"/>
+                <a:cs typeface="Lato" panose="020F0502020204030203" pitchFamily="34" charset="0"/>
+              </a:defRPr>
+            </a:lvl5pPr>
+            <a:lvl6pPr marL="2514600" indent="-228600" algn="l" defTabSz="914400" rtl="0" eaLnBrk="1" latinLnBrk="0" hangingPunct="1">
+              <a:lnSpc>
+                <a:spcPct val="90000"/>
+              </a:lnSpc>
+              <a:spcBef>
+                <a:spcPts val="500"/>
+              </a:spcBef>
+              <a:buFont typeface="Arial" panose="020B0604020202020204" pitchFamily="34" charset="0"/>
+              <a:buChar char="•"/>
+              <a:defRPr sz="1800" kern="1200">
+                <a:solidFill>
+                  <a:schemeClr val="tx1"/>
+                </a:solidFill>
+                <a:latin typeface="+mn-lt"/>
+                <a:ea typeface="+mn-ea"/>
+                <a:cs typeface="+mn-cs"/>
+              </a:defRPr>
+            </a:lvl6pPr>
+            <a:lvl7pPr marL="2971800" indent="-228600" algn="l" defTabSz="914400" rtl="0" eaLnBrk="1" latinLnBrk="0" hangingPunct="1">
+              <a:lnSpc>
+                <a:spcPct val="90000"/>
+              </a:lnSpc>
+              <a:spcBef>
+                <a:spcPts val="500"/>
+              </a:spcBef>
+              <a:buFont typeface="Arial" panose="020B0604020202020204" pitchFamily="34" charset="0"/>
+              <a:buChar char="•"/>
+              <a:defRPr sz="1800" kern="1200">
+                <a:solidFill>
+                  <a:schemeClr val="tx1"/>
+                </a:solidFill>
+                <a:latin typeface="+mn-lt"/>
+                <a:ea typeface="+mn-ea"/>
+                <a:cs typeface="+mn-cs"/>
+              </a:defRPr>
+            </a:lvl7pPr>
+            <a:lvl8pPr marL="3429000" indent="-228600" algn="l" defTabSz="914400" rtl="0" eaLnBrk="1" latinLnBrk="0" hangingPunct="1">
+              <a:lnSpc>
+                <a:spcPct val="90000"/>
+              </a:lnSpc>
+              <a:spcBef>
+                <a:spcPts val="500"/>
+              </a:spcBef>
+              <a:buFont typeface="Arial" panose="020B0604020202020204" pitchFamily="34" charset="0"/>
+              <a:buChar char="•"/>
+              <a:defRPr sz="1800" kern="1200">
+                <a:solidFill>
+                  <a:schemeClr val="tx1"/>
+                </a:solidFill>
+                <a:latin typeface="+mn-lt"/>
+                <a:ea typeface="+mn-ea"/>
+                <a:cs typeface="+mn-cs"/>
+              </a:defRPr>
+            </a:lvl8pPr>
+            <a:lvl9pPr marL="3886200" indent="-228600" algn="l" defTabSz="914400" rtl="0" eaLnBrk="1" latinLnBrk="0" hangingPunct="1">
+              <a:lnSpc>
+                <a:spcPct val="90000"/>
+              </a:lnSpc>
+              <a:spcBef>
+                <a:spcPts val="500"/>
+              </a:spcBef>
+              <a:buFont typeface="Arial" panose="020B0604020202020204" pitchFamily="34" charset="0"/>
+              <a:buChar char="•"/>
+              <a:defRPr sz="1800" kern="1200">
+                <a:solidFill>
+                  <a:schemeClr val="tx1"/>
+                </a:solidFill>
+                <a:latin typeface="+mn-lt"/>
+                <a:ea typeface="+mn-ea"/>
+                <a:cs typeface="+mn-cs"/>
+              </a:defRPr>
+            </a:lvl9pPr>
+          </a:lstStyle>
+          <a:p>
+            <a:pPr marL="0" indent="0">
+              <a:buFont typeface="Arial" panose="020B0604020202020204" pitchFamily="34" charset="0"/>
+              <a:buNone/>
+            </a:pPr>
+            <a:r>
+              <a:rPr lang="en-US">
+                <a:latin typeface="Times New Roman" panose="02020603050405020304" pitchFamily="18" charset="0"/>
+                <a:cs typeface="Times New Roman" panose="02020603050405020304" pitchFamily="18" charset="0"/>
+              </a:rPr>
+              <a:t>5</a:t>
+            </a:r>
+            <a:endParaRPr lang="vi-VN">
+              <a:latin typeface="Times New Roman" panose="02020603050405020304" pitchFamily="18" charset="0"/>
+              <a:cs typeface="Times New Roman" panose="02020603050405020304" pitchFamily="18" charset="0"/>
+            </a:endParaRPr>
+          </a:p>
+        </p:txBody>
+      </p:sp>
     </p:spTree>
     <p:extLst>
       <p:ext uri="{BB962C8B-B14F-4D97-AF65-F5344CB8AC3E}">
@@ -15439,6 +19861,214 @@
           </a:prstGeom>
         </p:spPr>
       </p:pic>
+      <p:sp>
+        <p:nvSpPr>
+          <p:cNvPr id="6" name="Text Placeholder 2">
+            <a:extLst>
+              <a:ext uri="{FF2B5EF4-FFF2-40B4-BE49-F238E27FC236}">
+                <a16:creationId xmlns:a16="http://schemas.microsoft.com/office/drawing/2014/main" id="{38D89CF4-2A97-41B2-BEDB-04368CC1C29F}"/>
+              </a:ext>
+            </a:extLst>
+          </p:cNvPr>
+          <p:cNvSpPr txBox="1">
+            <a:spLocks/>
+          </p:cNvSpPr>
+          <p:nvPr/>
+        </p:nvSpPr>
+        <p:spPr>
+          <a:xfrm>
+            <a:off x="5928755" y="6091310"/>
+            <a:ext cx="334490" cy="436098"/>
+          </a:xfrm>
+          <a:prstGeom prst="rect">
+            <a:avLst/>
+          </a:prstGeom>
+        </p:spPr>
+        <p:txBody>
+          <a:bodyPr/>
+          <a:lstStyle>
+            <a:lvl1pPr marL="228600" indent="-228600" algn="l" defTabSz="914400" rtl="0" eaLnBrk="1" latinLnBrk="0" hangingPunct="1">
+              <a:lnSpc>
+                <a:spcPct val="90000"/>
+              </a:lnSpc>
+              <a:spcBef>
+                <a:spcPts val="1000"/>
+              </a:spcBef>
+              <a:buFont typeface="Arial" panose="020B0604020202020204" pitchFamily="34" charset="0"/>
+              <a:buChar char="•"/>
+              <a:defRPr sz="2800" kern="1200">
+                <a:solidFill>
+                  <a:schemeClr val="tx1"/>
+                </a:solidFill>
+                <a:latin typeface="Lato" panose="020F0502020204030203" pitchFamily="34" charset="0"/>
+                <a:ea typeface="Lato" panose="020F0502020204030203" pitchFamily="34" charset="0"/>
+                <a:cs typeface="Lato" panose="020F0502020204030203" pitchFamily="34" charset="0"/>
+              </a:defRPr>
+            </a:lvl1pPr>
+            <a:lvl2pPr marL="685800" indent="-228600" algn="l" defTabSz="914400" rtl="0" eaLnBrk="1" latinLnBrk="0" hangingPunct="1">
+              <a:lnSpc>
+                <a:spcPct val="90000"/>
+              </a:lnSpc>
+              <a:spcBef>
+                <a:spcPts val="500"/>
+              </a:spcBef>
+              <a:buFont typeface="Arial" panose="020B0604020202020204" pitchFamily="34" charset="0"/>
+              <a:buChar char="•"/>
+              <a:defRPr sz="2400" kern="1200">
+                <a:solidFill>
+                  <a:schemeClr val="tx1"/>
+                </a:solidFill>
+                <a:latin typeface="Lato" panose="020F0502020204030203" pitchFamily="34" charset="0"/>
+                <a:ea typeface="Lato" panose="020F0502020204030203" pitchFamily="34" charset="0"/>
+                <a:cs typeface="Lato" panose="020F0502020204030203" pitchFamily="34" charset="0"/>
+              </a:defRPr>
+            </a:lvl2pPr>
+            <a:lvl3pPr marL="1143000" indent="-228600" algn="l" defTabSz="914400" rtl="0" eaLnBrk="1" latinLnBrk="0" hangingPunct="1">
+              <a:lnSpc>
+                <a:spcPct val="90000"/>
+              </a:lnSpc>
+              <a:spcBef>
+                <a:spcPts val="500"/>
+              </a:spcBef>
+              <a:buFont typeface="Arial" panose="020B0604020202020204" pitchFamily="34" charset="0"/>
+              <a:buChar char="•"/>
+              <a:defRPr sz="2000" kern="1200">
+                <a:solidFill>
+                  <a:schemeClr val="tx1"/>
+                </a:solidFill>
+                <a:latin typeface="Lato" panose="020F0502020204030203" pitchFamily="34" charset="0"/>
+                <a:ea typeface="Lato" panose="020F0502020204030203" pitchFamily="34" charset="0"/>
+                <a:cs typeface="Lato" panose="020F0502020204030203" pitchFamily="34" charset="0"/>
+              </a:defRPr>
+            </a:lvl3pPr>
+            <a:lvl4pPr marL="1600200" indent="-228600" algn="l" defTabSz="914400" rtl="0" eaLnBrk="1" latinLnBrk="0" hangingPunct="1">
+              <a:lnSpc>
+                <a:spcPct val="90000"/>
+              </a:lnSpc>
+              <a:spcBef>
+                <a:spcPts val="500"/>
+              </a:spcBef>
+              <a:buFont typeface="Arial" panose="020B0604020202020204" pitchFamily="34" charset="0"/>
+              <a:buChar char="•"/>
+              <a:defRPr sz="1800" kern="1200">
+                <a:solidFill>
+                  <a:schemeClr val="tx1"/>
+                </a:solidFill>
+                <a:latin typeface="Lato" panose="020F0502020204030203" pitchFamily="34" charset="0"/>
+                <a:ea typeface="Lato" panose="020F0502020204030203" pitchFamily="34" charset="0"/>
+                <a:cs typeface="Lato" panose="020F0502020204030203" pitchFamily="34" charset="0"/>
+              </a:defRPr>
+            </a:lvl4pPr>
+            <a:lvl5pPr marL="2057400" indent="-228600" algn="l" defTabSz="914400" rtl="0" eaLnBrk="1" latinLnBrk="0" hangingPunct="1">
+              <a:lnSpc>
+                <a:spcPct val="90000"/>
+              </a:lnSpc>
+              <a:spcBef>
+                <a:spcPts val="500"/>
+              </a:spcBef>
+              <a:buFont typeface="Arial" panose="020B0604020202020204" pitchFamily="34" charset="0"/>
+              <a:buChar char="•"/>
+              <a:defRPr sz="1800" kern="1200">
+                <a:solidFill>
+                  <a:schemeClr val="tx1"/>
+                </a:solidFill>
+                <a:latin typeface="Lato" panose="020F0502020204030203" pitchFamily="34" charset="0"/>
+                <a:ea typeface="Lato" panose="020F0502020204030203" pitchFamily="34" charset="0"/>
+                <a:cs typeface="Lato" panose="020F0502020204030203" pitchFamily="34" charset="0"/>
+              </a:defRPr>
+            </a:lvl5pPr>
+            <a:lvl6pPr marL="2514600" indent="-228600" algn="l" defTabSz="914400" rtl="0" eaLnBrk="1" latinLnBrk="0" hangingPunct="1">
+              <a:lnSpc>
+                <a:spcPct val="90000"/>
+              </a:lnSpc>
+              <a:spcBef>
+                <a:spcPts val="500"/>
+              </a:spcBef>
+              <a:buFont typeface="Arial" panose="020B0604020202020204" pitchFamily="34" charset="0"/>
+              <a:buChar char="•"/>
+              <a:defRPr sz="1800" kern="1200">
+                <a:solidFill>
+                  <a:schemeClr val="tx1"/>
+                </a:solidFill>
+                <a:latin typeface="+mn-lt"/>
+                <a:ea typeface="+mn-ea"/>
+                <a:cs typeface="+mn-cs"/>
+              </a:defRPr>
+            </a:lvl6pPr>
+            <a:lvl7pPr marL="2971800" indent="-228600" algn="l" defTabSz="914400" rtl="0" eaLnBrk="1" latinLnBrk="0" hangingPunct="1">
+              <a:lnSpc>
+                <a:spcPct val="90000"/>
+              </a:lnSpc>
+              <a:spcBef>
+                <a:spcPts val="500"/>
+              </a:spcBef>
+              <a:buFont typeface="Arial" panose="020B0604020202020204" pitchFamily="34" charset="0"/>
+              <a:buChar char="•"/>
+              <a:defRPr sz="1800" kern="1200">
+                <a:solidFill>
+                  <a:schemeClr val="tx1"/>
+                </a:solidFill>
+                <a:latin typeface="+mn-lt"/>
+                <a:ea typeface="+mn-ea"/>
+                <a:cs typeface="+mn-cs"/>
+              </a:defRPr>
+            </a:lvl7pPr>
+            <a:lvl8pPr marL="3429000" indent="-228600" algn="l" defTabSz="914400" rtl="0" eaLnBrk="1" latinLnBrk="0" hangingPunct="1">
+              <a:lnSpc>
+                <a:spcPct val="90000"/>
+              </a:lnSpc>
+              <a:spcBef>
+                <a:spcPts val="500"/>
+              </a:spcBef>
+              <a:buFont typeface="Arial" panose="020B0604020202020204" pitchFamily="34" charset="0"/>
+              <a:buChar char="•"/>
+              <a:defRPr sz="1800" kern="1200">
+                <a:solidFill>
+                  <a:schemeClr val="tx1"/>
+                </a:solidFill>
+                <a:latin typeface="+mn-lt"/>
+                <a:ea typeface="+mn-ea"/>
+                <a:cs typeface="+mn-cs"/>
+              </a:defRPr>
+            </a:lvl8pPr>
+            <a:lvl9pPr marL="3886200" indent="-228600" algn="l" defTabSz="914400" rtl="0" eaLnBrk="1" latinLnBrk="0" hangingPunct="1">
+              <a:lnSpc>
+                <a:spcPct val="90000"/>
+              </a:lnSpc>
+              <a:spcBef>
+                <a:spcPts val="500"/>
+              </a:spcBef>
+              <a:buFont typeface="Arial" panose="020B0604020202020204" pitchFamily="34" charset="0"/>
+              <a:buChar char="•"/>
+              <a:defRPr sz="1800" kern="1200">
+                <a:solidFill>
+                  <a:schemeClr val="tx1"/>
+                </a:solidFill>
+                <a:latin typeface="+mn-lt"/>
+                <a:ea typeface="+mn-ea"/>
+                <a:cs typeface="+mn-cs"/>
+              </a:defRPr>
+            </a:lvl9pPr>
+          </a:lstStyle>
+          <a:p>
+            <a:pPr marL="0" indent="0">
+              <a:buFont typeface="Arial" panose="020B0604020202020204" pitchFamily="34" charset="0"/>
+              <a:buNone/>
+            </a:pPr>
+            <a:r>
+              <a:rPr lang="en-US">
+                <a:latin typeface="Times New Roman" panose="02020603050405020304" pitchFamily="18" charset="0"/>
+                <a:cs typeface="Times New Roman" panose="02020603050405020304" pitchFamily="18" charset="0"/>
+              </a:rPr>
+              <a:t>6</a:t>
+            </a:r>
+            <a:endParaRPr lang="vi-VN">
+              <a:latin typeface="Times New Roman" panose="02020603050405020304" pitchFamily="18" charset="0"/>
+              <a:cs typeface="Times New Roman" panose="02020603050405020304" pitchFamily="18" charset="0"/>
+            </a:endParaRPr>
+          </a:p>
+        </p:txBody>
+      </p:sp>
     </p:spTree>
     <p:extLst>
       <p:ext uri="{BB962C8B-B14F-4D97-AF65-F5344CB8AC3E}">
